--- a/APRESENTAÇÕES/GPO.pptx
+++ b/APRESENTAÇÕES/GPO.pptx
@@ -156,6 +156,96 @@
 <p:cmAuthorLst xmlns:a="http://schemas.openxmlformats.org/drawingml/2006/main" xmlns:r="http://schemas.openxmlformats.org/officeDocument/2006/relationships" xmlns:p="http://schemas.openxmlformats.org/presentationml/2006/main">
   <p:cmAuthor id="4" name="Autor" initials="A" lastIdx="0" clrIdx="3"/>
 </p:cmAuthorLst>
+</file>
+
+<file path=ppt/changesInfos/changesInfo1.xml><?xml version="1.0" encoding="utf-8"?>
+<pc:chgInfo xmlns:a="http://schemas.openxmlformats.org/drawingml/2006/main" xmlns:r="http://schemas.openxmlformats.org/officeDocument/2006/relationships" xmlns:ac="http://schemas.microsoft.com/office/drawing/2013/main/command" xmlns:pc="http://schemas.microsoft.com/office/powerpoint/2013/main/command">
+  <pc:docChgLst>
+    <pc:chgData name="Nathália Valins" userId="c7930584d5ae4cf7" providerId="LiveId" clId="{7958F0D9-1E06-47F3-887E-B04516713C98}"/>
+    <pc:docChg chg="custSel modSld">
+      <pc:chgData name="Nathália Valins" userId="c7930584d5ae4cf7" providerId="LiveId" clId="{7958F0D9-1E06-47F3-887E-B04516713C98}" dt="2023-05-23T23:23:51.730" v="56" actId="20577"/>
+      <pc:docMkLst>
+        <pc:docMk/>
+      </pc:docMkLst>
+      <pc:sldChg chg="modSp mod">
+        <pc:chgData name="Nathália Valins" userId="c7930584d5ae4cf7" providerId="LiveId" clId="{7958F0D9-1E06-47F3-887E-B04516713C98}" dt="2023-05-23T23:21:55.494" v="0"/>
+        <pc:sldMkLst>
+          <pc:docMk/>
+          <pc:sldMk cId="2810133685" sldId="327"/>
+        </pc:sldMkLst>
+        <pc:spChg chg="mod">
+          <ac:chgData name="Nathália Valins" userId="c7930584d5ae4cf7" providerId="LiveId" clId="{7958F0D9-1E06-47F3-887E-B04516713C98}" dt="2023-05-23T23:21:55.494" v="0"/>
+          <ac:spMkLst>
+            <pc:docMk/>
+            <pc:sldMk cId="2810133685" sldId="327"/>
+            <ac:spMk id="3" creationId="{77C9C890-ADC6-0AA7-BBC0-05E856AA7C3C}"/>
+          </ac:spMkLst>
+        </pc:spChg>
+      </pc:sldChg>
+      <pc:sldChg chg="modSp mod">
+        <pc:chgData name="Nathália Valins" userId="c7930584d5ae4cf7" providerId="LiveId" clId="{7958F0D9-1E06-47F3-887E-B04516713C98}" dt="2023-05-23T23:22:23.646" v="2" actId="14100"/>
+        <pc:sldMkLst>
+          <pc:docMk/>
+          <pc:sldMk cId="2924417010" sldId="328"/>
+        </pc:sldMkLst>
+        <pc:spChg chg="mod">
+          <ac:chgData name="Nathália Valins" userId="c7930584d5ae4cf7" providerId="LiveId" clId="{7958F0D9-1E06-47F3-887E-B04516713C98}" dt="2023-05-23T23:22:23.646" v="2" actId="14100"/>
+          <ac:spMkLst>
+            <pc:docMk/>
+            <pc:sldMk cId="2924417010" sldId="328"/>
+            <ac:spMk id="4" creationId="{78D3FE44-803A-0FCA-D29B-EB40225C360F}"/>
+          </ac:spMkLst>
+        </pc:spChg>
+      </pc:sldChg>
+      <pc:sldChg chg="addSp delSp modSp mod">
+        <pc:chgData name="Nathália Valins" userId="c7930584d5ae4cf7" providerId="LiveId" clId="{7958F0D9-1E06-47F3-887E-B04516713C98}" dt="2023-05-23T23:23:51.730" v="56" actId="20577"/>
+        <pc:sldMkLst>
+          <pc:docMk/>
+          <pc:sldMk cId="1239358510" sldId="330"/>
+        </pc:sldMkLst>
+        <pc:spChg chg="mod">
+          <ac:chgData name="Nathália Valins" userId="c7930584d5ae4cf7" providerId="LiveId" clId="{7958F0D9-1E06-47F3-887E-B04516713C98}" dt="2023-05-23T23:23:51.730" v="56" actId="20577"/>
+          <ac:spMkLst>
+            <pc:docMk/>
+            <pc:sldMk cId="1239358510" sldId="330"/>
+            <ac:spMk id="2" creationId="{3359D63F-F67D-B1A6-9772-28B26C238474}"/>
+          </ac:spMkLst>
+        </pc:spChg>
+        <pc:spChg chg="add del mod">
+          <ac:chgData name="Nathália Valins" userId="c7930584d5ae4cf7" providerId="LiveId" clId="{7958F0D9-1E06-47F3-887E-B04516713C98}" dt="2023-05-23T23:23:43.029" v="50" actId="478"/>
+          <ac:spMkLst>
+            <pc:docMk/>
+            <pc:sldMk cId="1239358510" sldId="330"/>
+            <ac:spMk id="7" creationId="{3ED32715-265A-9CD0-1EF1-AB171ECE6CD2}"/>
+          </ac:spMkLst>
+        </pc:spChg>
+        <pc:graphicFrameChg chg="del modGraphic">
+          <ac:chgData name="Nathália Valins" userId="c7930584d5ae4cf7" providerId="LiveId" clId="{7958F0D9-1E06-47F3-887E-B04516713C98}" dt="2023-05-23T23:23:38.105" v="48" actId="478"/>
+          <ac:graphicFrameMkLst>
+            <pc:docMk/>
+            <pc:sldMk cId="1239358510" sldId="330"/>
+            <ac:graphicFrameMk id="6" creationId="{0A0DC889-C77D-3D3E-D081-3D572EC949AE}"/>
+          </ac:graphicFrameMkLst>
+        </pc:graphicFrameChg>
+      </pc:sldChg>
+      <pc:sldChg chg="modSp mod">
+        <pc:chgData name="Nathália Valins" userId="c7930584d5ae4cf7" providerId="LiveId" clId="{7958F0D9-1E06-47F3-887E-B04516713C98}" dt="2023-05-23T23:22:57.740" v="44" actId="5793"/>
+        <pc:sldMkLst>
+          <pc:docMk/>
+          <pc:sldMk cId="3334127647" sldId="339"/>
+        </pc:sldMkLst>
+        <pc:spChg chg="mod">
+          <ac:chgData name="Nathália Valins" userId="c7930584d5ae4cf7" providerId="LiveId" clId="{7958F0D9-1E06-47F3-887E-B04516713C98}" dt="2023-05-23T23:22:57.740" v="44" actId="5793"/>
+          <ac:spMkLst>
+            <pc:docMk/>
+            <pc:sldMk cId="3334127647" sldId="339"/>
+            <ac:spMk id="27" creationId="{BB8B6963-69FE-8A03-5E86-2BF855024B00}"/>
+          </ac:spMkLst>
+        </pc:spChg>
+      </pc:sldChg>
+    </pc:docChg>
+  </pc:docChgLst>
+</pc:chgInfo>
 </file>
 
 <file path=ppt/charts/chart1.xml><?xml version="1.0" encoding="utf-8"?>
@@ -16813,9 +16903,14 @@
               <a:buNone/>
             </a:pPr>
             <a:r>
-              <a:rPr lang="pt-BR" sz="2000" cap="all" spc="0"/>
-              <a:t>Mirjam Nilsson​</a:t>
-            </a:r>
+              <a:rPr lang="pt-BR" sz="2000" cap="all" spc="0" dirty="0"/>
+              <a:t>Nathália </a:t>
+            </a:r>
+            <a:r>
+              <a:rPr lang="pt-BR" sz="2000" cap="all" spc="0" dirty="0" err="1"/>
+              <a:t>valim</a:t>
+            </a:r>
+            <a:endParaRPr lang="pt-BR" sz="2000" cap="all" spc="0" dirty="0"/>
           </a:p>
           <a:p>
             <a:pPr marL="0" indent="0" algn="ctr" rtl="0">
@@ -16828,9 +16923,25 @@
               <a:buNone/>
             </a:pPr>
             <a:r>
-              <a:rPr lang="pt-BR" sz="2000" cap="all" spc="0"/>
-              <a:t>mirjam@contoso.com | www.contoso.com</a:t>
-            </a:r>
+              <a:rPr lang="pt-BR" sz="2000" cap="all" spc="0" dirty="0"/>
+              <a:t>Thiago barro</a:t>
+            </a:r>
+          </a:p>
+          <a:p>
+            <a:pPr marL="0" indent="0" algn="ctr" rtl="0">
+              <a:lnSpc>
+                <a:spcPts val="2660"/>
+              </a:lnSpc>
+              <a:spcBef>
+                <a:spcPts val="0"/>
+              </a:spcBef>
+              <a:buNone/>
+            </a:pPr>
+            <a:r>
+              <a:rPr lang="pt-BR" dirty="0"/>
+              <a:t>Fernando </a:t>
+            </a:r>
+            <a:endParaRPr lang="pt-BR" sz="2000" cap="all" spc="0" dirty="0"/>
           </a:p>
         </p:txBody>
       </p:sp>
@@ -17318,47 +17429,24 @@
             </a:defPPr>
           </a:lstStyle>
           <a:p>
-            <a:pPr marL="0" indent="0" rtl="0">
+            <a:pPr algn="just">
               <a:lnSpc>
-                <a:spcPts val="2400"/>
+                <a:spcPct val="115000"/>
               </a:lnSpc>
-              <a:buNone/>
             </a:pPr>
             <a:r>
-              <a:rPr lang="pt-BR" sz="2000" spc="0">
-                <a:ea typeface="+mn-lt"/>
-                <a:cs typeface="+mn-lt"/>
+              <a:rPr lang="pt-BR" sz="1800" dirty="0">
+                <a:effectLst/>
+                <a:latin typeface="Times New Roman" panose="02020603050405020304" pitchFamily="18" charset="0"/>
+                <a:ea typeface="Arial" panose="020B0604020202020204" pitchFamily="34" charset="0"/>
               </a:rPr>
-              <a:t>Na Contoso, capacitamos as organizações para que promovam o pensamento colaborativo para impulsionar ainda mais a inovação no local de trabalho.</a:t>
-            </a:r>
-          </a:p>
-          <a:p>
-            <a:pPr marL="0" indent="0" rtl="0">
-              <a:lnSpc>
-                <a:spcPts val="2400"/>
-              </a:lnSpc>
-              <a:buNone/>
-            </a:pPr>
-            <a:endParaRPr lang="pt-BR" sz="2000" spc="0">
-              <a:ea typeface="+mn-lt"/>
-              <a:cs typeface="+mn-lt"/>
+              <a:t> Este documento tem por propósito especificar os requisitos necessários da página de web do NOME para o seu desenvolvimento. Além de servir de referência para a manutenção do software. Foram utilizados diagramas UML (diagrama de casos de uso e diagrama de sequência), requisitos funcionais e requisitos não funcionais para ajudar no entendimento das funcionalidades do sistema.</a:t>
+            </a:r>
+            <a:endParaRPr lang="pt-BR" sz="1800" dirty="0">
+              <a:effectLst/>
+              <a:latin typeface="Arial" panose="020B0604020202020204" pitchFamily="34" charset="0"/>
+              <a:ea typeface="Arial" panose="020B0604020202020204" pitchFamily="34" charset="0"/>
             </a:endParaRPr>
-          </a:p>
-          <a:p>
-            <a:pPr marL="0" indent="0" rtl="0">
-              <a:lnSpc>
-                <a:spcPts val="2400"/>
-              </a:lnSpc>
-              <a:buNone/>
-            </a:pPr>
-            <a:r>
-              <a:rPr lang="pt-BR" sz="2000" spc="0">
-                <a:ea typeface="+mn-lt"/>
-                <a:cs typeface="+mn-lt"/>
-              </a:rPr>
-              <a:t>Ao fechar o ciclo e alavancar estruturas ágeis, ajudamos o crescimento orgânico dos negócios e promovemos uma mentalidade voltada para o consumidor em primeiro lugar.</a:t>
-            </a:r>
-            <a:endParaRPr lang="pt-BR" sz="2000" spc="0"/>
           </a:p>
         </p:txBody>
       </p:sp>
@@ -17479,8 +17567,8 @@
         </p:nvSpPr>
         <p:spPr>
           <a:xfrm>
-            <a:off x="8046719" y="4745736"/>
-            <a:ext cx="1745673" cy="1280160"/>
+            <a:off x="5692877" y="4745736"/>
+            <a:ext cx="4099515" cy="1280160"/>
           </a:xfrm>
         </p:spPr>
         <p:txBody>
@@ -17491,11 +17579,29 @@
             </a:defPPr>
           </a:lstStyle>
           <a:p>
-            <a:pPr rtl="0"/>
-            <a:r>
-              <a:rPr lang="pt-BR" dirty="0"/>
-              <a:t>Crescimento da Receita Anual</a:t>
-            </a:r>
+            <a:pPr marL="342900" lvl="0" indent="-342900" algn="just">
+              <a:lnSpc>
+                <a:spcPct val="115000"/>
+              </a:lnSpc>
+              <a:buFont typeface="Symbol" panose="05050102010706020507" pitchFamily="18" charset="2"/>
+              <a:buChar char=""/>
+            </a:pPr>
+            <a:r>
+              <a:rPr lang="pt-BR" sz="1800" dirty="0">
+                <a:solidFill>
+                  <a:srgbClr val="000000"/>
+                </a:solidFill>
+                <a:effectLst/>
+                <a:latin typeface="Times New Roman" panose="02020603050405020304" pitchFamily="18" charset="0"/>
+                <a:ea typeface="Times New Roman" panose="02020603050405020304" pitchFamily="18" charset="0"/>
+              </a:rPr>
+              <a:t>Gerenciador de Prontuários Online - G.P.O.</a:t>
+            </a:r>
+            <a:endParaRPr lang="pt-BR" sz="1800" dirty="0">
+              <a:effectLst/>
+              <a:latin typeface="Arial" panose="020B0604020202020204" pitchFamily="34" charset="0"/>
+              <a:ea typeface="Arial" panose="020B0604020202020204" pitchFamily="34" charset="0"/>
+            </a:endParaRPr>
           </a:p>
           <a:p>
             <a:pPr rtl="0"/>
@@ -17711,7 +17817,12 @@
             <p:ph type="title"/>
           </p:nvPr>
         </p:nvSpPr>
-        <p:spPr/>
+        <p:spPr>
+          <a:xfrm>
+            <a:off x="1188720" y="609599"/>
+            <a:ext cx="9829800" cy="5410201"/>
+          </a:xfrm>
+        </p:spPr>
         <p:txBody>
           <a:bodyPr rtlCol="0"/>
           <a:lstStyle>
@@ -17720,11 +17831,74 @@
             </a:defPPr>
           </a:lstStyle>
           <a:p>
-            <a:pPr rtl="0"/>
-            <a:r>
-              <a:rPr lang="pt-BR" dirty="0"/>
-              <a:t>Áreas de crescimento</a:t>
-            </a:r>
+            <a:pPr>
+              <a:lnSpc>
+                <a:spcPct val="115000"/>
+              </a:lnSpc>
+            </a:pPr>
+            <a:r>
+              <a:rPr lang="pt-BR" sz="1800" b="1">
+                <a:effectLst/>
+                <a:latin typeface="Times New Roman" panose="02020603050405020304" pitchFamily="18" charset="0"/>
+                <a:ea typeface="Arial" panose="020B0604020202020204" pitchFamily="34" charset="0"/>
+              </a:rPr>
+              <a:t>Público Alvo</a:t>
+            </a:r>
+            <a:br>
+              <a:rPr lang="pt-BR" sz="1800" b="1">
+                <a:effectLst/>
+                <a:latin typeface="Times New Roman" panose="02020603050405020304" pitchFamily="18" charset="0"/>
+                <a:ea typeface="Arial" panose="020B0604020202020204" pitchFamily="34" charset="0"/>
+              </a:rPr>
+            </a:br>
+            <a:br>
+              <a:rPr lang="pt-BR" sz="1800" b="1">
+                <a:effectLst/>
+                <a:latin typeface="Times New Roman" panose="02020603050405020304" pitchFamily="18" charset="0"/>
+                <a:ea typeface="Arial" panose="020B0604020202020204" pitchFamily="34" charset="0"/>
+              </a:rPr>
+            </a:br>
+            <a:br>
+              <a:rPr lang="pt-BR" sz="1800" b="1">
+                <a:effectLst/>
+                <a:latin typeface="Times New Roman" panose="02020603050405020304" pitchFamily="18" charset="0"/>
+                <a:ea typeface="Arial" panose="020B0604020202020204" pitchFamily="34" charset="0"/>
+              </a:rPr>
+            </a:br>
+            <a:br>
+              <a:rPr lang="pt-BR" sz="1800" b="1">
+                <a:effectLst/>
+                <a:latin typeface="Times New Roman" panose="02020603050405020304" pitchFamily="18" charset="0"/>
+                <a:ea typeface="Arial" panose="020B0604020202020204" pitchFamily="34" charset="0"/>
+              </a:rPr>
+            </a:br>
+            <a:br>
+              <a:rPr lang="pt-BR" sz="1800" b="1">
+                <a:effectLst/>
+                <a:latin typeface="Times New Roman" panose="02020603050405020304" pitchFamily="18" charset="0"/>
+                <a:ea typeface="Arial" panose="020B0604020202020204" pitchFamily="34" charset="0"/>
+              </a:rPr>
+            </a:br>
+            <a:br>
+              <a:rPr lang="pt-BR" sz="1800" dirty="0">
+                <a:effectLst/>
+                <a:latin typeface="Arial" panose="020B0604020202020204" pitchFamily="34" charset="0"/>
+                <a:ea typeface="Arial" panose="020B0604020202020204" pitchFamily="34" charset="0"/>
+              </a:rPr>
+            </a:br>
+            <a:r>
+              <a:rPr lang="pt-BR" sz="1800" dirty="0">
+                <a:effectLst/>
+                <a:latin typeface="Times New Roman" panose="02020603050405020304" pitchFamily="18" charset="0"/>
+                <a:ea typeface="Arial" panose="020B0604020202020204" pitchFamily="34" charset="0"/>
+              </a:rPr>
+              <a:t>    Este software destina-se a instituições hospitalares, com a finalidade de gerenciar prontuários e facilitar sua visualização por médicos terceiros, pacientes e seus familiares.</a:t>
+            </a:r>
+            <a:endParaRPr lang="pt-BR" sz="1800" dirty="0">
+              <a:effectLst/>
+              <a:latin typeface="Arial" panose="020B0604020202020204" pitchFamily="34" charset="0"/>
+              <a:ea typeface="Arial" panose="020B0604020202020204" pitchFamily="34" charset="0"/>
+            </a:endParaRPr>
           </a:p>
         </p:txBody>
       </p:sp>
@@ -17796,892 +17970,6 @@
           </a:p>
         </p:txBody>
       </p:sp>
-      <p:graphicFrame>
-        <p:nvGraphicFramePr>
-          <p:cNvPr id="6" name="Tabela 4">
-            <a:extLst>
-              <a:ext uri="{FF2B5EF4-FFF2-40B4-BE49-F238E27FC236}">
-                <a16:creationId xmlns:a16="http://schemas.microsoft.com/office/drawing/2014/main" id="{0A0DC889-C77D-3D3E-D081-3D572EC949AE}"/>
-              </a:ext>
-            </a:extLst>
-          </p:cNvPr>
-          <p:cNvGraphicFramePr>
-            <a:graphicFrameLocks noGrp="1"/>
-          </p:cNvGraphicFramePr>
-          <p:nvPr>
-            <p:ph idx="1"/>
-            <p:extLst>
-              <p:ext uri="{D42A27DB-BD31-4B8C-83A1-F6EECF244321}">
-                <p14:modId xmlns:p14="http://schemas.microsoft.com/office/powerpoint/2010/main" val="1992489340"/>
-              </p:ext>
-            </p:extLst>
-          </p:nvPr>
-        </p:nvGraphicFramePr>
-        <p:xfrm>
-          <a:off x="1181260" y="1746250"/>
-          <a:ext cx="9829480" cy="4422775"/>
-        </p:xfrm>
-        <a:graphic>
-          <a:graphicData uri="http://schemas.openxmlformats.org/drawingml/2006/table">
-            <a:tbl>
-              <a:tblPr firstRow="1" bandRow="1">
-                <a:tableStyleId>{5C22544A-7EE6-4342-B048-85BDC9FD1C3A}</a:tableStyleId>
-              </a:tblPr>
-              <a:tblGrid>
-                <a:gridCol w="1965896">
-                  <a:extLst>
-                    <a:ext uri="{9D8B030D-6E8A-4147-A177-3AD203B41FA5}">
-                      <a16:colId xmlns:a16="http://schemas.microsoft.com/office/drawing/2014/main" val="1689330750"/>
-                    </a:ext>
-                  </a:extLst>
-                </a:gridCol>
-                <a:gridCol w="1965896">
-                  <a:extLst>
-                    <a:ext uri="{9D8B030D-6E8A-4147-A177-3AD203B41FA5}">
-                      <a16:colId xmlns:a16="http://schemas.microsoft.com/office/drawing/2014/main" val="2660631934"/>
-                    </a:ext>
-                  </a:extLst>
-                </a:gridCol>
-                <a:gridCol w="1965896">
-                  <a:extLst>
-                    <a:ext uri="{9D8B030D-6E8A-4147-A177-3AD203B41FA5}">
-                      <a16:colId xmlns:a16="http://schemas.microsoft.com/office/drawing/2014/main" val="3909717689"/>
-                    </a:ext>
-                  </a:extLst>
-                </a:gridCol>
-                <a:gridCol w="1965896">
-                  <a:extLst>
-                    <a:ext uri="{9D8B030D-6E8A-4147-A177-3AD203B41FA5}">
-                      <a16:colId xmlns:a16="http://schemas.microsoft.com/office/drawing/2014/main" val="1603189107"/>
-                    </a:ext>
-                  </a:extLst>
-                </a:gridCol>
-                <a:gridCol w="1965896">
-                  <a:extLst>
-                    <a:ext uri="{9D8B030D-6E8A-4147-A177-3AD203B41FA5}">
-                      <a16:colId xmlns:a16="http://schemas.microsoft.com/office/drawing/2014/main" val="2755691855"/>
-                    </a:ext>
-                  </a:extLst>
-                </a:gridCol>
-              </a:tblGrid>
-              <a:tr h="884555">
-                <a:tc>
-                  <a:txBody>
-                    <a:bodyPr/>
-                    <a:lstStyle>
-                      <a:defPPr>
-                        <a:defRPr lang="pt-BR"/>
-                      </a:defPPr>
-                    </a:lstStyle>
-                    <a:p>
-                      <a:pPr algn="ctr" rtl="0"/>
-                      <a:r>
-                        <a:rPr lang="pt-BR" sz="1300" b="0" i="0" cap="all" spc="200" noProof="0">
-                          <a:solidFill>
-                            <a:schemeClr val="tx1"/>
-                          </a:solidFill>
-                          <a:latin typeface="Posterama" panose="020B0504020200020000" pitchFamily="34" charset="0"/>
-                        </a:rPr>
-                        <a:t>2022</a:t>
-                      </a:r>
-                    </a:p>
-                  </a:txBody>
-                  <a:tcPr anchor="ctr">
-                    <a:solidFill>
-                      <a:schemeClr val="accent4"/>
-                    </a:solidFill>
-                  </a:tcPr>
-                </a:tc>
-                <a:tc>
-                  <a:txBody>
-                    <a:bodyPr/>
-                    <a:lstStyle>
-                      <a:defPPr>
-                        <a:defRPr lang="pt-BR"/>
-                      </a:defPPr>
-                    </a:lstStyle>
-                    <a:p>
-                      <a:pPr algn="ctr" rtl="0"/>
-                      <a:r>
-                        <a:rPr lang="pt-BR" sz="1300" b="0" i="0" cap="all" spc="200" noProof="0">
-                          <a:solidFill>
-                            <a:schemeClr val="tx1"/>
-                          </a:solidFill>
-                          <a:latin typeface="Posterama" panose="020B0504020200020000" pitchFamily="34" charset="0"/>
-                          <a:cs typeface="Posterama" panose="020B0504020200020000" pitchFamily="34" charset="0"/>
-                        </a:rPr>
-                        <a:t>B2B</a:t>
-                      </a:r>
-                    </a:p>
-                  </a:txBody>
-                  <a:tcPr anchor="ctr">
-                    <a:solidFill>
-                      <a:schemeClr val="accent4"/>
-                    </a:solidFill>
-                  </a:tcPr>
-                </a:tc>
-                <a:tc>
-                  <a:txBody>
-                    <a:bodyPr/>
-                    <a:lstStyle>
-                      <a:defPPr>
-                        <a:defRPr lang="pt-BR"/>
-                      </a:defPPr>
-                    </a:lstStyle>
-                    <a:p>
-                      <a:pPr algn="ctr" rtl="0"/>
-                      <a:r>
-                        <a:rPr lang="pt-BR" sz="1300" b="0" i="0" cap="all" spc="200" noProof="0">
-                          <a:solidFill>
-                            <a:schemeClr val="tx1"/>
-                          </a:solidFill>
-                          <a:latin typeface="Posterama" panose="020B0504020200020000" pitchFamily="34" charset="0"/>
-                          <a:cs typeface="Posterama" panose="020B0504020200020000" pitchFamily="34" charset="0"/>
-                        </a:rPr>
-                        <a:t>Cadeia de abastecimento</a:t>
-                      </a:r>
-                    </a:p>
-                  </a:txBody>
-                  <a:tcPr anchor="ctr">
-                    <a:solidFill>
-                      <a:schemeClr val="accent4"/>
-                    </a:solidFill>
-                  </a:tcPr>
-                </a:tc>
-                <a:tc>
-                  <a:txBody>
-                    <a:bodyPr/>
-                    <a:lstStyle>
-                      <a:defPPr>
-                        <a:defRPr lang="pt-BR"/>
-                      </a:defPPr>
-                    </a:lstStyle>
-                    <a:p>
-                      <a:pPr algn="ctr" rtl="0"/>
-                      <a:r>
-                        <a:rPr lang="pt-BR" sz="1300" b="0" i="0" cap="all" spc="200" noProof="0">
-                          <a:solidFill>
-                            <a:schemeClr val="tx1"/>
-                          </a:solidFill>
-                          <a:latin typeface="Posterama" panose="020B0504020200020000" pitchFamily="34" charset="0"/>
-                          <a:cs typeface="Posterama" panose="020B0504020200020000" pitchFamily="34" charset="0"/>
-                        </a:rPr>
-                        <a:t>ROI</a:t>
-                      </a:r>
-                    </a:p>
-                  </a:txBody>
-                  <a:tcPr anchor="ctr">
-                    <a:solidFill>
-                      <a:schemeClr val="accent4"/>
-                    </a:solidFill>
-                  </a:tcPr>
-                </a:tc>
-                <a:tc>
-                  <a:txBody>
-                    <a:bodyPr/>
-                    <a:lstStyle>
-                      <a:defPPr>
-                        <a:defRPr lang="pt-BR"/>
-                      </a:defPPr>
-                    </a:lstStyle>
-                    <a:p>
-                      <a:pPr algn="ctr" rtl="0"/>
-                      <a:r>
-                        <a:rPr lang="pt-BR" sz="1300" b="0" i="0" cap="all" spc="200" noProof="0">
-                          <a:solidFill>
-                            <a:schemeClr val="tx1"/>
-                          </a:solidFill>
-                          <a:latin typeface="Posterama" panose="020B0504020200020000" pitchFamily="34" charset="0"/>
-                          <a:cs typeface="Posterama" panose="020B0504020200020000" pitchFamily="34" charset="0"/>
-                        </a:rPr>
-                        <a:t>Comércio eletrônico</a:t>
-                      </a:r>
-                    </a:p>
-                  </a:txBody>
-                  <a:tcPr anchor="ctr">
-                    <a:solidFill>
-                      <a:schemeClr val="accent4"/>
-                    </a:solidFill>
-                  </a:tcPr>
-                </a:tc>
-                <a:extLst>
-                  <a:ext uri="{0D108BD9-81ED-4DB2-BD59-A6C34878D82A}">
-                    <a16:rowId xmlns:a16="http://schemas.microsoft.com/office/drawing/2014/main" val="479928716"/>
-                  </a:ext>
-                </a:extLst>
-              </a:tr>
-              <a:tr h="884555">
-                <a:tc>
-                  <a:txBody>
-                    <a:bodyPr/>
-                    <a:lstStyle>
-                      <a:defPPr>
-                        <a:defRPr lang="pt-BR"/>
-                      </a:defPPr>
-                    </a:lstStyle>
-                    <a:p>
-                      <a:pPr algn="ctr" rtl="0"/>
-                      <a:r>
-                        <a:rPr lang="pt-BR" sz="1300" b="0" i="0" noProof="0">
-                          <a:solidFill>
-                            <a:schemeClr val="tx2">
-                              <a:lumMod val="75000"/>
-                            </a:schemeClr>
-                          </a:solidFill>
-                          <a:latin typeface="Calibri Light" panose="020B0306030503040204" pitchFamily="34" charset="0"/>
-                          <a:cs typeface="Calibri Light"/>
-                        </a:rPr>
-                        <a:t>T1</a:t>
-                      </a:r>
-                    </a:p>
-                  </a:txBody>
-                  <a:tcPr anchor="ctr">
-                    <a:solidFill>
-                      <a:schemeClr val="accent2">
-                        <a:alpha val="10000"/>
-                      </a:schemeClr>
-                    </a:solidFill>
-                  </a:tcPr>
-                </a:tc>
-                <a:tc>
-                  <a:txBody>
-                    <a:bodyPr/>
-                    <a:lstStyle>
-                      <a:defPPr>
-                        <a:defRPr lang="pt-BR"/>
-                      </a:defPPr>
-                    </a:lstStyle>
-                    <a:p>
-                      <a:pPr algn="ctr" rtl="0"/>
-                      <a:r>
-                        <a:rPr lang="pt-BR" sz="1300" b="0" i="0" noProof="0">
-                          <a:solidFill>
-                            <a:schemeClr val="tx2">
-                              <a:lumMod val="75000"/>
-                            </a:schemeClr>
-                          </a:solidFill>
-                          <a:latin typeface="Calibri Light" panose="020B0306030503040204" pitchFamily="34" charset="0"/>
-                          <a:cs typeface="Calibri Light"/>
-                        </a:rPr>
-                        <a:t>4,5</a:t>
-                      </a:r>
-                    </a:p>
-                  </a:txBody>
-                  <a:tcPr anchor="ctr">
-                    <a:solidFill>
-                      <a:schemeClr val="accent2">
-                        <a:alpha val="10000"/>
-                      </a:schemeClr>
-                    </a:solidFill>
-                  </a:tcPr>
-                </a:tc>
-                <a:tc>
-                  <a:txBody>
-                    <a:bodyPr/>
-                    <a:lstStyle>
-                      <a:defPPr>
-                        <a:defRPr lang="pt-BR"/>
-                      </a:defPPr>
-                    </a:lstStyle>
-                    <a:p>
-                      <a:pPr algn="ctr" rtl="0"/>
-                      <a:r>
-                        <a:rPr lang="pt-BR" sz="1300" b="0" i="0" noProof="0">
-                          <a:solidFill>
-                            <a:schemeClr val="tx2">
-                              <a:lumMod val="75000"/>
-                            </a:schemeClr>
-                          </a:solidFill>
-                          <a:latin typeface="Calibri Light" panose="020B0306030503040204" pitchFamily="34" charset="0"/>
-                          <a:cs typeface="Calibri Light"/>
-                        </a:rPr>
-                        <a:t>2,3</a:t>
-                      </a:r>
-                    </a:p>
-                  </a:txBody>
-                  <a:tcPr anchor="ctr">
-                    <a:solidFill>
-                      <a:schemeClr val="accent2">
-                        <a:alpha val="10000"/>
-                      </a:schemeClr>
-                    </a:solidFill>
-                  </a:tcPr>
-                </a:tc>
-                <a:tc>
-                  <a:txBody>
-                    <a:bodyPr/>
-                    <a:lstStyle>
-                      <a:defPPr>
-                        <a:defRPr lang="pt-BR"/>
-                      </a:defPPr>
-                    </a:lstStyle>
-                    <a:p>
-                      <a:pPr algn="ctr" rtl="0"/>
-                      <a:r>
-                        <a:rPr lang="pt-BR" sz="1300" b="0" i="0" noProof="0">
-                          <a:solidFill>
-                            <a:schemeClr val="tx2">
-                              <a:lumMod val="75000"/>
-                            </a:schemeClr>
-                          </a:solidFill>
-                          <a:latin typeface="Calibri Light" panose="020B0306030503040204" pitchFamily="34" charset="0"/>
-                          <a:cs typeface="Calibri Light"/>
-                        </a:rPr>
-                        <a:t>1,7</a:t>
-                      </a:r>
-                    </a:p>
-                  </a:txBody>
-                  <a:tcPr anchor="ctr">
-                    <a:solidFill>
-                      <a:schemeClr val="accent2">
-                        <a:alpha val="10000"/>
-                      </a:schemeClr>
-                    </a:solidFill>
-                  </a:tcPr>
-                </a:tc>
-                <a:tc>
-                  <a:txBody>
-                    <a:bodyPr/>
-                    <a:lstStyle>
-                      <a:defPPr>
-                        <a:defRPr lang="pt-BR"/>
-                      </a:defPPr>
-                    </a:lstStyle>
-                    <a:p>
-                      <a:pPr algn="ctr" rtl="0"/>
-                      <a:r>
-                        <a:rPr lang="pt-BR" sz="1300" b="0" i="0" noProof="0">
-                          <a:solidFill>
-                            <a:schemeClr val="tx2">
-                              <a:lumMod val="75000"/>
-                            </a:schemeClr>
-                          </a:solidFill>
-                          <a:latin typeface="Calibri Light" panose="020B0306030503040204" pitchFamily="34" charset="0"/>
-                          <a:cs typeface="Calibri Light"/>
-                        </a:rPr>
-                        <a:t>5,0</a:t>
-                      </a:r>
-                    </a:p>
-                  </a:txBody>
-                  <a:tcPr anchor="ctr">
-                    <a:solidFill>
-                      <a:schemeClr val="accent2">
-                        <a:alpha val="10000"/>
-                      </a:schemeClr>
-                    </a:solidFill>
-                  </a:tcPr>
-                </a:tc>
-                <a:extLst>
-                  <a:ext uri="{0D108BD9-81ED-4DB2-BD59-A6C34878D82A}">
-                    <a16:rowId xmlns:a16="http://schemas.microsoft.com/office/drawing/2014/main" val="1760208656"/>
-                  </a:ext>
-                </a:extLst>
-              </a:tr>
-              <a:tr h="884555">
-                <a:tc>
-                  <a:txBody>
-                    <a:bodyPr/>
-                    <a:lstStyle>
-                      <a:defPPr>
-                        <a:defRPr lang="pt-BR"/>
-                      </a:defPPr>
-                    </a:lstStyle>
-                    <a:p>
-                      <a:pPr algn="ctr" rtl="0"/>
-                      <a:r>
-                        <a:rPr lang="pt-BR" sz="1300" b="0" i="0" noProof="0">
-                          <a:solidFill>
-                            <a:schemeClr val="tx2">
-                              <a:lumMod val="75000"/>
-                            </a:schemeClr>
-                          </a:solidFill>
-                          <a:latin typeface="Calibri Light" panose="020B0306030503040204" pitchFamily="34" charset="0"/>
-                          <a:cs typeface="Calibri Light"/>
-                        </a:rPr>
-                        <a:t>T2</a:t>
-                      </a:r>
-                    </a:p>
-                  </a:txBody>
-                  <a:tcPr anchor="ctr">
-                    <a:solidFill>
-                      <a:schemeClr val="accent1">
-                        <a:alpha val="15000"/>
-                      </a:schemeClr>
-                    </a:solidFill>
-                  </a:tcPr>
-                </a:tc>
-                <a:tc>
-                  <a:txBody>
-                    <a:bodyPr/>
-                    <a:lstStyle>
-                      <a:defPPr>
-                        <a:defRPr lang="pt-BR"/>
-                      </a:defPPr>
-                    </a:lstStyle>
-                    <a:p>
-                      <a:pPr algn="ctr" rtl="0"/>
-                      <a:r>
-                        <a:rPr lang="pt-BR" sz="1300" b="0" i="0" noProof="0">
-                          <a:solidFill>
-                            <a:schemeClr val="tx2">
-                              <a:lumMod val="75000"/>
-                            </a:schemeClr>
-                          </a:solidFill>
-                          <a:latin typeface="Calibri Light" panose="020B0306030503040204" pitchFamily="34" charset="0"/>
-                          <a:cs typeface="Calibri Light"/>
-                        </a:rPr>
-                        <a:t>3,2</a:t>
-                      </a:r>
-                    </a:p>
-                  </a:txBody>
-                  <a:tcPr anchor="ctr">
-                    <a:solidFill>
-                      <a:schemeClr val="accent1">
-                        <a:alpha val="15000"/>
-                      </a:schemeClr>
-                    </a:solidFill>
-                  </a:tcPr>
-                </a:tc>
-                <a:tc>
-                  <a:txBody>
-                    <a:bodyPr/>
-                    <a:lstStyle>
-                      <a:defPPr>
-                        <a:defRPr lang="pt-BR"/>
-                      </a:defPPr>
-                    </a:lstStyle>
-                    <a:p>
-                      <a:pPr algn="ctr" rtl="0"/>
-                      <a:r>
-                        <a:rPr lang="pt-BR" sz="1300" b="0" i="0" noProof="0">
-                          <a:solidFill>
-                            <a:schemeClr val="tx2">
-                              <a:lumMod val="75000"/>
-                            </a:schemeClr>
-                          </a:solidFill>
-                          <a:latin typeface="Calibri Light" panose="020B0306030503040204" pitchFamily="34" charset="0"/>
-                          <a:cs typeface="Calibri Light"/>
-                        </a:rPr>
-                        <a:t>5,1</a:t>
-                      </a:r>
-                    </a:p>
-                  </a:txBody>
-                  <a:tcPr anchor="ctr">
-                    <a:solidFill>
-                      <a:schemeClr val="accent1">
-                        <a:alpha val="15000"/>
-                      </a:schemeClr>
-                    </a:solidFill>
-                  </a:tcPr>
-                </a:tc>
-                <a:tc>
-                  <a:txBody>
-                    <a:bodyPr/>
-                    <a:lstStyle>
-                      <a:defPPr>
-                        <a:defRPr lang="pt-BR"/>
-                      </a:defPPr>
-                    </a:lstStyle>
-                    <a:p>
-                      <a:pPr algn="ctr" rtl="0"/>
-                      <a:r>
-                        <a:rPr lang="pt-BR" sz="1300" b="0" i="0" noProof="0">
-                          <a:solidFill>
-                            <a:schemeClr val="tx2">
-                              <a:lumMod val="75000"/>
-                            </a:schemeClr>
-                          </a:solidFill>
-                          <a:latin typeface="Calibri Light" panose="020B0306030503040204" pitchFamily="34" charset="0"/>
-                          <a:cs typeface="Calibri Light"/>
-                        </a:rPr>
-                        <a:t>4,4</a:t>
-                      </a:r>
-                    </a:p>
-                  </a:txBody>
-                  <a:tcPr anchor="ctr">
-                    <a:solidFill>
-                      <a:schemeClr val="accent1">
-                        <a:alpha val="15000"/>
-                      </a:schemeClr>
-                    </a:solidFill>
-                  </a:tcPr>
-                </a:tc>
-                <a:tc>
-                  <a:txBody>
-                    <a:bodyPr/>
-                    <a:lstStyle>
-                      <a:defPPr>
-                        <a:defRPr lang="pt-BR"/>
-                      </a:defPPr>
-                    </a:lstStyle>
-                    <a:p>
-                      <a:pPr algn="ctr" rtl="0"/>
-                      <a:r>
-                        <a:rPr lang="pt-BR" sz="1300" b="0" i="0" noProof="0">
-                          <a:solidFill>
-                            <a:schemeClr val="tx2">
-                              <a:lumMod val="75000"/>
-                            </a:schemeClr>
-                          </a:solidFill>
-                          <a:latin typeface="Calibri Light" panose="020B0306030503040204" pitchFamily="34" charset="0"/>
-                          <a:cs typeface="Calibri Light"/>
-                        </a:rPr>
-                        <a:t>3,0</a:t>
-                      </a:r>
-                    </a:p>
-                  </a:txBody>
-                  <a:tcPr anchor="ctr">
-                    <a:solidFill>
-                      <a:schemeClr val="accent1">
-                        <a:alpha val="15000"/>
-                      </a:schemeClr>
-                    </a:solidFill>
-                  </a:tcPr>
-                </a:tc>
-                <a:extLst>
-                  <a:ext uri="{0D108BD9-81ED-4DB2-BD59-A6C34878D82A}">
-                    <a16:rowId xmlns:a16="http://schemas.microsoft.com/office/drawing/2014/main" val="3634243071"/>
-                  </a:ext>
-                </a:extLst>
-              </a:tr>
-              <a:tr h="884555">
-                <a:tc>
-                  <a:txBody>
-                    <a:bodyPr/>
-                    <a:lstStyle>
-                      <a:defPPr>
-                        <a:defRPr lang="pt-BR"/>
-                      </a:defPPr>
-                    </a:lstStyle>
-                    <a:p>
-                      <a:pPr algn="ctr" rtl="0"/>
-                      <a:r>
-                        <a:rPr lang="pt-BR" sz="1300" b="0" i="0" noProof="0">
-                          <a:solidFill>
-                            <a:schemeClr val="tx2">
-                              <a:lumMod val="75000"/>
-                            </a:schemeClr>
-                          </a:solidFill>
-                          <a:latin typeface="Calibri Light" panose="020B0306030503040204" pitchFamily="34" charset="0"/>
-                          <a:cs typeface="Calibri Light"/>
-                        </a:rPr>
-                        <a:t>T3</a:t>
-                      </a:r>
-                    </a:p>
-                  </a:txBody>
-                  <a:tcPr anchor="ctr">
-                    <a:solidFill>
-                      <a:schemeClr val="accent2">
-                        <a:alpha val="10000"/>
-                      </a:schemeClr>
-                    </a:solidFill>
-                  </a:tcPr>
-                </a:tc>
-                <a:tc>
-                  <a:txBody>
-                    <a:bodyPr/>
-                    <a:lstStyle>
-                      <a:defPPr>
-                        <a:defRPr lang="pt-BR"/>
-                      </a:defPPr>
-                    </a:lstStyle>
-                    <a:p>
-                      <a:pPr algn="ctr" rtl="0"/>
-                      <a:r>
-                        <a:rPr lang="pt-BR" sz="1300" b="0" i="0" noProof="0">
-                          <a:solidFill>
-                            <a:schemeClr val="tx2">
-                              <a:lumMod val="75000"/>
-                            </a:schemeClr>
-                          </a:solidFill>
-                          <a:latin typeface="Calibri Light" panose="020B0306030503040204" pitchFamily="34" charset="0"/>
-                          <a:cs typeface="Calibri Light"/>
-                        </a:rPr>
-                        <a:t>2,1</a:t>
-                      </a:r>
-                    </a:p>
-                  </a:txBody>
-                  <a:tcPr anchor="ctr">
-                    <a:solidFill>
-                      <a:schemeClr val="accent2">
-                        <a:alpha val="10000"/>
-                      </a:schemeClr>
-                    </a:solidFill>
-                  </a:tcPr>
-                </a:tc>
-                <a:tc>
-                  <a:txBody>
-                    <a:bodyPr/>
-                    <a:lstStyle>
-                      <a:defPPr>
-                        <a:defRPr lang="pt-BR"/>
-                      </a:defPPr>
-                    </a:lstStyle>
-                    <a:p>
-                      <a:pPr algn="ctr" rtl="0"/>
-                      <a:r>
-                        <a:rPr lang="pt-BR" sz="1300" b="0" i="0" noProof="0">
-                          <a:solidFill>
-                            <a:schemeClr val="tx2">
-                              <a:lumMod val="75000"/>
-                            </a:schemeClr>
-                          </a:solidFill>
-                          <a:latin typeface="Calibri Light" panose="020B0306030503040204" pitchFamily="34" charset="0"/>
-                          <a:cs typeface="Calibri Light"/>
-                        </a:rPr>
-                        <a:t>1,7</a:t>
-                      </a:r>
-                    </a:p>
-                  </a:txBody>
-                  <a:tcPr anchor="ctr">
-                    <a:solidFill>
-                      <a:schemeClr val="accent2">
-                        <a:alpha val="10000"/>
-                      </a:schemeClr>
-                    </a:solidFill>
-                  </a:tcPr>
-                </a:tc>
-                <a:tc>
-                  <a:txBody>
-                    <a:bodyPr/>
-                    <a:lstStyle>
-                      <a:defPPr>
-                        <a:defRPr lang="pt-BR"/>
-                      </a:defPPr>
-                    </a:lstStyle>
-                    <a:p>
-                      <a:pPr algn="ctr" rtl="0"/>
-                      <a:r>
-                        <a:rPr lang="pt-BR" sz="1300" b="0" i="0" noProof="0">
-                          <a:solidFill>
-                            <a:schemeClr val="tx2">
-                              <a:lumMod val="75000"/>
-                            </a:schemeClr>
-                          </a:solidFill>
-                          <a:latin typeface="Calibri Light" panose="020B0306030503040204" pitchFamily="34" charset="0"/>
-                          <a:cs typeface="Calibri Light"/>
-                        </a:rPr>
-                        <a:t>2,5</a:t>
-                      </a:r>
-                    </a:p>
-                  </a:txBody>
-                  <a:tcPr marL="0" marR="0" marT="0" marB="0" anchor="ctr">
-                    <a:solidFill>
-                      <a:schemeClr val="accent2">
-                        <a:alpha val="10000"/>
-                      </a:schemeClr>
-                    </a:solidFill>
-                  </a:tcPr>
-                </a:tc>
-                <a:tc>
-                  <a:txBody>
-                    <a:bodyPr/>
-                    <a:lstStyle>
-                      <a:defPPr>
-                        <a:defRPr lang="pt-BR"/>
-                      </a:defPPr>
-                    </a:lstStyle>
-                    <a:p>
-                      <a:pPr algn="ctr" rtl="0"/>
-                      <a:r>
-                        <a:rPr lang="pt-BR" sz="1300" b="0" i="0" noProof="0">
-                          <a:solidFill>
-                            <a:schemeClr val="tx2">
-                              <a:lumMod val="75000"/>
-                            </a:schemeClr>
-                          </a:solidFill>
-                          <a:latin typeface="Calibri Light" panose="020B0306030503040204" pitchFamily="34" charset="0"/>
-                          <a:cs typeface="Calibri Light"/>
-                        </a:rPr>
-                        <a:t>2,8</a:t>
-                      </a:r>
-                    </a:p>
-                  </a:txBody>
-                  <a:tcPr anchor="ctr">
-                    <a:solidFill>
-                      <a:schemeClr val="accent2">
-                        <a:alpha val="10000"/>
-                      </a:schemeClr>
-                    </a:solidFill>
-                  </a:tcPr>
-                </a:tc>
-                <a:extLst>
-                  <a:ext uri="{0D108BD9-81ED-4DB2-BD59-A6C34878D82A}">
-                    <a16:rowId xmlns:a16="http://schemas.microsoft.com/office/drawing/2014/main" val="415808797"/>
-                  </a:ext>
-                </a:extLst>
-              </a:tr>
-              <a:tr h="884555">
-                <a:tc>
-                  <a:txBody>
-                    <a:bodyPr/>
-                    <a:lstStyle>
-                      <a:defPPr>
-                        <a:defRPr lang="pt-BR"/>
-                      </a:defPPr>
-                    </a:lstStyle>
-                    <a:p>
-                      <a:pPr algn="ctr" rtl="0"/>
-                      <a:r>
-                        <a:rPr lang="pt-BR" sz="1300" b="0" i="0" noProof="0">
-                          <a:solidFill>
-                            <a:schemeClr val="tx2">
-                              <a:lumMod val="75000"/>
-                            </a:schemeClr>
-                          </a:solidFill>
-                          <a:latin typeface="Calibri Light" panose="020B0306030503040204" pitchFamily="34" charset="0"/>
-                          <a:cs typeface="Calibri Light"/>
-                        </a:rPr>
-                        <a:t>T4</a:t>
-                      </a:r>
-                    </a:p>
-                  </a:txBody>
-                  <a:tcPr anchor="ctr">
-                    <a:solidFill>
-                      <a:schemeClr val="accent1">
-                        <a:alpha val="15000"/>
-                      </a:schemeClr>
-                    </a:solidFill>
-                  </a:tcPr>
-                </a:tc>
-                <a:tc>
-                  <a:txBody>
-                    <a:bodyPr/>
-                    <a:lstStyle>
-                      <a:defPPr>
-                        <a:defRPr lang="pt-BR"/>
-                      </a:defPPr>
-                    </a:lstStyle>
-                    <a:p>
-                      <a:pPr algn="ctr" rtl="0"/>
-                      <a:r>
-                        <a:rPr lang="pt-BR" sz="1300" b="0" i="0" noProof="0">
-                          <a:solidFill>
-                            <a:schemeClr val="tx2">
-                              <a:lumMod val="75000"/>
-                            </a:schemeClr>
-                          </a:solidFill>
-                          <a:latin typeface="Calibri Light" panose="020B0306030503040204" pitchFamily="34" charset="0"/>
-                          <a:cs typeface="Calibri Light"/>
-                        </a:rPr>
-                        <a:t>4,5</a:t>
-                      </a:r>
-                    </a:p>
-                  </a:txBody>
-                  <a:tcPr anchor="ctr">
-                    <a:solidFill>
-                      <a:schemeClr val="accent1">
-                        <a:alpha val="15000"/>
-                      </a:schemeClr>
-                    </a:solidFill>
-                  </a:tcPr>
-                </a:tc>
-                <a:tc>
-                  <a:txBody>
-                    <a:bodyPr/>
-                    <a:lstStyle>
-                      <a:defPPr>
-                        <a:defRPr lang="pt-BR"/>
-                      </a:defPPr>
-                    </a:lstStyle>
-                    <a:p>
-                      <a:pPr algn="ctr" rtl="0"/>
-                      <a:r>
-                        <a:rPr lang="pt-BR" sz="1300" b="0" i="0" noProof="0">
-                          <a:solidFill>
-                            <a:schemeClr val="tx2">
-                              <a:lumMod val="75000"/>
-                            </a:schemeClr>
-                          </a:solidFill>
-                          <a:latin typeface="Calibri Light" panose="020B0306030503040204" pitchFamily="34" charset="0"/>
-                          <a:cs typeface="Calibri Light"/>
-                        </a:rPr>
-                        <a:t>2,2</a:t>
-                      </a:r>
-                    </a:p>
-                  </a:txBody>
-                  <a:tcPr anchor="ctr">
-                    <a:solidFill>
-                      <a:schemeClr val="accent1">
-                        <a:alpha val="15000"/>
-                      </a:schemeClr>
-                    </a:solidFill>
-                  </a:tcPr>
-                </a:tc>
-                <a:tc>
-                  <a:txBody>
-                    <a:bodyPr/>
-                    <a:lstStyle>
-                      <a:defPPr>
-                        <a:defRPr lang="pt-BR"/>
-                      </a:defPPr>
-                    </a:lstStyle>
-                    <a:p>
-                      <a:pPr algn="ctr" rtl="0"/>
-                      <a:r>
-                        <a:rPr lang="pt-BR" sz="1300" b="0" i="0" noProof="0">
-                          <a:solidFill>
-                            <a:schemeClr val="tx2">
-                              <a:lumMod val="75000"/>
-                            </a:schemeClr>
-                          </a:solidFill>
-                          <a:latin typeface="Calibri Light" panose="020B0306030503040204" pitchFamily="34" charset="0"/>
-                          <a:cs typeface="Calibri Light"/>
-                        </a:rPr>
-                        <a:t>1,7</a:t>
-                      </a:r>
-                    </a:p>
-                  </a:txBody>
-                  <a:tcPr anchor="ctr">
-                    <a:solidFill>
-                      <a:schemeClr val="accent1">
-                        <a:alpha val="15000"/>
-                      </a:schemeClr>
-                    </a:solidFill>
-                  </a:tcPr>
-                </a:tc>
-                <a:tc>
-                  <a:txBody>
-                    <a:bodyPr/>
-                    <a:lstStyle>
-                      <a:defPPr>
-                        <a:defRPr lang="pt-BR"/>
-                      </a:defPPr>
-                    </a:lstStyle>
-                    <a:p>
-                      <a:pPr algn="ctr" rtl="0"/>
-                      <a:r>
-                        <a:rPr lang="pt-BR" sz="1300" b="0" i="0" noProof="0" dirty="0">
-                          <a:solidFill>
-                            <a:schemeClr val="tx2">
-                              <a:lumMod val="75000"/>
-                            </a:schemeClr>
-                          </a:solidFill>
-                          <a:latin typeface="Calibri Light" panose="020B0306030503040204" pitchFamily="34" charset="0"/>
-                          <a:cs typeface="Calibri Light"/>
-                        </a:rPr>
-                        <a:t>7,0</a:t>
-                      </a:r>
-                    </a:p>
-                  </a:txBody>
-                  <a:tcPr anchor="ctr">
-                    <a:solidFill>
-                      <a:schemeClr val="accent1">
-                        <a:alpha val="15000"/>
-                      </a:schemeClr>
-                    </a:solidFill>
-                  </a:tcPr>
-                </a:tc>
-                <a:extLst>
-                  <a:ext uri="{0D108BD9-81ED-4DB2-BD59-A6C34878D82A}">
-                    <a16:rowId xmlns:a16="http://schemas.microsoft.com/office/drawing/2014/main" val="380950325"/>
-                  </a:ext>
-                </a:extLst>
-              </a:tr>
-            </a:tbl>
-          </a:graphicData>
-        </a:graphic>
-      </p:graphicFrame>
     </p:spTree>
     <p:extLst>
       <p:ext uri="{BB962C8B-B14F-4D97-AF65-F5344CB8AC3E}">
@@ -21730,15 +21018,6 @@
 </file>
 
 <file path=customXml/item1.xml><?xml version="1.0" encoding="utf-8"?>
-<?mso-contentType ?>
-<FormTemplates xmlns="http://schemas.microsoft.com/sharepoint/v3/contenttype/forms">
-  <Display>DocumentLibraryForm</Display>
-  <Edit>DocumentLibraryForm</Edit>
-  <New>DocumentLibraryForm</New>
-</FormTemplates>
-</file>
-
-<file path=customXml/item2.xml><?xml version="1.0" encoding="utf-8"?>
 <ct:contentTypeSchema xmlns:ct="http://schemas.microsoft.com/office/2006/metadata/contentType" xmlns:ma="http://schemas.microsoft.com/office/2006/metadata/properties/metaAttributes" ct:_="" ma:_="" ma:contentTypeName="Document" ma:contentTypeID="0x01010079F111ED35F8CC479449609E8A0923A6" ma:contentTypeVersion="25" ma:contentTypeDescription="Create a new document." ma:contentTypeScope="" ma:versionID="e02306daf00165b375dc6a58966960be">
   <xsd:schema xmlns:xsd="http://www.w3.org/2001/XMLSchema" xmlns:xs="http://www.w3.org/2001/XMLSchema" xmlns:p="http://schemas.microsoft.com/office/2006/metadata/properties" xmlns:ns1="http://schemas.microsoft.com/sharepoint/v3" xmlns:ns2="71af3243-3dd4-4a8d-8c0d-dd76da1f02a5" xmlns:ns3="16c05727-aa75-4e4a-9b5f-8a80a1165891" xmlns:ns4="230e9df3-be65-4c73-a93b-d1236ebd677e" targetNamespace="http://schemas.microsoft.com/office/2006/metadata/properties" ma:root="true" ma:fieldsID="df88fb76bf5f555224557953949c1ec9" ns1:_="" ns2:_="" ns3:_="" ns4:_="">
     <xsd:import namespace="http://schemas.microsoft.com/sharepoint/v3"/>
@@ -22032,6 +21311,15 @@
 </ct:contentTypeSchema>
 </file>
 
+<file path=customXml/item2.xml><?xml version="1.0" encoding="utf-8"?>
+<?mso-contentType ?>
+<FormTemplates xmlns="http://schemas.microsoft.com/sharepoint/v3/contenttype/forms">
+  <Display>DocumentLibraryForm</Display>
+  <Edit>DocumentLibraryForm</Edit>
+  <New>DocumentLibraryForm</New>
+</FormTemplates>
+</file>
+
 <file path=customXml/item3.xml><?xml version="1.0" encoding="utf-8"?>
 <p:properties xmlns:p="http://schemas.microsoft.com/office/2006/metadata/properties" xmlns:xsi="http://www.w3.org/2001/XMLSchema-instance" xmlns:pc="http://schemas.microsoft.com/office/infopath/2007/PartnerControls">
   <documentManagement>
@@ -22053,14 +21341,6 @@
 </file>
 
 <file path=customXml/itemProps1.xml><?xml version="1.0" encoding="utf-8"?>
-<ds:datastoreItem xmlns:ds="http://schemas.openxmlformats.org/officeDocument/2006/customXml" ds:itemID="{0E8B3377-22F1-4153-96F0-CC2E4BE41C57}">
-  <ds:schemaRefs>
-    <ds:schemaRef ds:uri="http://schemas.microsoft.com/sharepoint/v3/contenttype/forms"/>
-  </ds:schemaRefs>
-</ds:datastoreItem>
-</file>
-
-<file path=customXml/itemProps2.xml><?xml version="1.0" encoding="utf-8"?>
 <ds:datastoreItem xmlns:ds="http://schemas.openxmlformats.org/officeDocument/2006/customXml" ds:itemID="{2EB2FABB-45EC-440E-B647-8CA57BA45ACA}">
   <ds:schemaRefs>
     <ds:schemaRef ds:uri="http://schemas.microsoft.com/office/2006/metadata/contentType"/>
@@ -22081,6 +21361,14 @@
 </ds:datastoreItem>
 </file>
 
+<file path=customXml/itemProps2.xml><?xml version="1.0" encoding="utf-8"?>
+<ds:datastoreItem xmlns:ds="http://schemas.openxmlformats.org/officeDocument/2006/customXml" ds:itemID="{0E8B3377-22F1-4153-96F0-CC2E4BE41C57}">
+  <ds:schemaRefs>
+    <ds:schemaRef ds:uri="http://schemas.microsoft.com/sharepoint/v3/contenttype/forms"/>
+  </ds:schemaRefs>
+</ds:datastoreItem>
+</file>
+
 <file path=customXml/itemProps3.xml><?xml version="1.0" encoding="utf-8"?>
 <ds:datastoreItem xmlns:ds="http://schemas.openxmlformats.org/officeDocument/2006/customXml" ds:itemID="{99746342-5E84-430E-9251-61001F208E7A}">
   <ds:schemaRefs>

--- a/APRESENTAÇÕES/GPO.pptx
+++ b/APRESENTAÇÕES/GPO.pptx
@@ -5,27 +5,20 @@
     <p:sldMasterId id="2147483648" r:id="rId4"/>
   </p:sldMasterIdLst>
   <p:notesMasterIdLst>
-    <p:notesMasterId r:id="rId20"/>
+    <p:notesMasterId r:id="rId13"/>
   </p:notesMasterIdLst>
   <p:handoutMasterIdLst>
-    <p:handoutMasterId r:id="rId21"/>
+    <p:handoutMasterId r:id="rId14"/>
   </p:handoutMasterIdLst>
   <p:sldIdLst>
     <p:sldId id="325" r:id="rId5"/>
-    <p:sldId id="326" r:id="rId6"/>
-    <p:sldId id="327" r:id="rId7"/>
-    <p:sldId id="328" r:id="rId8"/>
-    <p:sldId id="329" r:id="rId9"/>
-    <p:sldId id="330" r:id="rId10"/>
-    <p:sldId id="331" r:id="rId11"/>
-    <p:sldId id="332" r:id="rId12"/>
-    <p:sldId id="333" r:id="rId13"/>
-    <p:sldId id="334" r:id="rId14"/>
-    <p:sldId id="335" r:id="rId15"/>
-    <p:sldId id="336" r:id="rId16"/>
-    <p:sldId id="337" r:id="rId17"/>
-    <p:sldId id="338" r:id="rId18"/>
-    <p:sldId id="339" r:id="rId19"/>
+    <p:sldId id="327" r:id="rId6"/>
+    <p:sldId id="328" r:id="rId7"/>
+    <p:sldId id="330" r:id="rId8"/>
+    <p:sldId id="331" r:id="rId9"/>
+    <p:sldId id="332" r:id="rId10"/>
+    <p:sldId id="338" r:id="rId11"/>
+    <p:sldId id="339" r:id="rId12"/>
   </p:sldIdLst>
   <p:sldSz cx="12192000" cy="6858000"/>
   <p:notesSz cx="6858000" cy="9144000"/>
@@ -162,11 +155,18 @@
 <pc:chgInfo xmlns:a="http://schemas.openxmlformats.org/drawingml/2006/main" xmlns:r="http://schemas.openxmlformats.org/officeDocument/2006/relationships" xmlns:ac="http://schemas.microsoft.com/office/drawing/2013/main/command" xmlns:pc="http://schemas.microsoft.com/office/powerpoint/2013/main/command">
   <pc:docChgLst>
     <pc:chgData name="Nathália Valins" userId="c7930584d5ae4cf7" providerId="LiveId" clId="{7958F0D9-1E06-47F3-887E-B04516713C98}"/>
-    <pc:docChg chg="custSel modSld">
-      <pc:chgData name="Nathália Valins" userId="c7930584d5ae4cf7" providerId="LiveId" clId="{7958F0D9-1E06-47F3-887E-B04516713C98}" dt="2023-05-23T23:23:51.730" v="56" actId="20577"/>
+    <pc:docChg chg="custSel delSld modSld">
+      <pc:chgData name="Nathália Valins" userId="c7930584d5ae4cf7" providerId="LiveId" clId="{7958F0D9-1E06-47F3-887E-B04516713C98}" dt="2023-05-23T23:27:05.163" v="82" actId="2696"/>
       <pc:docMkLst>
         <pc:docMk/>
       </pc:docMkLst>
+      <pc:sldChg chg="del">
+        <pc:chgData name="Nathália Valins" userId="c7930584d5ae4cf7" providerId="LiveId" clId="{7958F0D9-1E06-47F3-887E-B04516713C98}" dt="2023-05-23T23:26:36.293" v="80" actId="2696"/>
+        <pc:sldMkLst>
+          <pc:docMk/>
+          <pc:sldMk cId="2910866480" sldId="326"/>
+        </pc:sldMkLst>
+      </pc:sldChg>
       <pc:sldChg chg="modSp mod">
         <pc:chgData name="Nathália Valins" userId="c7930584d5ae4cf7" providerId="LiveId" clId="{7958F0D9-1E06-47F3-887E-B04516713C98}" dt="2023-05-23T23:21:55.494" v="0"/>
         <pc:sldMkLst>
@@ -196,6 +196,13 @@
             <ac:spMk id="4" creationId="{78D3FE44-803A-0FCA-D29B-EB40225C360F}"/>
           </ac:spMkLst>
         </pc:spChg>
+      </pc:sldChg>
+      <pc:sldChg chg="del">
+        <pc:chgData name="Nathália Valins" userId="c7930584d5ae4cf7" providerId="LiveId" clId="{7958F0D9-1E06-47F3-887E-B04516713C98}" dt="2023-05-23T23:26:31.431" v="79" actId="2696"/>
+        <pc:sldMkLst>
+          <pc:docMk/>
+          <pc:sldMk cId="1263875044" sldId="329"/>
+        </pc:sldMkLst>
       </pc:sldChg>
       <pc:sldChg chg="addSp delSp modSp mod">
         <pc:chgData name="Nathália Valins" userId="c7930584d5ae4cf7" providerId="LiveId" clId="{7958F0D9-1E06-47F3-887E-B04516713C98}" dt="2023-05-23T23:23:51.730" v="56" actId="20577"/>
@@ -228,6 +235,64 @@
           </ac:graphicFrameMkLst>
         </pc:graphicFrameChg>
       </pc:sldChg>
+      <pc:sldChg chg="del">
+        <pc:chgData name="Nathália Valins" userId="c7930584d5ae4cf7" providerId="LiveId" clId="{7958F0D9-1E06-47F3-887E-B04516713C98}" dt="2023-05-23T23:26:27.691" v="78" actId="2696"/>
+        <pc:sldMkLst>
+          <pc:docMk/>
+          <pc:sldMk cId="2141700674" sldId="333"/>
+        </pc:sldMkLst>
+      </pc:sldChg>
+      <pc:sldChg chg="del">
+        <pc:chgData name="Nathália Valins" userId="c7930584d5ae4cf7" providerId="LiveId" clId="{7958F0D9-1E06-47F3-887E-B04516713C98}" dt="2023-05-23T23:27:01.224" v="81" actId="2696"/>
+        <pc:sldMkLst>
+          <pc:docMk/>
+          <pc:sldMk cId="2607450225" sldId="334"/>
+        </pc:sldMkLst>
+      </pc:sldChg>
+      <pc:sldChg chg="del">
+        <pc:chgData name="Nathália Valins" userId="c7930584d5ae4cf7" providerId="LiveId" clId="{7958F0D9-1E06-47F3-887E-B04516713C98}" dt="2023-05-23T23:27:05.163" v="82" actId="2696"/>
+        <pc:sldMkLst>
+          <pc:docMk/>
+          <pc:sldMk cId="758882227" sldId="335"/>
+        </pc:sldMkLst>
+      </pc:sldChg>
+      <pc:sldChg chg="del">
+        <pc:chgData name="Nathália Valins" userId="c7930584d5ae4cf7" providerId="LiveId" clId="{7958F0D9-1E06-47F3-887E-B04516713C98}" dt="2023-05-23T23:26:21.449" v="77" actId="2696"/>
+        <pc:sldMkLst>
+          <pc:docMk/>
+          <pc:sldMk cId="2499958832" sldId="336"/>
+        </pc:sldMkLst>
+      </pc:sldChg>
+      <pc:sldChg chg="del">
+        <pc:chgData name="Nathália Valins" userId="c7930584d5ae4cf7" providerId="LiveId" clId="{7958F0D9-1E06-47F3-887E-B04516713C98}" dt="2023-05-23T23:26:16.015" v="76" actId="2696"/>
+        <pc:sldMkLst>
+          <pc:docMk/>
+          <pc:sldMk cId="394375464" sldId="337"/>
+        </pc:sldMkLst>
+      </pc:sldChg>
+      <pc:sldChg chg="modSp mod">
+        <pc:chgData name="Nathália Valins" userId="c7930584d5ae4cf7" providerId="LiveId" clId="{7958F0D9-1E06-47F3-887E-B04516713C98}" dt="2023-05-23T23:26:01.284" v="75" actId="14100"/>
+        <pc:sldMkLst>
+          <pc:docMk/>
+          <pc:sldMk cId="409420417" sldId="338"/>
+        </pc:sldMkLst>
+        <pc:spChg chg="mod">
+          <ac:chgData name="Nathália Valins" userId="c7930584d5ae4cf7" providerId="LiveId" clId="{7958F0D9-1E06-47F3-887E-B04516713C98}" dt="2023-05-23T23:26:01.284" v="75" actId="14100"/>
+          <ac:spMkLst>
+            <pc:docMk/>
+            <pc:sldMk cId="409420417" sldId="338"/>
+            <ac:spMk id="4" creationId="{68003147-27BE-7492-36B6-F405F1156F31}"/>
+          </ac:spMkLst>
+        </pc:spChg>
+        <pc:spChg chg="mod">
+          <ac:chgData name="Nathália Valins" userId="c7930584d5ae4cf7" providerId="LiveId" clId="{7958F0D9-1E06-47F3-887E-B04516713C98}" dt="2023-05-23T23:25:47.654" v="65" actId="20577"/>
+          <ac:spMkLst>
+            <pc:docMk/>
+            <pc:sldMk cId="409420417" sldId="338"/>
+            <ac:spMk id="6" creationId="{BB7103A8-AEEA-50D3-BE61-CC85D24BDF23}"/>
+          </ac:spMkLst>
+        </pc:spChg>
+      </pc:sldChg>
       <pc:sldChg chg="modSp mod">
         <pc:chgData name="Nathália Valins" userId="c7930584d5ae4cf7" providerId="LiveId" clId="{7958F0D9-1E06-47F3-887E-B04516713C98}" dt="2023-05-23T23:22:57.740" v="44" actId="5793"/>
         <pc:sldMkLst>
@@ -246,1146 +311,6 @@
     </pc:docChg>
   </pc:docChgLst>
 </pc:chgInfo>
-</file>
-
-<file path=ppt/charts/chart1.xml><?xml version="1.0" encoding="utf-8"?>
-<c:chartSpace xmlns:c="http://schemas.openxmlformats.org/drawingml/2006/chart" xmlns:a="http://schemas.openxmlformats.org/drawingml/2006/main" xmlns:r="http://schemas.openxmlformats.org/officeDocument/2006/relationships" xmlns:c16r2="http://schemas.microsoft.com/office/drawing/2015/06/chart">
-  <c:date1904 val="0"/>
-  <c:lang val="pt-BR"/>
-  <c:roundedCorners val="0"/>
-  <mc:AlternateContent xmlns:mc="http://schemas.openxmlformats.org/markup-compatibility/2006">
-    <mc:Choice xmlns:c14="http://schemas.microsoft.com/office/drawing/2007/8/2/chart" Requires="c14">
-      <c14:style val="102"/>
-    </mc:Choice>
-    <mc:Fallback>
-      <c:style val="2"/>
-    </mc:Fallback>
-  </mc:AlternateContent>
-  <c:chart>
-    <c:autoTitleDeleted val="1"/>
-    <c:plotArea>
-      <c:layout/>
-      <c:barChart>
-        <c:barDir val="bar"/>
-        <c:grouping val="clustered"/>
-        <c:varyColors val="0"/>
-        <c:ser>
-          <c:idx val="0"/>
-          <c:order val="0"/>
-          <c:tx>
-            <c:strRef>
-              <c:f>Sheet1!$B$1</c:f>
-              <c:strCache>
-                <c:ptCount val="1"/>
-                <c:pt idx="0">
-                  <c:v>Série 3</c:v>
-                </c:pt>
-              </c:strCache>
-            </c:strRef>
-          </c:tx>
-          <c:spPr>
-            <a:solidFill>
-              <a:schemeClr val="accent1"/>
-            </a:solidFill>
-            <a:ln>
-              <a:noFill/>
-            </a:ln>
-            <a:effectLst/>
-          </c:spPr>
-          <c:invertIfNegative val="0"/>
-          <c:dLbls>
-            <c:spPr>
-              <a:noFill/>
-              <a:ln>
-                <a:noFill/>
-              </a:ln>
-              <a:effectLst/>
-            </c:spPr>
-            <c:txPr>
-              <a:bodyPr rot="0" spcFirstLastPara="1" vertOverflow="ellipsis" vert="horz" wrap="square" anchor="ctr" anchorCtr="1"/>
-              <a:lstStyle/>
-              <a:p>
-                <a:pPr>
-                  <a:defRPr sz="1400" b="0" i="0" u="none" strike="noStrike" kern="1200" cap="all" baseline="0">
-                    <a:solidFill>
-                      <a:schemeClr val="tx1">
-                        <a:lumMod val="75000"/>
-                        <a:lumOff val="25000"/>
-                      </a:schemeClr>
-                    </a:solidFill>
-                    <a:latin typeface="Calibri Light" panose="020F0302020204030204" pitchFamily="34" charset="0"/>
-                    <a:ea typeface="+mn-ea"/>
-                    <a:cs typeface="Calibri Light" panose="020F0302020204030204" pitchFamily="34" charset="0"/>
-                  </a:defRPr>
-                </a:pPr>
-                <a:endParaRPr lang="pt-BR"/>
-              </a:p>
-            </c:txPr>
-            <c:dLblPos val="outEnd"/>
-            <c:showLegendKey val="0"/>
-            <c:showVal val="1"/>
-            <c:showCatName val="0"/>
-            <c:showSerName val="0"/>
-            <c:showPercent val="0"/>
-            <c:showBubbleSize val="0"/>
-            <c:showLeaderLines val="0"/>
-            <c:extLst>
-              <c:ext xmlns:c15="http://schemas.microsoft.com/office/drawing/2012/chart" uri="{CE6537A1-D6FC-4f65-9D91-7224C49458BB}">
-                <c15:showLeaderLines val="1"/>
-                <c15:leaderLines>
-                  <c:spPr>
-                    <a:ln w="9525" cap="flat" cmpd="sng" algn="ctr">
-                      <a:solidFill>
-                        <a:schemeClr val="tx1">
-                          <a:lumMod val="35000"/>
-                          <a:lumOff val="65000"/>
-                        </a:schemeClr>
-                      </a:solidFill>
-                      <a:round/>
-                    </a:ln>
-                    <a:effectLst/>
-                  </c:spPr>
-                </c15:leaderLines>
-              </c:ext>
-            </c:extLst>
-          </c:dLbls>
-          <c:cat>
-            <c:strRef>
-              <c:f>Sheet1!$A$2:$A$5</c:f>
-              <c:strCache>
-                <c:ptCount val="4"/>
-                <c:pt idx="0">
-                  <c:v>T4</c:v>
-                </c:pt>
-                <c:pt idx="1">
-                  <c:v>T3</c:v>
-                </c:pt>
-                <c:pt idx="2">
-                  <c:v>T2</c:v>
-                </c:pt>
-                <c:pt idx="3">
-                  <c:v>T1</c:v>
-                </c:pt>
-              </c:strCache>
-            </c:strRef>
-          </c:cat>
-          <c:val>
-            <c:numRef>
-              <c:f>Sheet1!$B$2:$B$5</c:f>
-              <c:numCache>
-                <c:formatCode>_(* #,##0.0_);_(* \(#,##0.0\);_(* "-"??_);_(@_)</c:formatCode>
-                <c:ptCount val="4"/>
-                <c:pt idx="0">
-                  <c:v>4.5</c:v>
-                </c:pt>
-                <c:pt idx="1">
-                  <c:v>3.5</c:v>
-                </c:pt>
-                <c:pt idx="2">
-                  <c:v>2.5</c:v>
-                </c:pt>
-                <c:pt idx="3">
-                  <c:v>4.3</c:v>
-                </c:pt>
-              </c:numCache>
-            </c:numRef>
-          </c:val>
-          <c:extLst>
-            <c:ext xmlns:c16="http://schemas.microsoft.com/office/drawing/2014/chart" uri="{C3380CC4-5D6E-409C-BE32-E72D297353CC}">
-              <c16:uniqueId val="{00000000-CB5A-4DC1-BE56-D923280050CD}"/>
-            </c:ext>
-          </c:extLst>
-        </c:ser>
-        <c:ser>
-          <c:idx val="1"/>
-          <c:order val="1"/>
-          <c:tx>
-            <c:strRef>
-              <c:f>Sheet1!$C$1</c:f>
-              <c:strCache>
-                <c:ptCount val="1"/>
-                <c:pt idx="0">
-                  <c:v>Série 2</c:v>
-                </c:pt>
-              </c:strCache>
-            </c:strRef>
-          </c:tx>
-          <c:spPr>
-            <a:solidFill>
-              <a:schemeClr val="accent3"/>
-            </a:solidFill>
-            <a:ln>
-              <a:noFill/>
-            </a:ln>
-            <a:effectLst/>
-          </c:spPr>
-          <c:invertIfNegative val="0"/>
-          <c:dLbls>
-            <c:spPr>
-              <a:noFill/>
-              <a:ln>
-                <a:noFill/>
-              </a:ln>
-              <a:effectLst/>
-            </c:spPr>
-            <c:txPr>
-              <a:bodyPr rot="0" spcFirstLastPara="1" vertOverflow="ellipsis" vert="horz" wrap="square" anchor="ctr" anchorCtr="1"/>
-              <a:lstStyle/>
-              <a:p>
-                <a:pPr>
-                  <a:defRPr sz="1400" b="0" i="0" u="none" strike="noStrike" kern="1200" cap="all" baseline="0">
-                    <a:solidFill>
-                      <a:schemeClr val="tx1">
-                        <a:lumMod val="75000"/>
-                        <a:lumOff val="25000"/>
-                      </a:schemeClr>
-                    </a:solidFill>
-                    <a:latin typeface="Calibri Light" panose="020F0302020204030204" pitchFamily="34" charset="0"/>
-                    <a:ea typeface="+mn-ea"/>
-                    <a:cs typeface="Calibri Light" panose="020F0302020204030204" pitchFamily="34" charset="0"/>
-                  </a:defRPr>
-                </a:pPr>
-                <a:endParaRPr lang="pt-BR"/>
-              </a:p>
-            </c:txPr>
-            <c:dLblPos val="outEnd"/>
-            <c:showLegendKey val="0"/>
-            <c:showVal val="1"/>
-            <c:showCatName val="0"/>
-            <c:showSerName val="0"/>
-            <c:showPercent val="0"/>
-            <c:showBubbleSize val="0"/>
-            <c:showLeaderLines val="0"/>
-            <c:extLst>
-              <c:ext xmlns:c15="http://schemas.microsoft.com/office/drawing/2012/chart" uri="{CE6537A1-D6FC-4f65-9D91-7224C49458BB}">
-                <c15:showLeaderLines val="1"/>
-                <c15:leaderLines>
-                  <c:spPr>
-                    <a:ln w="9525" cap="flat" cmpd="sng" algn="ctr">
-                      <a:solidFill>
-                        <a:schemeClr val="tx1">
-                          <a:lumMod val="35000"/>
-                          <a:lumOff val="65000"/>
-                        </a:schemeClr>
-                      </a:solidFill>
-                      <a:round/>
-                    </a:ln>
-                    <a:effectLst/>
-                  </c:spPr>
-                </c15:leaderLines>
-              </c:ext>
-            </c:extLst>
-          </c:dLbls>
-          <c:cat>
-            <c:strRef>
-              <c:f>Sheet1!$A$2:$A$5</c:f>
-              <c:strCache>
-                <c:ptCount val="4"/>
-                <c:pt idx="0">
-                  <c:v>T4</c:v>
-                </c:pt>
-                <c:pt idx="1">
-                  <c:v>T3</c:v>
-                </c:pt>
-                <c:pt idx="2">
-                  <c:v>T2</c:v>
-                </c:pt>
-                <c:pt idx="3">
-                  <c:v>T1</c:v>
-                </c:pt>
-              </c:strCache>
-            </c:strRef>
-          </c:cat>
-          <c:val>
-            <c:numRef>
-              <c:f>Sheet1!$C$2:$C$5</c:f>
-              <c:numCache>
-                <c:formatCode>_(* #,##0.0_);_(* \(#,##0.0\);_(* "-"??_);_(@_)</c:formatCode>
-                <c:ptCount val="4"/>
-                <c:pt idx="0">
-                  <c:v>2.8</c:v>
-                </c:pt>
-                <c:pt idx="1">
-                  <c:v>1.8</c:v>
-                </c:pt>
-                <c:pt idx="2">
-                  <c:v>4.4000000000000004</c:v>
-                </c:pt>
-                <c:pt idx="3">
-                  <c:v>2.4</c:v>
-                </c:pt>
-              </c:numCache>
-            </c:numRef>
-          </c:val>
-          <c:extLst>
-            <c:ext xmlns:c16="http://schemas.microsoft.com/office/drawing/2014/chart" uri="{C3380CC4-5D6E-409C-BE32-E72D297353CC}">
-              <c16:uniqueId val="{00000001-CB5A-4DC1-BE56-D923280050CD}"/>
-            </c:ext>
-          </c:extLst>
-        </c:ser>
-        <c:ser>
-          <c:idx val="2"/>
-          <c:order val="2"/>
-          <c:tx>
-            <c:strRef>
-              <c:f>Sheet1!$D$1</c:f>
-              <c:strCache>
-                <c:ptCount val="1"/>
-                <c:pt idx="0">
-                  <c:v>Série 1</c:v>
-                </c:pt>
-              </c:strCache>
-            </c:strRef>
-          </c:tx>
-          <c:spPr>
-            <a:solidFill>
-              <a:schemeClr val="accent4"/>
-            </a:solidFill>
-            <a:ln>
-              <a:noFill/>
-            </a:ln>
-            <a:effectLst/>
-          </c:spPr>
-          <c:invertIfNegative val="0"/>
-          <c:dLbls>
-            <c:spPr>
-              <a:noFill/>
-              <a:ln>
-                <a:noFill/>
-              </a:ln>
-              <a:effectLst/>
-            </c:spPr>
-            <c:txPr>
-              <a:bodyPr rot="0" spcFirstLastPara="1" vertOverflow="ellipsis" vert="horz" wrap="square" anchor="ctr" anchorCtr="1"/>
-              <a:lstStyle/>
-              <a:p>
-                <a:pPr>
-                  <a:defRPr sz="1400" b="0" i="0" u="none" strike="noStrike" kern="1200" cap="all" baseline="0">
-                    <a:solidFill>
-                      <a:schemeClr val="tx1">
-                        <a:lumMod val="75000"/>
-                        <a:lumOff val="25000"/>
-                      </a:schemeClr>
-                    </a:solidFill>
-                    <a:latin typeface="Calibri Light" panose="020F0302020204030204" pitchFamily="34" charset="0"/>
-                    <a:ea typeface="+mn-ea"/>
-                    <a:cs typeface="Calibri Light" panose="020F0302020204030204" pitchFamily="34" charset="0"/>
-                  </a:defRPr>
-                </a:pPr>
-                <a:endParaRPr lang="pt-BR"/>
-              </a:p>
-            </c:txPr>
-            <c:dLblPos val="outEnd"/>
-            <c:showLegendKey val="0"/>
-            <c:showVal val="1"/>
-            <c:showCatName val="0"/>
-            <c:showSerName val="0"/>
-            <c:showPercent val="0"/>
-            <c:showBubbleSize val="0"/>
-            <c:showLeaderLines val="0"/>
-            <c:extLst>
-              <c:ext xmlns:c15="http://schemas.microsoft.com/office/drawing/2012/chart" uri="{CE6537A1-D6FC-4f65-9D91-7224C49458BB}">
-                <c15:showLeaderLines val="1"/>
-                <c15:leaderLines>
-                  <c:spPr>
-                    <a:ln w="9525" cap="flat" cmpd="sng" algn="ctr">
-                      <a:solidFill>
-                        <a:schemeClr val="tx1">
-                          <a:lumMod val="35000"/>
-                          <a:lumOff val="65000"/>
-                        </a:schemeClr>
-                      </a:solidFill>
-                      <a:round/>
-                    </a:ln>
-                    <a:effectLst/>
-                  </c:spPr>
-                </c15:leaderLines>
-              </c:ext>
-            </c:extLst>
-          </c:dLbls>
-          <c:cat>
-            <c:strRef>
-              <c:f>Sheet1!$A$2:$A$5</c:f>
-              <c:strCache>
-                <c:ptCount val="4"/>
-                <c:pt idx="0">
-                  <c:v>T4</c:v>
-                </c:pt>
-                <c:pt idx="1">
-                  <c:v>T3</c:v>
-                </c:pt>
-                <c:pt idx="2">
-                  <c:v>T2</c:v>
-                </c:pt>
-                <c:pt idx="3">
-                  <c:v>T1</c:v>
-                </c:pt>
-              </c:strCache>
-            </c:strRef>
-          </c:cat>
-          <c:val>
-            <c:numRef>
-              <c:f>Sheet1!$D$2:$D$5</c:f>
-              <c:numCache>
-                <c:formatCode>_(* #,##0.0_);_(* \(#,##0.0\);_(* "-"??_);_(@_)</c:formatCode>
-                <c:ptCount val="4"/>
-                <c:pt idx="0">
-                  <c:v>5</c:v>
-                </c:pt>
-                <c:pt idx="1">
-                  <c:v>3</c:v>
-                </c:pt>
-                <c:pt idx="2">
-                  <c:v>2</c:v>
-                </c:pt>
-                <c:pt idx="3">
-                  <c:v>2</c:v>
-                </c:pt>
-              </c:numCache>
-            </c:numRef>
-          </c:val>
-          <c:extLst>
-            <c:ext xmlns:c16="http://schemas.microsoft.com/office/drawing/2014/chart" uri="{C3380CC4-5D6E-409C-BE32-E72D297353CC}">
-              <c16:uniqueId val="{00000002-CB5A-4DC1-BE56-D923280050CD}"/>
-            </c:ext>
-          </c:extLst>
-        </c:ser>
-        <c:dLbls>
-          <c:dLblPos val="outEnd"/>
-          <c:showLegendKey val="0"/>
-          <c:showVal val="1"/>
-          <c:showCatName val="0"/>
-          <c:showSerName val="0"/>
-          <c:showPercent val="0"/>
-          <c:showBubbleSize val="0"/>
-        </c:dLbls>
-        <c:gapWidth val="182"/>
-        <c:axId val="1111705064"/>
-        <c:axId val="1111706704"/>
-      </c:barChart>
-      <c:catAx>
-        <c:axId val="1111705064"/>
-        <c:scaling>
-          <c:orientation val="minMax"/>
-        </c:scaling>
-        <c:delete val="0"/>
-        <c:axPos val="l"/>
-        <c:numFmt formatCode="General" sourceLinked="1"/>
-        <c:majorTickMark val="none"/>
-        <c:minorTickMark val="none"/>
-        <c:tickLblPos val="nextTo"/>
-        <c:spPr>
-          <a:noFill/>
-          <a:ln w="9525" cap="flat" cmpd="sng" algn="ctr">
-            <a:solidFill>
-              <a:schemeClr val="tx1">
-                <a:lumMod val="15000"/>
-                <a:lumOff val="85000"/>
-              </a:schemeClr>
-            </a:solidFill>
-            <a:round/>
-          </a:ln>
-          <a:effectLst/>
-        </c:spPr>
-        <c:txPr>
-          <a:bodyPr rot="-60000000" spcFirstLastPara="1" vertOverflow="ellipsis" vert="horz" wrap="square" anchor="ctr" anchorCtr="1"/>
-          <a:lstStyle/>
-          <a:p>
-            <a:pPr>
-              <a:defRPr sz="1400" b="0" i="0" u="none" strike="noStrike" kern="1200" cap="all" baseline="0">
-                <a:solidFill>
-                  <a:schemeClr val="tx1">
-                    <a:lumMod val="65000"/>
-                    <a:lumOff val="35000"/>
-                  </a:schemeClr>
-                </a:solidFill>
-                <a:latin typeface="Calibri Light" panose="020F0302020204030204" pitchFamily="34" charset="0"/>
-                <a:ea typeface="+mn-ea"/>
-                <a:cs typeface="Calibri Light" panose="020F0302020204030204" pitchFamily="34" charset="0"/>
-              </a:defRPr>
-            </a:pPr>
-            <a:endParaRPr lang="pt-BR"/>
-          </a:p>
-        </c:txPr>
-        <c:crossAx val="1111706704"/>
-        <c:crosses val="autoZero"/>
-        <c:auto val="1"/>
-        <c:lblAlgn val="ctr"/>
-        <c:lblOffset val="100"/>
-        <c:noMultiLvlLbl val="0"/>
-      </c:catAx>
-      <c:valAx>
-        <c:axId val="1111706704"/>
-        <c:scaling>
-          <c:orientation val="minMax"/>
-        </c:scaling>
-        <c:delete val="0"/>
-        <c:axPos val="b"/>
-        <c:majorGridlines>
-          <c:spPr>
-            <a:ln w="9525" cap="flat" cmpd="sng" algn="ctr">
-              <a:solidFill>
-                <a:schemeClr val="tx1">
-                  <a:lumMod val="15000"/>
-                  <a:lumOff val="85000"/>
-                </a:schemeClr>
-              </a:solidFill>
-              <a:round/>
-            </a:ln>
-            <a:effectLst/>
-          </c:spPr>
-        </c:majorGridlines>
-        <c:numFmt formatCode="_(* #,##0.0_);_(* \(#,##0.0\);_(* &quot;-&quot;??_);_(@_)" sourceLinked="1"/>
-        <c:majorTickMark val="none"/>
-        <c:minorTickMark val="none"/>
-        <c:tickLblPos val="nextTo"/>
-        <c:spPr>
-          <a:noFill/>
-          <a:ln>
-            <a:noFill/>
-          </a:ln>
-          <a:effectLst/>
-        </c:spPr>
-        <c:txPr>
-          <a:bodyPr rot="-60000000" spcFirstLastPara="1" vertOverflow="ellipsis" vert="horz" wrap="square" anchor="ctr" anchorCtr="1"/>
-          <a:lstStyle/>
-          <a:p>
-            <a:pPr>
-              <a:defRPr sz="1400" b="0" i="0" u="none" strike="noStrike" kern="1200" cap="all" baseline="0">
-                <a:solidFill>
-                  <a:schemeClr val="tx1">
-                    <a:lumMod val="65000"/>
-                    <a:lumOff val="35000"/>
-                  </a:schemeClr>
-                </a:solidFill>
-                <a:latin typeface="Calibri Light" panose="020F0302020204030204" pitchFamily="34" charset="0"/>
-                <a:ea typeface="+mn-ea"/>
-                <a:cs typeface="Calibri Light" panose="020F0302020204030204" pitchFamily="34" charset="0"/>
-              </a:defRPr>
-            </a:pPr>
-            <a:endParaRPr lang="pt-BR"/>
-          </a:p>
-        </c:txPr>
-        <c:crossAx val="1111705064"/>
-        <c:crosses val="autoZero"/>
-        <c:crossBetween val="between"/>
-      </c:valAx>
-      <c:spPr>
-        <a:noFill/>
-        <a:ln>
-          <a:noFill/>
-        </a:ln>
-        <a:effectLst/>
-      </c:spPr>
-    </c:plotArea>
-    <c:legend>
-      <c:legendPos val="b"/>
-      <c:overlay val="0"/>
-      <c:spPr>
-        <a:noFill/>
-        <a:ln>
-          <a:noFill/>
-        </a:ln>
-        <a:effectLst/>
-      </c:spPr>
-      <c:txPr>
-        <a:bodyPr rot="0" spcFirstLastPara="1" vertOverflow="ellipsis" vert="horz" wrap="square" anchor="ctr" anchorCtr="1"/>
-        <a:lstStyle/>
-        <a:p>
-          <a:pPr>
-            <a:defRPr sz="1400" b="0" i="0" u="none" strike="noStrike" kern="1200" cap="all" baseline="0">
-              <a:solidFill>
-                <a:schemeClr val="tx1">
-                  <a:lumMod val="65000"/>
-                  <a:lumOff val="35000"/>
-                </a:schemeClr>
-              </a:solidFill>
-              <a:latin typeface="Calibri Light" panose="020F0302020204030204" pitchFamily="34" charset="0"/>
-              <a:ea typeface="+mn-ea"/>
-              <a:cs typeface="Calibri Light" panose="020F0302020204030204" pitchFamily="34" charset="0"/>
-            </a:defRPr>
-          </a:pPr>
-          <a:endParaRPr lang="pt-BR"/>
-        </a:p>
-      </c:txPr>
-    </c:legend>
-    <c:plotVisOnly val="1"/>
-    <c:dispBlanksAs val="gap"/>
-    <c:extLst>
-      <c:ext xmlns:c16r3="http://schemas.microsoft.com/office/drawing/2017/03/chart" uri="{56B9EC1D-385E-4148-901F-78D8002777C0}">
-        <c16r3:dataDisplayOptions16>
-          <c16r3:dispNaAsBlank val="1"/>
-        </c16r3:dataDisplayOptions16>
-      </c:ext>
-    </c:extLst>
-    <c:showDLblsOverMax val="0"/>
-  </c:chart>
-  <c:spPr>
-    <a:noFill/>
-    <a:ln>
-      <a:noFill/>
-    </a:ln>
-    <a:effectLst/>
-  </c:spPr>
-  <c:txPr>
-    <a:bodyPr/>
-    <a:lstStyle/>
-    <a:p>
-      <a:pPr>
-        <a:defRPr sz="1400" cap="all" baseline="0"/>
-      </a:pPr>
-      <a:endParaRPr lang="pt-BR"/>
-    </a:p>
-  </c:txPr>
-  <c:externalData r:id="rId3">
-    <c:autoUpdate val="0"/>
-  </c:externalData>
-</c:chartSpace>
-</file>
-
-<file path=ppt/charts/colors1.xml><?xml version="1.0" encoding="utf-8"?>
-<cs:colorStyle xmlns:cs="http://schemas.microsoft.com/office/drawing/2012/chartStyle" xmlns:a="http://schemas.openxmlformats.org/drawingml/2006/main" meth="cycle" id="10">
-  <a:schemeClr val="accent1"/>
-  <a:schemeClr val="accent2"/>
-  <a:schemeClr val="accent3"/>
-  <a:schemeClr val="accent4"/>
-  <a:schemeClr val="accent5"/>
-  <a:schemeClr val="accent6"/>
-  <cs:variation/>
-  <cs:variation>
-    <a:lumMod val="60000"/>
-  </cs:variation>
-  <cs:variation>
-    <a:lumMod val="80000"/>
-    <a:lumOff val="20000"/>
-  </cs:variation>
-  <cs:variation>
-    <a:lumMod val="80000"/>
-  </cs:variation>
-  <cs:variation>
-    <a:lumMod val="60000"/>
-    <a:lumOff val="40000"/>
-  </cs:variation>
-  <cs:variation>
-    <a:lumMod val="50000"/>
-  </cs:variation>
-  <cs:variation>
-    <a:lumMod val="70000"/>
-    <a:lumOff val="30000"/>
-  </cs:variation>
-  <cs:variation>
-    <a:lumMod val="70000"/>
-  </cs:variation>
-  <cs:variation>
-    <a:lumMod val="50000"/>
-    <a:lumOff val="50000"/>
-  </cs:variation>
-</cs:colorStyle>
-</file>
-
-<file path=ppt/charts/style1.xml><?xml version="1.0" encoding="utf-8"?>
-<cs:chartStyle xmlns:cs="http://schemas.microsoft.com/office/drawing/2012/chartStyle" xmlns:a="http://schemas.openxmlformats.org/drawingml/2006/main" id="216">
-  <cs:axisTitle>
-    <cs:lnRef idx="0"/>
-    <cs:fillRef idx="0"/>
-    <cs:effectRef idx="0"/>
-    <cs:fontRef idx="minor">
-      <a:schemeClr val="tx1">
-        <a:lumMod val="65000"/>
-        <a:lumOff val="35000"/>
-      </a:schemeClr>
-    </cs:fontRef>
-    <cs:defRPr sz="1330" kern="1200"/>
-  </cs:axisTitle>
-  <cs:categoryAxis>
-    <cs:lnRef idx="0"/>
-    <cs:fillRef idx="0"/>
-    <cs:effectRef idx="0"/>
-    <cs:fontRef idx="minor">
-      <a:schemeClr val="tx1">
-        <a:lumMod val="65000"/>
-        <a:lumOff val="35000"/>
-      </a:schemeClr>
-    </cs:fontRef>
-    <cs:spPr>
-      <a:ln w="9525" cap="flat" cmpd="sng" algn="ctr">
-        <a:solidFill>
-          <a:schemeClr val="tx1">
-            <a:lumMod val="15000"/>
-            <a:lumOff val="85000"/>
-          </a:schemeClr>
-        </a:solidFill>
-        <a:round/>
-      </a:ln>
-    </cs:spPr>
-    <cs:defRPr sz="1197" kern="1200"/>
-  </cs:categoryAxis>
-  <cs:chartArea mods="allowNoFillOverride allowNoLineOverride">
-    <cs:lnRef idx="0"/>
-    <cs:fillRef idx="0"/>
-    <cs:effectRef idx="0"/>
-    <cs:fontRef idx="minor">
-      <a:schemeClr val="tx1"/>
-    </cs:fontRef>
-    <cs:spPr>
-      <a:solidFill>
-        <a:schemeClr val="bg1"/>
-      </a:solidFill>
-      <a:ln w="9525" cap="flat" cmpd="sng" algn="ctr">
-        <a:solidFill>
-          <a:schemeClr val="tx1">
-            <a:lumMod val="15000"/>
-            <a:lumOff val="85000"/>
-          </a:schemeClr>
-        </a:solidFill>
-        <a:round/>
-      </a:ln>
-    </cs:spPr>
-    <cs:defRPr sz="1330" kern="1200"/>
-  </cs:chartArea>
-  <cs:dataLabel>
-    <cs:lnRef idx="0"/>
-    <cs:fillRef idx="0"/>
-    <cs:effectRef idx="0"/>
-    <cs:fontRef idx="minor">
-      <a:schemeClr val="tx1">
-        <a:lumMod val="75000"/>
-        <a:lumOff val="25000"/>
-      </a:schemeClr>
-    </cs:fontRef>
-    <cs:defRPr sz="1197" kern="1200"/>
-  </cs:dataLabel>
-  <cs:dataLabelCallout>
-    <cs:lnRef idx="0"/>
-    <cs:fillRef idx="0"/>
-    <cs:effectRef idx="0"/>
-    <cs:fontRef idx="minor">
-      <a:schemeClr val="dk1">
-        <a:lumMod val="65000"/>
-        <a:lumOff val="35000"/>
-      </a:schemeClr>
-    </cs:fontRef>
-    <cs:spPr>
-      <a:solidFill>
-        <a:schemeClr val="lt1"/>
-      </a:solidFill>
-      <a:ln>
-        <a:solidFill>
-          <a:schemeClr val="dk1">
-            <a:lumMod val="25000"/>
-            <a:lumOff val="75000"/>
-          </a:schemeClr>
-        </a:solidFill>
-      </a:ln>
-    </cs:spPr>
-    <cs:defRPr sz="1197" kern="1200"/>
-    <cs:bodyPr rot="0" spcFirstLastPara="1" vertOverflow="clip" horzOverflow="clip" vert="horz" wrap="square" lIns="36576" tIns="18288" rIns="36576" bIns="18288" anchor="ctr" anchorCtr="1">
-      <a:spAutoFit/>
-    </cs:bodyPr>
-  </cs:dataLabelCallout>
-  <cs:dataPoint>
-    <cs:lnRef idx="0"/>
-    <cs:fillRef idx="1">
-      <cs:styleClr val="auto"/>
-    </cs:fillRef>
-    <cs:effectRef idx="0"/>
-    <cs:fontRef idx="minor">
-      <a:schemeClr val="tx1"/>
-    </cs:fontRef>
-  </cs:dataPoint>
-  <cs:dataPoint3D>
-    <cs:lnRef idx="0"/>
-    <cs:fillRef idx="1">
-      <cs:styleClr val="auto"/>
-    </cs:fillRef>
-    <cs:effectRef idx="0"/>
-    <cs:fontRef idx="minor">
-      <a:schemeClr val="tx1"/>
-    </cs:fontRef>
-  </cs:dataPoint3D>
-  <cs:dataPointLine>
-    <cs:lnRef idx="0">
-      <cs:styleClr val="auto"/>
-    </cs:lnRef>
-    <cs:fillRef idx="1"/>
-    <cs:effectRef idx="0"/>
-    <cs:fontRef idx="minor">
-      <a:schemeClr val="tx1"/>
-    </cs:fontRef>
-    <cs:spPr>
-      <a:ln w="28575" cap="rnd">
-        <a:solidFill>
-          <a:schemeClr val="phClr"/>
-        </a:solidFill>
-        <a:round/>
-      </a:ln>
-    </cs:spPr>
-  </cs:dataPointLine>
-  <cs:dataPointMarker>
-    <cs:lnRef idx="0">
-      <cs:styleClr val="auto"/>
-    </cs:lnRef>
-    <cs:fillRef idx="1">
-      <cs:styleClr val="auto"/>
-    </cs:fillRef>
-    <cs:effectRef idx="0"/>
-    <cs:fontRef idx="minor">
-      <a:schemeClr val="tx1"/>
-    </cs:fontRef>
-    <cs:spPr>
-      <a:ln w="9525">
-        <a:solidFill>
-          <a:schemeClr val="phClr"/>
-        </a:solidFill>
-      </a:ln>
-    </cs:spPr>
-  </cs:dataPointMarker>
-  <cs:dataPointMarkerLayout symbol="circle" size="5"/>
-  <cs:dataPointWireframe>
-    <cs:lnRef idx="0">
-      <cs:styleClr val="auto"/>
-    </cs:lnRef>
-    <cs:fillRef idx="1"/>
-    <cs:effectRef idx="0"/>
-    <cs:fontRef idx="minor">
-      <a:schemeClr val="tx1"/>
-    </cs:fontRef>
-    <cs:spPr>
-      <a:ln w="9525" cap="rnd">
-        <a:solidFill>
-          <a:schemeClr val="phClr"/>
-        </a:solidFill>
-        <a:round/>
-      </a:ln>
-    </cs:spPr>
-  </cs:dataPointWireframe>
-  <cs:dataTable>
-    <cs:lnRef idx="0"/>
-    <cs:fillRef idx="0"/>
-    <cs:effectRef idx="0"/>
-    <cs:fontRef idx="minor">
-      <a:schemeClr val="tx1">
-        <a:lumMod val="65000"/>
-        <a:lumOff val="35000"/>
-      </a:schemeClr>
-    </cs:fontRef>
-    <cs:spPr>
-      <a:noFill/>
-      <a:ln w="9525" cap="flat" cmpd="sng" algn="ctr">
-        <a:solidFill>
-          <a:schemeClr val="tx1">
-            <a:lumMod val="15000"/>
-            <a:lumOff val="85000"/>
-          </a:schemeClr>
-        </a:solidFill>
-        <a:round/>
-      </a:ln>
-    </cs:spPr>
-    <cs:defRPr sz="1197" kern="1200"/>
-  </cs:dataTable>
-  <cs:downBar>
-    <cs:lnRef idx="0"/>
-    <cs:fillRef idx="0"/>
-    <cs:effectRef idx="0"/>
-    <cs:fontRef idx="minor">
-      <a:schemeClr val="tx1"/>
-    </cs:fontRef>
-    <cs:spPr>
-      <a:solidFill>
-        <a:schemeClr val="dk1">
-          <a:lumMod val="75000"/>
-          <a:lumOff val="25000"/>
-        </a:schemeClr>
-      </a:solidFill>
-      <a:ln w="9525" cap="flat" cmpd="sng" algn="ctr">
-        <a:solidFill>
-          <a:schemeClr val="tx1">
-            <a:lumMod val="65000"/>
-            <a:lumOff val="35000"/>
-          </a:schemeClr>
-        </a:solidFill>
-        <a:round/>
-      </a:ln>
-    </cs:spPr>
-  </cs:downBar>
-  <cs:dropLine>
-    <cs:lnRef idx="0"/>
-    <cs:fillRef idx="0"/>
-    <cs:effectRef idx="0"/>
-    <cs:fontRef idx="minor">
-      <a:schemeClr val="tx1"/>
-    </cs:fontRef>
-    <cs:spPr>
-      <a:ln w="9525" cap="flat" cmpd="sng" algn="ctr">
-        <a:solidFill>
-          <a:schemeClr val="tx1">
-            <a:lumMod val="35000"/>
-            <a:lumOff val="65000"/>
-          </a:schemeClr>
-        </a:solidFill>
-        <a:round/>
-      </a:ln>
-    </cs:spPr>
-  </cs:dropLine>
-  <cs:errorBar>
-    <cs:lnRef idx="0"/>
-    <cs:fillRef idx="0"/>
-    <cs:effectRef idx="0"/>
-    <cs:fontRef idx="minor">
-      <a:schemeClr val="tx1"/>
-    </cs:fontRef>
-    <cs:spPr>
-      <a:ln w="9525" cap="flat" cmpd="sng" algn="ctr">
-        <a:solidFill>
-          <a:schemeClr val="tx1">
-            <a:lumMod val="65000"/>
-            <a:lumOff val="35000"/>
-          </a:schemeClr>
-        </a:solidFill>
-        <a:round/>
-      </a:ln>
-    </cs:spPr>
-  </cs:errorBar>
-  <cs:floor>
-    <cs:lnRef idx="0"/>
-    <cs:fillRef idx="0"/>
-    <cs:effectRef idx="0"/>
-    <cs:fontRef idx="minor">
-      <a:schemeClr val="tx1"/>
-    </cs:fontRef>
-    <cs:spPr>
-      <a:noFill/>
-      <a:ln>
-        <a:noFill/>
-      </a:ln>
-    </cs:spPr>
-  </cs:floor>
-  <cs:gridlineMajor>
-    <cs:lnRef idx="0"/>
-    <cs:fillRef idx="0"/>
-    <cs:effectRef idx="0"/>
-    <cs:fontRef idx="minor">
-      <a:schemeClr val="tx1"/>
-    </cs:fontRef>
-    <cs:spPr>
-      <a:ln w="9525" cap="flat" cmpd="sng" algn="ctr">
-        <a:solidFill>
-          <a:schemeClr val="tx1">
-            <a:lumMod val="15000"/>
-            <a:lumOff val="85000"/>
-          </a:schemeClr>
-        </a:solidFill>
-        <a:round/>
-      </a:ln>
-    </cs:spPr>
-  </cs:gridlineMajor>
-  <cs:gridlineMinor>
-    <cs:lnRef idx="0"/>
-    <cs:fillRef idx="0"/>
-    <cs:effectRef idx="0"/>
-    <cs:fontRef idx="minor">
-      <a:schemeClr val="tx1"/>
-    </cs:fontRef>
-    <cs:spPr>
-      <a:ln w="9525" cap="flat" cmpd="sng" algn="ctr">
-        <a:solidFill>
-          <a:schemeClr val="tx1">
-            <a:lumMod val="5000"/>
-            <a:lumOff val="95000"/>
-          </a:schemeClr>
-        </a:solidFill>
-        <a:round/>
-      </a:ln>
-    </cs:spPr>
-  </cs:gridlineMinor>
-  <cs:hiLoLine>
-    <cs:lnRef idx="0"/>
-    <cs:fillRef idx="0"/>
-    <cs:effectRef idx="0"/>
-    <cs:fontRef idx="minor">
-      <a:schemeClr val="tx1"/>
-    </cs:fontRef>
-    <cs:spPr>
-      <a:ln w="9525" cap="flat" cmpd="sng" algn="ctr">
-        <a:solidFill>
-          <a:schemeClr val="tx1">
-            <a:lumMod val="50000"/>
-            <a:lumOff val="50000"/>
-          </a:schemeClr>
-        </a:solidFill>
-        <a:round/>
-      </a:ln>
-    </cs:spPr>
-  </cs:hiLoLine>
-  <cs:leaderLine>
-    <cs:lnRef idx="0"/>
-    <cs:fillRef idx="0"/>
-    <cs:effectRef idx="0"/>
-    <cs:fontRef idx="minor">
-      <a:schemeClr val="tx1"/>
-    </cs:fontRef>
-    <cs:spPr>
-      <a:ln w="9525" cap="flat" cmpd="sng" algn="ctr">
-        <a:solidFill>
-          <a:schemeClr val="tx1">
-            <a:lumMod val="35000"/>
-            <a:lumOff val="65000"/>
-          </a:schemeClr>
-        </a:solidFill>
-        <a:round/>
-      </a:ln>
-    </cs:spPr>
-  </cs:leaderLine>
-  <cs:legend>
-    <cs:lnRef idx="0"/>
-    <cs:fillRef idx="0"/>
-    <cs:effectRef idx="0"/>
-    <cs:fontRef idx="minor">
-      <a:schemeClr val="tx1">
-        <a:lumMod val="65000"/>
-        <a:lumOff val="35000"/>
-      </a:schemeClr>
-    </cs:fontRef>
-    <cs:defRPr sz="1197" kern="1200"/>
-  </cs:legend>
-  <cs:plotArea mods="allowNoFillOverride allowNoLineOverride">
-    <cs:lnRef idx="0"/>
-    <cs:fillRef idx="0"/>
-    <cs:effectRef idx="0"/>
-    <cs:fontRef idx="minor">
-      <a:schemeClr val="tx1"/>
-    </cs:fontRef>
-  </cs:plotArea>
-  <cs:plotArea3D mods="allowNoFillOverride allowNoLineOverride">
-    <cs:lnRef idx="0"/>
-    <cs:fillRef idx="0"/>
-    <cs:effectRef idx="0"/>
-    <cs:fontRef idx="minor">
-      <a:schemeClr val="tx1"/>
-    </cs:fontRef>
-  </cs:plotArea3D>
-  <cs:seriesAxis>
-    <cs:lnRef idx="0"/>
-    <cs:fillRef idx="0"/>
-    <cs:effectRef idx="0"/>
-    <cs:fontRef idx="minor">
-      <a:schemeClr val="tx1">
-        <a:lumMod val="65000"/>
-        <a:lumOff val="35000"/>
-      </a:schemeClr>
-    </cs:fontRef>
-    <cs:defRPr sz="1197" kern="1200"/>
-  </cs:seriesAxis>
-  <cs:seriesLine>
-    <cs:lnRef idx="0"/>
-    <cs:fillRef idx="0"/>
-    <cs:effectRef idx="0"/>
-    <cs:fontRef idx="minor">
-      <a:schemeClr val="tx1"/>
-    </cs:fontRef>
-    <cs:spPr>
-      <a:ln w="9525" cap="flat" cmpd="sng" algn="ctr">
-        <a:solidFill>
-          <a:schemeClr val="tx1">
-            <a:lumMod val="35000"/>
-            <a:lumOff val="65000"/>
-          </a:schemeClr>
-        </a:solidFill>
-        <a:round/>
-      </a:ln>
-    </cs:spPr>
-  </cs:seriesLine>
-  <cs:title>
-    <cs:lnRef idx="0"/>
-    <cs:fillRef idx="0"/>
-    <cs:effectRef idx="0"/>
-    <cs:fontRef idx="minor">
-      <a:schemeClr val="tx1">
-        <a:lumMod val="65000"/>
-        <a:lumOff val="35000"/>
-      </a:schemeClr>
-    </cs:fontRef>
-    <cs:defRPr sz="1862" b="0" kern="1200" spc="0" baseline="0"/>
-  </cs:title>
-  <cs:trendline>
-    <cs:lnRef idx="0">
-      <cs:styleClr val="auto"/>
-    </cs:lnRef>
-    <cs:fillRef idx="0"/>
-    <cs:effectRef idx="0"/>
-    <cs:fontRef idx="minor">
-      <a:schemeClr val="tx1"/>
-    </cs:fontRef>
-    <cs:spPr>
-      <a:ln w="19050" cap="rnd">
-        <a:solidFill>
-          <a:schemeClr val="phClr"/>
-        </a:solidFill>
-        <a:prstDash val="sysDot"/>
-      </a:ln>
-    </cs:spPr>
-  </cs:trendline>
-  <cs:trendlineLabel>
-    <cs:lnRef idx="0"/>
-    <cs:fillRef idx="0"/>
-    <cs:effectRef idx="0"/>
-    <cs:fontRef idx="minor">
-      <a:schemeClr val="tx1">
-        <a:lumMod val="65000"/>
-        <a:lumOff val="35000"/>
-      </a:schemeClr>
-    </cs:fontRef>
-    <cs:defRPr sz="1197" kern="1200"/>
-  </cs:trendlineLabel>
-  <cs:upBar>
-    <cs:lnRef idx="0"/>
-    <cs:fillRef idx="0"/>
-    <cs:effectRef idx="0"/>
-    <cs:fontRef idx="minor">
-      <a:schemeClr val="tx1"/>
-    </cs:fontRef>
-    <cs:spPr>
-      <a:solidFill>
-        <a:schemeClr val="lt1"/>
-      </a:solidFill>
-      <a:ln w="9525" cap="flat" cmpd="sng" algn="ctr">
-        <a:solidFill>
-          <a:schemeClr val="tx1">
-            <a:lumMod val="65000"/>
-            <a:lumOff val="35000"/>
-          </a:schemeClr>
-        </a:solidFill>
-        <a:round/>
-      </a:ln>
-    </cs:spPr>
-  </cs:upBar>
-  <cs:valueAxis>
-    <cs:lnRef idx="0"/>
-    <cs:fillRef idx="0"/>
-    <cs:effectRef idx="0"/>
-    <cs:fontRef idx="minor">
-      <a:schemeClr val="tx1">
-        <a:lumMod val="65000"/>
-        <a:lumOff val="35000"/>
-      </a:schemeClr>
-    </cs:fontRef>
-    <cs:defRPr sz="1197" kern="1200"/>
-  </cs:valueAxis>
-  <cs:wall>
-    <cs:lnRef idx="0"/>
-    <cs:fillRef idx="0"/>
-    <cs:effectRef idx="0"/>
-    <cs:fontRef idx="minor">
-      <a:schemeClr val="tx1"/>
-    </cs:fontRef>
-    <cs:spPr>
-      <a:noFill/>
-      <a:ln>
-        <a:noFill/>
-      </a:ln>
-    </cs:spPr>
-  </cs:wall>
-</cs:chartStyle>
 </file>
 
 <file path=ppt/handoutMasters/handoutMaster1.xml><?xml version="1.0" encoding="utf-8"?>
@@ -2006,372 +931,6 @@
 </p:notes>
 </file>
 
-<file path=ppt/notesSlides/notesSlide10.xml><?xml version="1.0" encoding="utf-8"?>
-<p:notes xmlns:a="http://schemas.openxmlformats.org/drawingml/2006/main" xmlns:r="http://schemas.openxmlformats.org/officeDocument/2006/relationships" xmlns:p="http://schemas.openxmlformats.org/presentationml/2006/main">
-  <p:cSld>
-    <p:spTree>
-      <p:nvGrpSpPr>
-        <p:cNvPr id="1" name=""/>
-        <p:cNvGrpSpPr/>
-        <p:nvPr/>
-      </p:nvGrpSpPr>
-      <p:grpSpPr>
-        <a:xfrm>
-          <a:off x="0" y="0"/>
-          <a:ext cx="0" cy="0"/>
-          <a:chOff x="0" y="0"/>
-          <a:chExt cx="0" cy="0"/>
-        </a:xfrm>
-      </p:grpSpPr>
-      <p:sp>
-        <p:nvSpPr>
-          <p:cNvPr id="2" name="Espaço Reservado para Imagem de Slide 1"/>
-          <p:cNvSpPr>
-            <a:spLocks noGrp="1" noRot="1" noChangeAspect="1"/>
-          </p:cNvSpPr>
-          <p:nvPr>
-            <p:ph type="sldImg"/>
-          </p:nvPr>
-        </p:nvSpPr>
-        <p:spPr/>
-      </p:sp>
-      <p:sp>
-        <p:nvSpPr>
-          <p:cNvPr id="3" name="Espaço Reservado para Anotações 2"/>
-          <p:cNvSpPr>
-            <a:spLocks noGrp="1"/>
-          </p:cNvSpPr>
-          <p:nvPr>
-            <p:ph type="body" idx="1"/>
-          </p:nvPr>
-        </p:nvSpPr>
-        <p:spPr/>
-        <p:txBody>
-          <a:bodyPr/>
-          <a:lstStyle/>
-          <a:p>
-            <a:endParaRPr lang="pt-BR" dirty="0"/>
-          </a:p>
-        </p:txBody>
-      </p:sp>
-    </p:spTree>
-    <p:extLst>
-      <p:ext uri="{BB962C8B-B14F-4D97-AF65-F5344CB8AC3E}">
-        <p14:creationId xmlns:p14="http://schemas.microsoft.com/office/powerpoint/2010/main" val="794183039"/>
-      </p:ext>
-    </p:extLst>
-  </p:cSld>
-  <p:clrMapOvr>
-    <a:masterClrMapping/>
-  </p:clrMapOvr>
-</p:notes>
-</file>
-
-<file path=ppt/notesSlides/notesSlide11.xml><?xml version="1.0" encoding="utf-8"?>
-<p:notes xmlns:a="http://schemas.openxmlformats.org/drawingml/2006/main" xmlns:r="http://schemas.openxmlformats.org/officeDocument/2006/relationships" xmlns:p="http://schemas.openxmlformats.org/presentationml/2006/main">
-  <p:cSld>
-    <p:spTree>
-      <p:nvGrpSpPr>
-        <p:cNvPr id="1" name=""/>
-        <p:cNvGrpSpPr/>
-        <p:nvPr/>
-      </p:nvGrpSpPr>
-      <p:grpSpPr>
-        <a:xfrm>
-          <a:off x="0" y="0"/>
-          <a:ext cx="0" cy="0"/>
-          <a:chOff x="0" y="0"/>
-          <a:chExt cx="0" cy="0"/>
-        </a:xfrm>
-      </p:grpSpPr>
-      <p:sp>
-        <p:nvSpPr>
-          <p:cNvPr id="2" name="Espaço Reservado para Imagem de Slide 1"/>
-          <p:cNvSpPr>
-            <a:spLocks noGrp="1" noRot="1" noChangeAspect="1"/>
-          </p:cNvSpPr>
-          <p:nvPr>
-            <p:ph type="sldImg"/>
-          </p:nvPr>
-        </p:nvSpPr>
-        <p:spPr/>
-      </p:sp>
-      <p:sp>
-        <p:nvSpPr>
-          <p:cNvPr id="3" name="Espaço Reservado para Anotações 2"/>
-          <p:cNvSpPr>
-            <a:spLocks noGrp="1"/>
-          </p:cNvSpPr>
-          <p:nvPr>
-            <p:ph type="body" idx="1"/>
-          </p:nvPr>
-        </p:nvSpPr>
-        <p:spPr/>
-        <p:txBody>
-          <a:bodyPr/>
-          <a:lstStyle/>
-          <a:p>
-            <a:endParaRPr lang="pt-BR" dirty="0"/>
-          </a:p>
-        </p:txBody>
-      </p:sp>
-    </p:spTree>
-    <p:extLst>
-      <p:ext uri="{BB962C8B-B14F-4D97-AF65-F5344CB8AC3E}">
-        <p14:creationId xmlns:p14="http://schemas.microsoft.com/office/powerpoint/2010/main" val="4189517698"/>
-      </p:ext>
-    </p:extLst>
-  </p:cSld>
-  <p:clrMapOvr>
-    <a:masterClrMapping/>
-  </p:clrMapOvr>
-</p:notes>
-</file>
-
-<file path=ppt/notesSlides/notesSlide12.xml><?xml version="1.0" encoding="utf-8"?>
-<p:notes xmlns:a="http://schemas.openxmlformats.org/drawingml/2006/main" xmlns:r="http://schemas.openxmlformats.org/officeDocument/2006/relationships" xmlns:p="http://schemas.openxmlformats.org/presentationml/2006/main">
-  <p:cSld>
-    <p:spTree>
-      <p:nvGrpSpPr>
-        <p:cNvPr id="1" name=""/>
-        <p:cNvGrpSpPr/>
-        <p:nvPr/>
-      </p:nvGrpSpPr>
-      <p:grpSpPr>
-        <a:xfrm>
-          <a:off x="0" y="0"/>
-          <a:ext cx="0" cy="0"/>
-          <a:chOff x="0" y="0"/>
-          <a:chExt cx="0" cy="0"/>
-        </a:xfrm>
-      </p:grpSpPr>
-      <p:sp>
-        <p:nvSpPr>
-          <p:cNvPr id="2" name="Espaço Reservado para Imagem de Slide 1"/>
-          <p:cNvSpPr>
-            <a:spLocks noGrp="1" noRot="1" noChangeAspect="1"/>
-          </p:cNvSpPr>
-          <p:nvPr>
-            <p:ph type="sldImg"/>
-          </p:nvPr>
-        </p:nvSpPr>
-        <p:spPr/>
-      </p:sp>
-      <p:sp>
-        <p:nvSpPr>
-          <p:cNvPr id="3" name="Espaço Reservado para Anotações 2"/>
-          <p:cNvSpPr>
-            <a:spLocks noGrp="1"/>
-          </p:cNvSpPr>
-          <p:nvPr>
-            <p:ph type="body" idx="1"/>
-          </p:nvPr>
-        </p:nvSpPr>
-        <p:spPr/>
-        <p:txBody>
-          <a:bodyPr/>
-          <a:lstStyle/>
-          <a:p>
-            <a:endParaRPr lang="pt-BR" dirty="0"/>
-          </a:p>
-        </p:txBody>
-      </p:sp>
-    </p:spTree>
-    <p:extLst>
-      <p:ext uri="{BB962C8B-B14F-4D97-AF65-F5344CB8AC3E}">
-        <p14:creationId xmlns:p14="http://schemas.microsoft.com/office/powerpoint/2010/main" val="13951784"/>
-      </p:ext>
-    </p:extLst>
-  </p:cSld>
-  <p:clrMapOvr>
-    <a:masterClrMapping/>
-  </p:clrMapOvr>
-</p:notes>
-</file>
-
-<file path=ppt/notesSlides/notesSlide13.xml><?xml version="1.0" encoding="utf-8"?>
-<p:notes xmlns:a="http://schemas.openxmlformats.org/drawingml/2006/main" xmlns:r="http://schemas.openxmlformats.org/officeDocument/2006/relationships" xmlns:p="http://schemas.openxmlformats.org/presentationml/2006/main">
-  <p:cSld>
-    <p:spTree>
-      <p:nvGrpSpPr>
-        <p:cNvPr id="1" name=""/>
-        <p:cNvGrpSpPr/>
-        <p:nvPr/>
-      </p:nvGrpSpPr>
-      <p:grpSpPr>
-        <a:xfrm>
-          <a:off x="0" y="0"/>
-          <a:ext cx="0" cy="0"/>
-          <a:chOff x="0" y="0"/>
-          <a:chExt cx="0" cy="0"/>
-        </a:xfrm>
-      </p:grpSpPr>
-      <p:sp>
-        <p:nvSpPr>
-          <p:cNvPr id="2" name="Espaço Reservado para Imagem de Slide 1"/>
-          <p:cNvSpPr>
-            <a:spLocks noGrp="1" noRot="1" noChangeAspect="1"/>
-          </p:cNvSpPr>
-          <p:nvPr>
-            <p:ph type="sldImg"/>
-          </p:nvPr>
-        </p:nvSpPr>
-        <p:spPr/>
-      </p:sp>
-      <p:sp>
-        <p:nvSpPr>
-          <p:cNvPr id="3" name="Espaço Reservado para Anotações 2"/>
-          <p:cNvSpPr>
-            <a:spLocks noGrp="1"/>
-          </p:cNvSpPr>
-          <p:nvPr>
-            <p:ph type="body" idx="1"/>
-          </p:nvPr>
-        </p:nvSpPr>
-        <p:spPr/>
-        <p:txBody>
-          <a:bodyPr/>
-          <a:lstStyle/>
-          <a:p>
-            <a:endParaRPr lang="pt-BR" dirty="0"/>
-          </a:p>
-        </p:txBody>
-      </p:sp>
-    </p:spTree>
-    <p:extLst>
-      <p:ext uri="{BB962C8B-B14F-4D97-AF65-F5344CB8AC3E}">
-        <p14:creationId xmlns:p14="http://schemas.microsoft.com/office/powerpoint/2010/main" val="4098634878"/>
-      </p:ext>
-    </p:extLst>
-  </p:cSld>
-  <p:clrMapOvr>
-    <a:masterClrMapping/>
-  </p:clrMapOvr>
-</p:notes>
-</file>
-
-<file path=ppt/notesSlides/notesSlide14.xml><?xml version="1.0" encoding="utf-8"?>
-<p:notes xmlns:a="http://schemas.openxmlformats.org/drawingml/2006/main" xmlns:r="http://schemas.openxmlformats.org/officeDocument/2006/relationships" xmlns:p="http://schemas.openxmlformats.org/presentationml/2006/main">
-  <p:cSld>
-    <p:spTree>
-      <p:nvGrpSpPr>
-        <p:cNvPr id="1" name=""/>
-        <p:cNvGrpSpPr/>
-        <p:nvPr/>
-      </p:nvGrpSpPr>
-      <p:grpSpPr>
-        <a:xfrm>
-          <a:off x="0" y="0"/>
-          <a:ext cx="0" cy="0"/>
-          <a:chOff x="0" y="0"/>
-          <a:chExt cx="0" cy="0"/>
-        </a:xfrm>
-      </p:grpSpPr>
-      <p:sp>
-        <p:nvSpPr>
-          <p:cNvPr id="2" name="Espaço Reservado para Imagem de Slide 1"/>
-          <p:cNvSpPr>
-            <a:spLocks noGrp="1" noRot="1" noChangeAspect="1"/>
-          </p:cNvSpPr>
-          <p:nvPr>
-            <p:ph type="sldImg"/>
-          </p:nvPr>
-        </p:nvSpPr>
-        <p:spPr/>
-      </p:sp>
-      <p:sp>
-        <p:nvSpPr>
-          <p:cNvPr id="3" name="Espaço Reservado para Anotações 2"/>
-          <p:cNvSpPr>
-            <a:spLocks noGrp="1"/>
-          </p:cNvSpPr>
-          <p:nvPr>
-            <p:ph type="body" idx="1"/>
-          </p:nvPr>
-        </p:nvSpPr>
-        <p:spPr/>
-        <p:txBody>
-          <a:bodyPr/>
-          <a:lstStyle/>
-          <a:p>
-            <a:endParaRPr lang="pt-BR" dirty="0"/>
-          </a:p>
-        </p:txBody>
-      </p:sp>
-    </p:spTree>
-    <p:extLst>
-      <p:ext uri="{BB962C8B-B14F-4D97-AF65-F5344CB8AC3E}">
-        <p14:creationId xmlns:p14="http://schemas.microsoft.com/office/powerpoint/2010/main" val="28648059"/>
-      </p:ext>
-    </p:extLst>
-  </p:cSld>
-  <p:clrMapOvr>
-    <a:masterClrMapping/>
-  </p:clrMapOvr>
-</p:notes>
-</file>
-
-<file path=ppt/notesSlides/notesSlide15.xml><?xml version="1.0" encoding="utf-8"?>
-<p:notes xmlns:a="http://schemas.openxmlformats.org/drawingml/2006/main" xmlns:r="http://schemas.openxmlformats.org/officeDocument/2006/relationships" xmlns:p="http://schemas.openxmlformats.org/presentationml/2006/main">
-  <p:cSld>
-    <p:spTree>
-      <p:nvGrpSpPr>
-        <p:cNvPr id="1" name=""/>
-        <p:cNvGrpSpPr/>
-        <p:nvPr/>
-      </p:nvGrpSpPr>
-      <p:grpSpPr>
-        <a:xfrm>
-          <a:off x="0" y="0"/>
-          <a:ext cx="0" cy="0"/>
-          <a:chOff x="0" y="0"/>
-          <a:chExt cx="0" cy="0"/>
-        </a:xfrm>
-      </p:grpSpPr>
-      <p:sp>
-        <p:nvSpPr>
-          <p:cNvPr id="2" name="Espaço Reservado para Imagem de Slide 1"/>
-          <p:cNvSpPr>
-            <a:spLocks noGrp="1" noRot="1" noChangeAspect="1"/>
-          </p:cNvSpPr>
-          <p:nvPr>
-            <p:ph type="sldImg"/>
-          </p:nvPr>
-        </p:nvSpPr>
-        <p:spPr/>
-      </p:sp>
-      <p:sp>
-        <p:nvSpPr>
-          <p:cNvPr id="3" name="Espaço Reservado para Anotações 2"/>
-          <p:cNvSpPr>
-            <a:spLocks noGrp="1"/>
-          </p:cNvSpPr>
-          <p:nvPr>
-            <p:ph type="body" idx="1"/>
-          </p:nvPr>
-        </p:nvSpPr>
-        <p:spPr/>
-        <p:txBody>
-          <a:bodyPr/>
-          <a:lstStyle/>
-          <a:p>
-            <a:endParaRPr lang="pt-BR" dirty="0"/>
-          </a:p>
-        </p:txBody>
-      </p:sp>
-    </p:spTree>
-    <p:extLst>
-      <p:ext uri="{BB962C8B-B14F-4D97-AF65-F5344CB8AC3E}">
-        <p14:creationId xmlns:p14="http://schemas.microsoft.com/office/powerpoint/2010/main" val="2259207341"/>
-      </p:ext>
-    </p:extLst>
-  </p:cSld>
-  <p:clrMapOvr>
-    <a:masterClrMapping/>
-  </p:clrMapOvr>
-</p:notes>
-</file>
-
 <file path=ppt/notesSlides/notesSlide2.xml><?xml version="1.0" encoding="utf-8"?>
 <p:notes xmlns:a="http://schemas.openxmlformats.org/drawingml/2006/main" xmlns:r="http://schemas.openxmlformats.org/officeDocument/2006/relationships" xmlns:p="http://schemas.openxmlformats.org/presentationml/2006/main">
   <p:cSld>
@@ -2423,7 +982,7 @@
     </p:spTree>
     <p:extLst>
       <p:ext uri="{BB962C8B-B14F-4D97-AF65-F5344CB8AC3E}">
-        <p14:creationId xmlns:p14="http://schemas.microsoft.com/office/powerpoint/2010/main" val="3725738662"/>
+        <p14:creationId xmlns:p14="http://schemas.microsoft.com/office/powerpoint/2010/main" val="1093963089"/>
       </p:ext>
     </p:extLst>
   </p:cSld>
@@ -2484,7 +1043,7 @@
     </p:spTree>
     <p:extLst>
       <p:ext uri="{BB962C8B-B14F-4D97-AF65-F5344CB8AC3E}">
-        <p14:creationId xmlns:p14="http://schemas.microsoft.com/office/powerpoint/2010/main" val="1093963089"/>
+        <p14:creationId xmlns:p14="http://schemas.microsoft.com/office/powerpoint/2010/main" val="3875970534"/>
       </p:ext>
     </p:extLst>
   </p:cSld>
@@ -2545,7 +1104,7 @@
     </p:spTree>
     <p:extLst>
       <p:ext uri="{BB962C8B-B14F-4D97-AF65-F5344CB8AC3E}">
-        <p14:creationId xmlns:p14="http://schemas.microsoft.com/office/powerpoint/2010/main" val="3875970534"/>
+        <p14:creationId xmlns:p14="http://schemas.microsoft.com/office/powerpoint/2010/main" val="269450513"/>
       </p:ext>
     </p:extLst>
   </p:cSld>
@@ -2606,7 +1165,7 @@
     </p:spTree>
     <p:extLst>
       <p:ext uri="{BB962C8B-B14F-4D97-AF65-F5344CB8AC3E}">
-        <p14:creationId xmlns:p14="http://schemas.microsoft.com/office/powerpoint/2010/main" val="3630516967"/>
+        <p14:creationId xmlns:p14="http://schemas.microsoft.com/office/powerpoint/2010/main" val="2414694062"/>
       </p:ext>
     </p:extLst>
   </p:cSld>
@@ -2667,7 +1226,7 @@
     </p:spTree>
     <p:extLst>
       <p:ext uri="{BB962C8B-B14F-4D97-AF65-F5344CB8AC3E}">
-        <p14:creationId xmlns:p14="http://schemas.microsoft.com/office/powerpoint/2010/main" val="269450513"/>
+        <p14:creationId xmlns:p14="http://schemas.microsoft.com/office/powerpoint/2010/main" val="2830785518"/>
       </p:ext>
     </p:extLst>
   </p:cSld>
@@ -2728,7 +1287,7 @@
     </p:spTree>
     <p:extLst>
       <p:ext uri="{BB962C8B-B14F-4D97-AF65-F5344CB8AC3E}">
-        <p14:creationId xmlns:p14="http://schemas.microsoft.com/office/powerpoint/2010/main" val="2414694062"/>
+        <p14:creationId xmlns:p14="http://schemas.microsoft.com/office/powerpoint/2010/main" val="28648059"/>
       </p:ext>
     </p:extLst>
   </p:cSld>
@@ -2789,68 +1348,7 @@
     </p:spTree>
     <p:extLst>
       <p:ext uri="{BB962C8B-B14F-4D97-AF65-F5344CB8AC3E}">
-        <p14:creationId xmlns:p14="http://schemas.microsoft.com/office/powerpoint/2010/main" val="2830785518"/>
-      </p:ext>
-    </p:extLst>
-  </p:cSld>
-  <p:clrMapOvr>
-    <a:masterClrMapping/>
-  </p:clrMapOvr>
-</p:notes>
-</file>
-
-<file path=ppt/notesSlides/notesSlide9.xml><?xml version="1.0" encoding="utf-8"?>
-<p:notes xmlns:a="http://schemas.openxmlformats.org/drawingml/2006/main" xmlns:r="http://schemas.openxmlformats.org/officeDocument/2006/relationships" xmlns:p="http://schemas.openxmlformats.org/presentationml/2006/main">
-  <p:cSld>
-    <p:spTree>
-      <p:nvGrpSpPr>
-        <p:cNvPr id="1" name=""/>
-        <p:cNvGrpSpPr/>
-        <p:nvPr/>
-      </p:nvGrpSpPr>
-      <p:grpSpPr>
-        <a:xfrm>
-          <a:off x="0" y="0"/>
-          <a:ext cx="0" cy="0"/>
-          <a:chOff x="0" y="0"/>
-          <a:chExt cx="0" cy="0"/>
-        </a:xfrm>
-      </p:grpSpPr>
-      <p:sp>
-        <p:nvSpPr>
-          <p:cNvPr id="2" name="Espaço Reservado para Imagem de Slide 1"/>
-          <p:cNvSpPr>
-            <a:spLocks noGrp="1" noRot="1" noChangeAspect="1"/>
-          </p:cNvSpPr>
-          <p:nvPr>
-            <p:ph type="sldImg"/>
-          </p:nvPr>
-        </p:nvSpPr>
-        <p:spPr/>
-      </p:sp>
-      <p:sp>
-        <p:nvSpPr>
-          <p:cNvPr id="3" name="Espaço Reservado para Anotações 2"/>
-          <p:cNvSpPr>
-            <a:spLocks noGrp="1"/>
-          </p:cNvSpPr>
-          <p:nvPr>
-            <p:ph type="body" idx="1"/>
-          </p:nvPr>
-        </p:nvSpPr>
-        <p:spPr/>
-        <p:txBody>
-          <a:bodyPr/>
-          <a:lstStyle/>
-          <a:p>
-            <a:endParaRPr lang="pt-BR" dirty="0"/>
-          </a:p>
-        </p:txBody>
-      </p:sp>
-    </p:spTree>
-    <p:extLst>
-      <p:ext uri="{BB962C8B-B14F-4D97-AF65-F5344CB8AC3E}">
-        <p14:creationId xmlns:p14="http://schemas.microsoft.com/office/powerpoint/2010/main" val="1720441036"/>
+        <p14:creationId xmlns:p14="http://schemas.microsoft.com/office/powerpoint/2010/main" val="2259207341"/>
       </p:ext>
     </p:extLst>
   </p:cSld>
@@ -13947,7 +12445,7 @@
 </p:sld>
 </file>
 
-<file path=ppt/slides/slide10.xml><?xml version="1.0" encoding="utf-8"?>
+<file path=ppt/slides/slide2.xml><?xml version="1.0" encoding="utf-8"?>
 <p:sld xmlns:a="http://schemas.openxmlformats.org/drawingml/2006/main" xmlns:r="http://schemas.openxmlformats.org/officeDocument/2006/relationships" xmlns:p="http://schemas.openxmlformats.org/presentationml/2006/main">
   <p:cSld>
     <p:spTree>
@@ -13966,10 +12464,10 @@
       </p:grpSpPr>
       <p:sp>
         <p:nvSpPr>
-          <p:cNvPr id="3" name="Título 2">
-            <a:extLst>
-              <a:ext uri="{FF2B5EF4-FFF2-40B4-BE49-F238E27FC236}">
-                <a16:creationId xmlns:a16="http://schemas.microsoft.com/office/drawing/2014/main" id="{58A45141-45F1-0A77-FE4E-CBCA53A2BEB0}"/>
+          <p:cNvPr id="2" name="Título 1">
+            <a:extLst>
+              <a:ext uri="{FF2B5EF4-FFF2-40B4-BE49-F238E27FC236}">
+                <a16:creationId xmlns:a16="http://schemas.microsoft.com/office/drawing/2014/main" id="{F0984788-646A-CF90-D67D-14752A71745D}"/>
               </a:ext>
             </a:extLst>
           </p:cNvPr>
@@ -13980,12 +12478,7 @@
             <p:ph type="title"/>
           </p:nvPr>
         </p:nvSpPr>
-        <p:spPr>
-          <a:xfrm>
-            <a:off x="1253663" y="609600"/>
-            <a:ext cx="9735762" cy="1252728"/>
-          </a:xfrm>
-        </p:spPr>
+        <p:spPr/>
         <p:txBody>
           <a:bodyPr rtlCol="0"/>
           <a:lstStyle>
@@ -13996,10 +12489,9 @@
           <a:p>
             <a:pPr rtl="0"/>
             <a:r>
-              <a:rPr lang="pt-BR" sz="4800" dirty="0"/>
-              <a:t>Plano para o lançamento do produto</a:t>
-            </a:r>
-            <a:endParaRPr lang="pt-BR" dirty="0"/>
+              <a:rPr lang="pt-BR" dirty="0"/>
+              <a:t>Introdução</a:t>
+            </a:r>
           </a:p>
         </p:txBody>
       </p:sp>
@@ -14008,15 +12500,15 @@
           <p:cNvPr id="5" name="Espaço Reservado para Rodapé 4">
             <a:extLst>
               <a:ext uri="{FF2B5EF4-FFF2-40B4-BE49-F238E27FC236}">
-                <a16:creationId xmlns:a16="http://schemas.microsoft.com/office/drawing/2014/main" id="{F0D8A8D9-0655-E1FF-7DED-F2EC492D6EE1}"/>
-              </a:ext>
-            </a:extLst>
-          </p:cNvPr>
-          <p:cNvSpPr>
-            <a:spLocks noGrp="1"/>
-          </p:cNvSpPr>
-          <p:nvPr>
-            <p:ph type="ftr" sz="quarter" idx="11"/>
+                <a16:creationId xmlns:a16="http://schemas.microsoft.com/office/drawing/2014/main" id="{241D8BC6-DD9D-7F06-3B9F-9F2B462E4984}"/>
+              </a:ext>
+            </a:extLst>
+          </p:cNvPr>
+          <p:cNvSpPr>
+            <a:spLocks noGrp="1"/>
+          </p:cNvSpPr>
+          <p:nvPr>
+            <p:ph type="ftr" sz="quarter" idx="12"/>
           </p:nvPr>
         </p:nvSpPr>
         <p:spPr/>
@@ -14038,26 +12530,21 @@
       </p:sp>
       <p:sp>
         <p:nvSpPr>
-          <p:cNvPr id="6" name="Espaço Reservado para Texto 5">
-            <a:extLst>
-              <a:ext uri="{FF2B5EF4-FFF2-40B4-BE49-F238E27FC236}">
-                <a16:creationId xmlns:a16="http://schemas.microsoft.com/office/drawing/2014/main" id="{8A56D8AC-E390-DBD3-E5E6-5C36EE1E422A}"/>
-              </a:ext>
-            </a:extLst>
-          </p:cNvPr>
-          <p:cNvSpPr>
-            <a:spLocks noGrp="1"/>
-          </p:cNvSpPr>
-          <p:nvPr>
-            <p:ph type="body" sz="quarter" idx="16"/>
-          </p:nvPr>
-        </p:nvSpPr>
-        <p:spPr>
-          <a:xfrm>
-            <a:off x="1298448" y="2441448"/>
-            <a:ext cx="1835450" cy="758952"/>
-          </a:xfrm>
-        </p:spPr>
+          <p:cNvPr id="4" name="Espaço Reservado para o Número do Slide 3">
+            <a:extLst>
+              <a:ext uri="{FF2B5EF4-FFF2-40B4-BE49-F238E27FC236}">
+                <a16:creationId xmlns:a16="http://schemas.microsoft.com/office/drawing/2014/main" id="{B6586F16-C3E1-6E51-D140-EF50382CA456}"/>
+              </a:ext>
+            </a:extLst>
+          </p:cNvPr>
+          <p:cNvSpPr>
+            <a:spLocks noGrp="1"/>
+          </p:cNvSpPr>
+          <p:nvPr>
+            <p:ph type="sldNum" sz="quarter" idx="11"/>
+          </p:nvPr>
+        </p:nvSpPr>
+        <p:spPr/>
         <p:txBody>
           <a:bodyPr rtlCol="0"/>
           <a:lstStyle>
@@ -14067,1336 +12554,21 @@
           </a:lstStyle>
           <a:p>
             <a:pPr rtl="0"/>
-            <a:r>
-              <a:rPr lang="pt-BR" dirty="0"/>
-              <a:t>planejamento</a:t>
-            </a:r>
-          </a:p>
-        </p:txBody>
-      </p:sp>
-      <p:sp>
-        <p:nvSpPr>
-          <p:cNvPr id="7" name="Espaço Reservado para Texto 6">
-            <a:extLst>
-              <a:ext uri="{FF2B5EF4-FFF2-40B4-BE49-F238E27FC236}">
-                <a16:creationId xmlns:a16="http://schemas.microsoft.com/office/drawing/2014/main" id="{E09179A7-F937-7895-8FC1-19E3BCFE6A3B}"/>
-              </a:ext>
-            </a:extLst>
-          </p:cNvPr>
-          <p:cNvSpPr>
-            <a:spLocks noGrp="1"/>
-          </p:cNvSpPr>
-          <p:nvPr>
-            <p:ph type="body" sz="quarter" idx="17"/>
-          </p:nvPr>
-        </p:nvSpPr>
-        <p:spPr>
-          <a:xfrm>
-            <a:off x="1298448" y="3730752"/>
-            <a:ext cx="1137181" cy="1143000"/>
-          </a:xfrm>
-        </p:spPr>
-        <p:txBody>
-          <a:bodyPr rtlCol="0"/>
-          <a:lstStyle>
-            <a:defPPr>
-              <a:defRPr lang="pt-BR"/>
-            </a:defPPr>
-          </a:lstStyle>
-          <a:p>
-            <a:pPr rtl="0">
-              <a:spcBef>
-                <a:spcPts val="0"/>
-              </a:spcBef>
-              <a:spcAft>
-                <a:spcPts val="0"/>
-              </a:spcAft>
-            </a:pPr>
-            <a:r>
-              <a:rPr lang="pt-BR" dirty="0"/>
-              <a:t>Sinergia dimensionável do comércio eletrônico</a:t>
-            </a:r>
-          </a:p>
-          <a:p>
-            <a:pPr rtl="0"/>
-            <a:endParaRPr lang="pt-BR" dirty="0"/>
-          </a:p>
-        </p:txBody>
-      </p:sp>
-      <p:sp>
-        <p:nvSpPr>
-          <p:cNvPr id="8" name="Espaço Reservado para Texto 7">
-            <a:extLst>
-              <a:ext uri="{FF2B5EF4-FFF2-40B4-BE49-F238E27FC236}">
-                <a16:creationId xmlns:a16="http://schemas.microsoft.com/office/drawing/2014/main" id="{55462C4A-E218-EEFA-1C3B-FC78BE890049}"/>
-              </a:ext>
-            </a:extLst>
-          </p:cNvPr>
-          <p:cNvSpPr>
-            <a:spLocks noGrp="1"/>
-          </p:cNvSpPr>
-          <p:nvPr>
-            <p:ph type="body" sz="quarter" idx="18"/>
-          </p:nvPr>
-        </p:nvSpPr>
-        <p:spPr/>
-        <p:txBody>
-          <a:bodyPr rtlCol="0"/>
-          <a:lstStyle>
-            <a:defPPr>
-              <a:defRPr lang="pt-BR"/>
-            </a:defPPr>
-          </a:lstStyle>
-          <a:p>
-            <a:pPr rtl="0"/>
-            <a:r>
-              <a:rPr lang="pt-BR"/>
-              <a:t>marketing</a:t>
-            </a:r>
-          </a:p>
-        </p:txBody>
-      </p:sp>
-      <p:sp>
-        <p:nvSpPr>
-          <p:cNvPr id="9" name="Espaço Reservado para Texto 8">
-            <a:extLst>
-              <a:ext uri="{FF2B5EF4-FFF2-40B4-BE49-F238E27FC236}">
-                <a16:creationId xmlns:a16="http://schemas.microsoft.com/office/drawing/2014/main" id="{54E48D88-9438-AF74-9E7B-54985E0231C6}"/>
-              </a:ext>
-            </a:extLst>
-          </p:cNvPr>
-          <p:cNvSpPr>
-            <a:spLocks noGrp="1"/>
-          </p:cNvSpPr>
-          <p:nvPr>
-            <p:ph type="body" sz="quarter" idx="19"/>
-          </p:nvPr>
-        </p:nvSpPr>
-        <p:spPr/>
-        <p:txBody>
-          <a:bodyPr rtlCol="0"/>
-          <a:lstStyle>
-            <a:defPPr>
-              <a:defRPr lang="pt-BR"/>
-            </a:defPPr>
-          </a:lstStyle>
-          <a:p>
-            <a:pPr rtl="0"/>
-            <a:r>
-              <a:rPr lang="pt-BR" dirty="0"/>
-              <a:t>Disseminar métricas padronizadas</a:t>
-            </a:r>
-          </a:p>
-          <a:p>
-            <a:pPr rtl="0"/>
-            <a:endParaRPr lang="pt-BR" dirty="0"/>
-          </a:p>
-        </p:txBody>
-      </p:sp>
-      <p:sp>
-        <p:nvSpPr>
-          <p:cNvPr id="10" name="Espaço Reservado para Texto 9">
-            <a:extLst>
-              <a:ext uri="{FF2B5EF4-FFF2-40B4-BE49-F238E27FC236}">
-                <a16:creationId xmlns:a16="http://schemas.microsoft.com/office/drawing/2014/main" id="{04554076-E5E4-8026-26DB-B67E2F12CFD7}"/>
-              </a:ext>
-            </a:extLst>
-          </p:cNvPr>
-          <p:cNvSpPr>
-            <a:spLocks noGrp="1"/>
-          </p:cNvSpPr>
-          <p:nvPr>
-            <p:ph type="body" sz="quarter" idx="20"/>
-          </p:nvPr>
-        </p:nvSpPr>
-        <p:spPr/>
-        <p:txBody>
-          <a:bodyPr rtlCol="0"/>
-          <a:lstStyle>
-            <a:defPPr>
-              <a:defRPr lang="pt-BR"/>
-            </a:defPPr>
-          </a:lstStyle>
-          <a:p>
-            <a:pPr rtl="0"/>
-            <a:r>
-              <a:rPr lang="pt-BR"/>
-              <a:t>design</a:t>
-            </a:r>
-          </a:p>
-        </p:txBody>
-      </p:sp>
-      <p:sp>
-        <p:nvSpPr>
-          <p:cNvPr id="11" name="Espaço Reservado para Texto 10">
-            <a:extLst>
-              <a:ext uri="{FF2B5EF4-FFF2-40B4-BE49-F238E27FC236}">
-                <a16:creationId xmlns:a16="http://schemas.microsoft.com/office/drawing/2014/main" id="{EAE8038A-B730-4711-D7B5-851B7FAAD8A7}"/>
-              </a:ext>
-            </a:extLst>
-          </p:cNvPr>
-          <p:cNvSpPr>
-            <a:spLocks noGrp="1"/>
-          </p:cNvSpPr>
-          <p:nvPr>
-            <p:ph type="body" sz="quarter" idx="21"/>
-          </p:nvPr>
-        </p:nvSpPr>
-        <p:spPr/>
-        <p:txBody>
-          <a:bodyPr rtlCol="0"/>
-          <a:lstStyle>
-            <a:defPPr>
-              <a:defRPr lang="pt-BR"/>
-            </a:defPPr>
-          </a:lstStyle>
-          <a:p>
-            <a:pPr rtl="0">
-              <a:spcBef>
-                <a:spcPts val="0"/>
-              </a:spcBef>
-              <a:spcAft>
-                <a:spcPts val="0"/>
-              </a:spcAft>
-            </a:pPr>
-            <a:r>
-              <a:rPr lang="pt-BR" dirty="0"/>
-              <a:t>Coordenar aplicativos de comércio eletrônico</a:t>
-            </a:r>
-          </a:p>
-          <a:p>
-            <a:pPr rtl="0"/>
-            <a:endParaRPr lang="pt-BR" dirty="0"/>
-          </a:p>
-        </p:txBody>
-      </p:sp>
-      <p:sp>
-        <p:nvSpPr>
-          <p:cNvPr id="12" name="Espaço Reservado para Texto 11">
-            <a:extLst>
-              <a:ext uri="{FF2B5EF4-FFF2-40B4-BE49-F238E27FC236}">
-                <a16:creationId xmlns:a16="http://schemas.microsoft.com/office/drawing/2014/main" id="{357CF821-3BB7-EAAC-D7BB-89DCEE250798}"/>
-              </a:ext>
-            </a:extLst>
-          </p:cNvPr>
-          <p:cNvSpPr>
-            <a:spLocks noGrp="1"/>
-          </p:cNvSpPr>
-          <p:nvPr>
-            <p:ph type="body" sz="quarter" idx="22"/>
-          </p:nvPr>
-        </p:nvSpPr>
-        <p:spPr>
-          <a:xfrm>
-            <a:off x="7552944" y="2441448"/>
-            <a:ext cx="1632620" cy="758952"/>
-          </a:xfrm>
-        </p:spPr>
-        <p:txBody>
-          <a:bodyPr rtlCol="0"/>
-          <a:lstStyle>
-            <a:defPPr>
-              <a:defRPr lang="pt-BR"/>
-            </a:defPPr>
-          </a:lstStyle>
-          <a:p>
-            <a:pPr rtl="0"/>
-            <a:r>
-              <a:rPr lang="pt-BR" dirty="0"/>
-              <a:t>Estratégia</a:t>
-            </a:r>
-          </a:p>
-        </p:txBody>
-      </p:sp>
-      <p:sp>
-        <p:nvSpPr>
-          <p:cNvPr id="13" name="Espaço Reservado para Texto 12">
-            <a:extLst>
-              <a:ext uri="{FF2B5EF4-FFF2-40B4-BE49-F238E27FC236}">
-                <a16:creationId xmlns:a16="http://schemas.microsoft.com/office/drawing/2014/main" id="{808185AA-496A-A5EB-3328-97A615D131B5}"/>
-              </a:ext>
-            </a:extLst>
-          </p:cNvPr>
-          <p:cNvSpPr>
-            <a:spLocks noGrp="1"/>
-          </p:cNvSpPr>
-          <p:nvPr>
-            <p:ph type="body" sz="quarter" idx="23"/>
-          </p:nvPr>
-        </p:nvSpPr>
-        <p:spPr/>
-        <p:txBody>
-          <a:bodyPr rtlCol="0"/>
-          <a:lstStyle>
-            <a:defPPr>
-              <a:defRPr lang="pt-BR"/>
-            </a:defPPr>
-          </a:lstStyle>
-          <a:p>
-            <a:pPr rtl="0"/>
-            <a:r>
-              <a:rPr lang="pt-BR" dirty="0"/>
-              <a:t>Promover metodologias holisticamente superiores</a:t>
-            </a:r>
-          </a:p>
-          <a:p>
-            <a:pPr rtl="0"/>
-            <a:endParaRPr lang="pt-BR" dirty="0"/>
-          </a:p>
-        </p:txBody>
-      </p:sp>
-      <p:sp>
-        <p:nvSpPr>
-          <p:cNvPr id="14" name="Espaço Reservado para Texto 13">
-            <a:extLst>
-              <a:ext uri="{FF2B5EF4-FFF2-40B4-BE49-F238E27FC236}">
-                <a16:creationId xmlns:a16="http://schemas.microsoft.com/office/drawing/2014/main" id="{37831CC4-0B09-14AA-184F-D3ECC41DECED}"/>
-              </a:ext>
-            </a:extLst>
-          </p:cNvPr>
-          <p:cNvSpPr>
-            <a:spLocks noGrp="1"/>
-          </p:cNvSpPr>
-          <p:nvPr>
-            <p:ph type="body" sz="quarter" idx="28"/>
-          </p:nvPr>
-        </p:nvSpPr>
-        <p:spPr>
-          <a:xfrm>
-            <a:off x="9637775" y="2441448"/>
-            <a:ext cx="1808849" cy="758952"/>
-          </a:xfrm>
-        </p:spPr>
-        <p:txBody>
-          <a:bodyPr rtlCol="0"/>
-          <a:lstStyle>
-            <a:defPPr>
-              <a:defRPr lang="pt-BR"/>
-            </a:defPPr>
-          </a:lstStyle>
-          <a:p>
-            <a:pPr rtl="0"/>
-            <a:r>
-              <a:rPr lang="pt-BR" dirty="0"/>
-              <a:t>Lançamento</a:t>
-            </a:r>
-          </a:p>
-        </p:txBody>
-      </p:sp>
-      <p:sp>
-        <p:nvSpPr>
-          <p:cNvPr id="15" name="Espaço Reservado para Texto 14">
-            <a:extLst>
-              <a:ext uri="{FF2B5EF4-FFF2-40B4-BE49-F238E27FC236}">
-                <a16:creationId xmlns:a16="http://schemas.microsoft.com/office/drawing/2014/main" id="{7511B12E-ED27-B573-2E5E-DBA687F9987D}"/>
-              </a:ext>
-            </a:extLst>
-          </p:cNvPr>
-          <p:cNvSpPr>
-            <a:spLocks noGrp="1"/>
-          </p:cNvSpPr>
-          <p:nvPr>
-            <p:ph type="body" sz="quarter" idx="29"/>
-          </p:nvPr>
-        </p:nvSpPr>
-        <p:spPr>
-          <a:xfrm>
-            <a:off x="9637776" y="3730751"/>
-            <a:ext cx="1476340" cy="1356637"/>
-          </a:xfrm>
-        </p:spPr>
-        <p:txBody>
-          <a:bodyPr rtlCol="0"/>
-          <a:lstStyle>
-            <a:defPPr>
-              <a:defRPr lang="pt-BR"/>
-            </a:defPPr>
-          </a:lstStyle>
-          <a:p>
-            <a:pPr rtl="0">
-              <a:spcBef>
-                <a:spcPts val="0"/>
-              </a:spcBef>
-              <a:spcAft>
-                <a:spcPts val="0"/>
-              </a:spcAft>
-            </a:pPr>
-            <a:r>
-              <a:rPr lang="pt-BR" dirty="0"/>
-              <a:t>Implantar redes estratégicas com necessidades de comércio eletrônico convincentes</a:t>
-            </a:r>
-          </a:p>
-          <a:p>
-            <a:pPr rtl="0"/>
-            <a:endParaRPr lang="pt-BR" dirty="0"/>
+            <a:fld id="{75DF2D63-3FF5-D547-96B9-BE9CCD1ABA58}" type="slidenum">
+              <a:rPr lang="pt-BR" smtClean="0"/>
+              <a:pPr rtl="0"/>
+              <a:t>2</a:t>
+            </a:fld>
+            <a:endParaRPr lang="pt-BR"/>
           </a:p>
         </p:txBody>
       </p:sp>
       <p:pic>
         <p:nvPicPr>
-          <p:cNvPr id="16" name="Espaço Reservado para Conteúdo 25" descr="Visão microscópica de um material em forma de bolha suspenso com água nele">
-            <a:extLst>
-              <a:ext uri="{FF2B5EF4-FFF2-40B4-BE49-F238E27FC236}">
-                <a16:creationId xmlns:a16="http://schemas.microsoft.com/office/drawing/2014/main" id="{B083ED63-584D-2579-2721-B716F3BC8F6B}"/>
-              </a:ext>
-            </a:extLst>
-          </p:cNvPr>
-          <p:cNvPicPr>
-            <a:picLocks noGrp="1" noChangeAspect="1"/>
-          </p:cNvPicPr>
-          <p:nvPr>
-            <p:ph type="pic" sz="quarter" idx="30"/>
-          </p:nvPr>
-        </p:nvPicPr>
-        <p:blipFill>
-          <a:blip r:embed="rId3">
-            <a:alphaModFix amt="70000"/>
-            <a:duotone>
-              <a:schemeClr val="accent3">
-                <a:shade val="45000"/>
-                <a:satMod val="135000"/>
-              </a:schemeClr>
-              <a:prstClr val="white"/>
-            </a:duotone>
-            <a:extLst>
-              <a:ext uri="{28A0092B-C50C-407E-A947-70E740481C1C}">
-                <a14:useLocalDpi xmlns:a14="http://schemas.microsoft.com/office/drawing/2010/main" val="0"/>
-              </a:ext>
-            </a:extLst>
-          </a:blip>
-          <a:srcRect/>
-          <a:stretch/>
-        </p:blipFill>
-        <p:spPr>
-          <a:xfrm>
-            <a:off x="0" y="5175250"/>
-            <a:ext cx="12188825" cy="1682750"/>
-          </a:xfrm>
-          <a:custGeom>
-            <a:avLst/>
-            <a:gdLst>
-              <a:gd name="connsiteX0" fmla="*/ 0 w 12192000"/>
-              <a:gd name="connsiteY0" fmla="*/ 0 h 1588010"/>
-              <a:gd name="connsiteX1" fmla="*/ 12192000 w 12192000"/>
-              <a:gd name="connsiteY1" fmla="*/ 0 h 1588010"/>
-              <a:gd name="connsiteX2" fmla="*/ 12192000 w 12192000"/>
-              <a:gd name="connsiteY2" fmla="*/ 1588010 h 1588010"/>
-              <a:gd name="connsiteX3" fmla="*/ 0 w 12192000"/>
-              <a:gd name="connsiteY3" fmla="*/ 1588010 h 1588010"/>
-            </a:gdLst>
-            <a:ahLst/>
-            <a:cxnLst>
-              <a:cxn ang="0">
-                <a:pos x="connsiteX0" y="connsiteY0"/>
-              </a:cxn>
-              <a:cxn ang="0">
-                <a:pos x="connsiteX1" y="connsiteY1"/>
-              </a:cxn>
-              <a:cxn ang="0">
-                <a:pos x="connsiteX2" y="connsiteY2"/>
-              </a:cxn>
-              <a:cxn ang="0">
-                <a:pos x="connsiteX3" y="connsiteY3"/>
-              </a:cxn>
-            </a:cxnLst>
-            <a:rect l="l" t="t" r="r" b="b"/>
-            <a:pathLst>
-              <a:path w="12192000" h="1588010">
-                <a:moveTo>
-                  <a:pt x="0" y="0"/>
-                </a:moveTo>
-                <a:lnTo>
-                  <a:pt x="12192000" y="0"/>
-                </a:lnTo>
-                <a:lnTo>
-                  <a:pt x="12192000" y="1588010"/>
-                </a:lnTo>
-                <a:lnTo>
-                  <a:pt x="0" y="1588010"/>
-                </a:lnTo>
-                <a:close/>
-              </a:path>
-            </a:pathLst>
-          </a:custGeom>
-          <a:solidFill>
-            <a:schemeClr val="accent2"/>
-          </a:solidFill>
-        </p:spPr>
-      </p:pic>
-      <p:cxnSp>
-        <p:nvCxnSpPr>
-          <p:cNvPr id="17" name="Conector Reto 16">
-            <a:extLst>
-              <a:ext uri="{FF2B5EF4-FFF2-40B4-BE49-F238E27FC236}">
-                <a16:creationId xmlns:a16="http://schemas.microsoft.com/office/drawing/2014/main" id="{8488A0F8-E720-D31B-750D-634FA849B5A9}"/>
-              </a:ext>
-              <a:ext uri="{C183D7F6-B498-43B3-948B-1728B52AA6E4}">
-                <adec:decorative xmlns:adec="http://schemas.microsoft.com/office/drawing/2017/decorative" val="1"/>
-              </a:ext>
-            </a:extLst>
-          </p:cNvPr>
-          <p:cNvCxnSpPr>
-            <a:cxnSpLocks/>
-          </p:cNvCxnSpPr>
-          <p:nvPr/>
-        </p:nvCxnSpPr>
-        <p:spPr>
-          <a:xfrm>
-            <a:off x="649224" y="5172458"/>
-            <a:ext cx="0" cy="618742"/>
-          </a:xfrm>
-          <a:prstGeom prst="line">
-            <a:avLst/>
-          </a:prstGeom>
-          <a:ln w="12700">
-            <a:solidFill>
-              <a:schemeClr val="bg1"/>
-            </a:solidFill>
-          </a:ln>
-        </p:spPr>
-        <p:style>
-          <a:lnRef idx="1">
-            <a:schemeClr val="accent1"/>
-          </a:lnRef>
-          <a:fillRef idx="0">
-            <a:schemeClr val="accent1"/>
-          </a:fillRef>
-          <a:effectRef idx="0">
-            <a:schemeClr val="accent1"/>
-          </a:effectRef>
-          <a:fontRef idx="minor">
-            <a:schemeClr val="tx1"/>
-          </a:fontRef>
-        </p:style>
-      </p:cxnSp>
-      <p:sp>
-        <p:nvSpPr>
-          <p:cNvPr id="4" name="Espaço Reservado para o Número do Slide 3">
-            <a:extLst>
-              <a:ext uri="{FF2B5EF4-FFF2-40B4-BE49-F238E27FC236}">
-                <a16:creationId xmlns:a16="http://schemas.microsoft.com/office/drawing/2014/main" id="{B63EE887-A172-F01E-98D1-8781769CBEDE}"/>
-              </a:ext>
-            </a:extLst>
-          </p:cNvPr>
-          <p:cNvSpPr>
-            <a:spLocks noGrp="1"/>
-          </p:cNvSpPr>
-          <p:nvPr>
-            <p:ph type="sldNum" sz="quarter" idx="10"/>
-          </p:nvPr>
-        </p:nvSpPr>
-        <p:spPr/>
-        <p:txBody>
-          <a:bodyPr rtlCol="0"/>
-          <a:lstStyle>
-            <a:defPPr>
-              <a:defRPr lang="pt-BR"/>
-            </a:defPPr>
-          </a:lstStyle>
-          <a:p>
-            <a:pPr rtl="0"/>
-            <a:fld id="{75DF2D63-3FF5-D547-96B9-BE9CCD1ABA58}" type="slidenum">
-              <a:rPr lang="pt-BR" smtClean="0"/>
-              <a:pPr/>
-              <a:t>10</a:t>
-            </a:fld>
-            <a:endParaRPr lang="pt-BR" dirty="0"/>
-          </a:p>
-        </p:txBody>
-      </p:sp>
-    </p:spTree>
-    <p:extLst>
-      <p:ext uri="{BB962C8B-B14F-4D97-AF65-F5344CB8AC3E}">
-        <p14:creationId xmlns:p14="http://schemas.microsoft.com/office/powerpoint/2010/main" val="2607450225"/>
-      </p:ext>
-    </p:extLst>
-  </p:cSld>
-  <p:clrMapOvr>
-    <a:masterClrMapping/>
-  </p:clrMapOvr>
-</p:sld>
-</file>
-
-<file path=ppt/slides/slide11.xml><?xml version="1.0" encoding="utf-8"?>
-<p:sld xmlns:a="http://schemas.openxmlformats.org/drawingml/2006/main" xmlns:r="http://schemas.openxmlformats.org/officeDocument/2006/relationships" xmlns:p="http://schemas.openxmlformats.org/presentationml/2006/main">
-  <p:cSld>
-    <p:spTree>
-      <p:nvGrpSpPr>
-        <p:cNvPr id="1" name=""/>
-        <p:cNvGrpSpPr/>
-        <p:nvPr/>
-      </p:nvGrpSpPr>
-      <p:grpSpPr>
-        <a:xfrm>
-          <a:off x="0" y="0"/>
-          <a:ext cx="0" cy="0"/>
-          <a:chOff x="0" y="0"/>
-          <a:chExt cx="0" cy="0"/>
-        </a:xfrm>
-      </p:grpSpPr>
-      <p:sp>
-        <p:nvSpPr>
-          <p:cNvPr id="3" name="Título 2">
-            <a:extLst>
-              <a:ext uri="{FF2B5EF4-FFF2-40B4-BE49-F238E27FC236}">
-                <a16:creationId xmlns:a16="http://schemas.microsoft.com/office/drawing/2014/main" id="{5E5327E6-13FB-2F71-A207-72E15A0136DB}"/>
-              </a:ext>
-            </a:extLst>
-          </p:cNvPr>
-          <p:cNvSpPr>
-            <a:spLocks noGrp="1"/>
-          </p:cNvSpPr>
-          <p:nvPr>
-            <p:ph type="title"/>
-          </p:nvPr>
-        </p:nvSpPr>
-        <p:spPr>
-          <a:xfrm>
-            <a:off x="1298448" y="5221224"/>
-            <a:ext cx="6108192" cy="621792"/>
-          </a:xfrm>
-        </p:spPr>
-        <p:txBody>
-          <a:bodyPr rtlCol="0"/>
-          <a:lstStyle>
-            <a:defPPr>
-              <a:defRPr lang="pt-BR"/>
-            </a:defPPr>
-          </a:lstStyle>
-          <a:p>
-            <a:pPr rtl="0"/>
-            <a:r>
-              <a:rPr lang="pt-BR" sz="4800" dirty="0"/>
-              <a:t>Linha do tempo </a:t>
-            </a:r>
-          </a:p>
-        </p:txBody>
-      </p:sp>
-      <p:pic>
-        <p:nvPicPr>
-          <p:cNvPr id="21" name="Espaço Reservado para Conteúdo 25" descr="Tubos de ensaio com um tubo de ensaio em laranja com gotas">
-            <a:extLst>
-              <a:ext uri="{FF2B5EF4-FFF2-40B4-BE49-F238E27FC236}">
-                <a16:creationId xmlns:a16="http://schemas.microsoft.com/office/drawing/2014/main" id="{FE365C49-5FBF-04F7-2612-59A6D6F84C37}"/>
-              </a:ext>
-            </a:extLst>
-          </p:cNvPr>
-          <p:cNvPicPr>
-            <a:picLocks noGrp="1" noChangeAspect="1"/>
-          </p:cNvPicPr>
-          <p:nvPr>
-            <p:ph type="pic" sz="quarter" idx="30"/>
-          </p:nvPr>
-        </p:nvPicPr>
-        <p:blipFill rotWithShape="1">
-          <a:blip r:embed="rId3">
-            <a:duotone>
-              <a:schemeClr val="accent1">
-                <a:shade val="45000"/>
-                <a:satMod val="135000"/>
-              </a:schemeClr>
-              <a:prstClr val="white"/>
-            </a:duotone>
-            <a:extLst>
-              <a:ext uri="{28A0092B-C50C-407E-A947-70E740481C1C}">
-                <a14:useLocalDpi xmlns:a14="http://schemas.microsoft.com/office/drawing/2010/main" val="0"/>
-              </a:ext>
-            </a:extLst>
-          </a:blip>
-          <a:srcRect/>
-          <a:stretch/>
-        </p:blipFill>
-        <p:spPr/>
-      </p:pic>
-      <p:sp>
-        <p:nvSpPr>
-          <p:cNvPr id="22" name="Retângulo 21">
-            <a:extLst>
-              <a:ext uri="{FF2B5EF4-FFF2-40B4-BE49-F238E27FC236}">
-                <a16:creationId xmlns:a16="http://schemas.microsoft.com/office/drawing/2014/main" id="{F6BA20C7-F48C-429D-2FA7-B7B83A800FA9}"/>
-              </a:ext>
-              <a:ext uri="{C183D7F6-B498-43B3-948B-1728B52AA6E4}">
-                <adec:decorative xmlns:adec="http://schemas.microsoft.com/office/drawing/2017/decorative" val="1"/>
-              </a:ext>
-            </a:extLst>
-          </p:cNvPr>
-          <p:cNvSpPr/>
-          <p:nvPr/>
-        </p:nvSpPr>
-        <p:spPr>
-          <a:xfrm>
-            <a:off x="-1" y="0"/>
-            <a:ext cx="2285995" cy="1685542"/>
-          </a:xfrm>
-          <a:prstGeom prst="rect">
-            <a:avLst/>
-          </a:prstGeom>
-          <a:gradFill flip="none" rotWithShape="1">
-            <a:gsLst>
-              <a:gs pos="0">
-                <a:schemeClr val="bg1">
-                  <a:alpha val="0"/>
-                </a:schemeClr>
-              </a:gs>
-              <a:gs pos="80000">
-                <a:schemeClr val="bg1"/>
-              </a:gs>
-            </a:gsLst>
-            <a:lin ang="10800000" scaled="1"/>
-            <a:tileRect/>
-          </a:gradFill>
-          <a:ln>
-            <a:noFill/>
-          </a:ln>
-        </p:spPr>
-        <p:style>
-          <a:lnRef idx="2">
-            <a:schemeClr val="accent1">
-              <a:shade val="50000"/>
-            </a:schemeClr>
-          </a:lnRef>
-          <a:fillRef idx="1">
-            <a:schemeClr val="accent1"/>
-          </a:fillRef>
-          <a:effectRef idx="0">
-            <a:schemeClr val="accent1"/>
-          </a:effectRef>
-          <a:fontRef idx="minor">
-            <a:schemeClr val="lt1"/>
-          </a:fontRef>
-        </p:style>
-        <p:txBody>
-          <a:bodyPr rtlCol="0" anchor="ctr"/>
-          <a:lstStyle>
-            <a:defPPr>
-              <a:defRPr lang="pt-BR"/>
-            </a:defPPr>
-          </a:lstStyle>
-          <a:p>
-            <a:pPr algn="ctr" rtl="0"/>
-            <a:endParaRPr lang="pt-BR"/>
-          </a:p>
-        </p:txBody>
-      </p:sp>
-      <p:sp>
-        <p:nvSpPr>
-          <p:cNvPr id="5" name="Espaço Reservado para Rodapé 4">
-            <a:extLst>
-              <a:ext uri="{FF2B5EF4-FFF2-40B4-BE49-F238E27FC236}">
-                <a16:creationId xmlns:a16="http://schemas.microsoft.com/office/drawing/2014/main" id="{90BE788E-706D-5D5C-B17F-51759A2CC61A}"/>
-              </a:ext>
-            </a:extLst>
-          </p:cNvPr>
-          <p:cNvSpPr>
-            <a:spLocks noGrp="1"/>
-          </p:cNvSpPr>
-          <p:nvPr>
-            <p:ph type="ftr" sz="quarter" idx="11"/>
-          </p:nvPr>
-        </p:nvSpPr>
-        <p:spPr/>
-        <p:txBody>
-          <a:bodyPr rtlCol="0"/>
-          <a:lstStyle>
-            <a:defPPr>
-              <a:defRPr lang="pt-BR"/>
-            </a:defPPr>
-          </a:lstStyle>
-          <a:p>
-            <a:pPr rtl="0"/>
-            <a:r>
-              <a:rPr lang="pt-BR"/>
-              <a:t>título da apresentação</a:t>
-            </a:r>
-          </a:p>
-        </p:txBody>
-      </p:sp>
-      <p:sp>
-        <p:nvSpPr>
-          <p:cNvPr id="4" name="Espaço Reservado para o Número do Slide 3">
-            <a:extLst>
-              <a:ext uri="{FF2B5EF4-FFF2-40B4-BE49-F238E27FC236}">
-                <a16:creationId xmlns:a16="http://schemas.microsoft.com/office/drawing/2014/main" id="{A9519E8E-7F0D-C4E6-CC87-3F8B896EF0E1}"/>
-              </a:ext>
-            </a:extLst>
-          </p:cNvPr>
-          <p:cNvSpPr>
-            <a:spLocks noGrp="1"/>
-          </p:cNvSpPr>
-          <p:nvPr>
-            <p:ph type="sldNum" sz="quarter" idx="10"/>
-          </p:nvPr>
-        </p:nvSpPr>
-        <p:spPr/>
-        <p:txBody>
-          <a:bodyPr rtlCol="0"/>
-          <a:lstStyle>
-            <a:defPPr>
-              <a:defRPr lang="pt-BR"/>
-            </a:defPPr>
-          </a:lstStyle>
-          <a:p>
-            <a:pPr rtl="0"/>
-            <a:fld id="{75DF2D63-3FF5-D547-96B9-BE9CCD1ABA58}" type="slidenum">
-              <a:rPr lang="pt-BR" smtClean="0"/>
-              <a:pPr/>
-              <a:t>11</a:t>
-            </a:fld>
-            <a:endParaRPr lang="pt-BR"/>
-          </a:p>
-        </p:txBody>
-      </p:sp>
-      <p:sp>
-        <p:nvSpPr>
-          <p:cNvPr id="82" name="Espaço Reservado para Texto 81">
-            <a:extLst>
-              <a:ext uri="{FF2B5EF4-FFF2-40B4-BE49-F238E27FC236}">
-                <a16:creationId xmlns:a16="http://schemas.microsoft.com/office/drawing/2014/main" id="{2E1F38AB-E038-4CD1-618A-52B12F7A4BB5}"/>
-              </a:ext>
-            </a:extLst>
-          </p:cNvPr>
-          <p:cNvSpPr>
-            <a:spLocks noGrp="1"/>
-          </p:cNvSpPr>
-          <p:nvPr>
-            <p:ph type="body" sz="quarter" idx="32"/>
-          </p:nvPr>
-        </p:nvSpPr>
-        <p:spPr/>
-        <p:txBody>
-          <a:bodyPr rtlCol="0"/>
-          <a:lstStyle>
-            <a:defPPr>
-              <a:defRPr lang="pt-BR"/>
-            </a:defPPr>
-          </a:lstStyle>
-          <a:p>
-            <a:pPr rtl="0"/>
-            <a:endParaRPr lang="pt-BR"/>
-          </a:p>
-        </p:txBody>
-      </p:sp>
-      <p:sp>
-        <p:nvSpPr>
-          <p:cNvPr id="6" name="Espaço Reservado para Texto 5">
-            <a:extLst>
-              <a:ext uri="{FF2B5EF4-FFF2-40B4-BE49-F238E27FC236}">
-                <a16:creationId xmlns:a16="http://schemas.microsoft.com/office/drawing/2014/main" id="{D0A77C80-D935-F537-F818-8C03F02AF5D4}"/>
-              </a:ext>
-            </a:extLst>
-          </p:cNvPr>
-          <p:cNvSpPr>
-            <a:spLocks noGrp="1"/>
-          </p:cNvSpPr>
-          <p:nvPr>
-            <p:ph type="body" sz="quarter" idx="16"/>
-          </p:nvPr>
-        </p:nvSpPr>
-        <p:spPr/>
-        <p:txBody>
-          <a:bodyPr rtlCol="0"/>
-          <a:lstStyle>
-            <a:defPPr>
-              <a:defRPr lang="pt-BR"/>
-            </a:defPPr>
-          </a:lstStyle>
-          <a:p>
-            <a:pPr rtl="0"/>
-            <a:r>
-              <a:rPr lang="pt-BR"/>
-              <a:t>Set</a:t>
-            </a:r>
-          </a:p>
-        </p:txBody>
-      </p:sp>
-      <p:sp>
-        <p:nvSpPr>
-          <p:cNvPr id="11" name="Espaço Reservado para Texto 10">
-            <a:extLst>
-              <a:ext uri="{FF2B5EF4-FFF2-40B4-BE49-F238E27FC236}">
-                <a16:creationId xmlns:a16="http://schemas.microsoft.com/office/drawing/2014/main" id="{9E703999-0627-E209-2471-30DBE4AD3C40}"/>
-              </a:ext>
-            </a:extLst>
-          </p:cNvPr>
-          <p:cNvSpPr>
-            <a:spLocks noGrp="1"/>
-          </p:cNvSpPr>
-          <p:nvPr>
-            <p:ph type="body" sz="quarter" idx="17"/>
-          </p:nvPr>
-        </p:nvSpPr>
-        <p:spPr>
-          <a:xfrm>
-            <a:off x="1298447" y="3803904"/>
-            <a:ext cx="1727385" cy="1143000"/>
-          </a:xfrm>
-        </p:spPr>
-        <p:txBody>
-          <a:bodyPr rtlCol="0"/>
-          <a:lstStyle>
-            <a:defPPr>
-              <a:defRPr lang="pt-BR"/>
-            </a:defPPr>
-          </a:lstStyle>
-          <a:p>
-            <a:pPr lvl="0" rtl="0"/>
-            <a:r>
-              <a:rPr lang="pt-BR"/>
-              <a:t>Sinergizar o comércio eletrônico dimensionável</a:t>
-            </a:r>
-          </a:p>
-          <a:p>
-            <a:pPr rtl="0"/>
-            <a:endParaRPr lang="pt-BR"/>
-          </a:p>
-        </p:txBody>
-      </p:sp>
-      <p:sp>
-        <p:nvSpPr>
-          <p:cNvPr id="81" name="Espaço Reservado para Texto 80">
-            <a:extLst>
-              <a:ext uri="{FF2B5EF4-FFF2-40B4-BE49-F238E27FC236}">
-                <a16:creationId xmlns:a16="http://schemas.microsoft.com/office/drawing/2014/main" id="{F670FB6E-8396-CF15-B901-347F21C06620}"/>
-              </a:ext>
-            </a:extLst>
-          </p:cNvPr>
-          <p:cNvSpPr>
-            <a:spLocks noGrp="1"/>
-          </p:cNvSpPr>
-          <p:nvPr>
-            <p:ph type="body" sz="quarter" idx="31"/>
-          </p:nvPr>
-        </p:nvSpPr>
-        <p:spPr/>
-        <p:txBody>
-          <a:bodyPr rtlCol="0"/>
-          <a:lstStyle>
-            <a:defPPr>
-              <a:defRPr lang="pt-BR"/>
-            </a:defPPr>
-          </a:lstStyle>
-          <a:p>
-            <a:pPr rtl="0"/>
-            <a:endParaRPr lang="pt-BR"/>
-          </a:p>
-        </p:txBody>
-      </p:sp>
-      <p:sp>
-        <p:nvSpPr>
-          <p:cNvPr id="7" name="Espaço Reservado para Texto 6">
-            <a:extLst>
-              <a:ext uri="{FF2B5EF4-FFF2-40B4-BE49-F238E27FC236}">
-                <a16:creationId xmlns:a16="http://schemas.microsoft.com/office/drawing/2014/main" id="{CB9A58C4-B167-911B-151E-289752AE22A4}"/>
-              </a:ext>
-            </a:extLst>
-          </p:cNvPr>
-          <p:cNvSpPr>
-            <a:spLocks noGrp="1"/>
-          </p:cNvSpPr>
-          <p:nvPr>
-            <p:ph type="body" sz="quarter" idx="18"/>
-          </p:nvPr>
-        </p:nvSpPr>
-        <p:spPr/>
-        <p:txBody>
-          <a:bodyPr rtlCol="0"/>
-          <a:lstStyle>
-            <a:defPPr>
-              <a:defRPr lang="pt-BR"/>
-            </a:defPPr>
-          </a:lstStyle>
-          <a:p>
-            <a:pPr rtl="0"/>
-            <a:r>
-              <a:rPr lang="pt-BR"/>
-              <a:t>out</a:t>
-            </a:r>
-          </a:p>
-        </p:txBody>
-      </p:sp>
-      <p:sp>
-        <p:nvSpPr>
-          <p:cNvPr id="12" name="Espaço Reservado para Texto 11">
-            <a:extLst>
-              <a:ext uri="{FF2B5EF4-FFF2-40B4-BE49-F238E27FC236}">
-                <a16:creationId xmlns:a16="http://schemas.microsoft.com/office/drawing/2014/main" id="{C5EC4B8C-DA99-ED1F-A340-C03D85FEEB16}"/>
-              </a:ext>
-            </a:extLst>
-          </p:cNvPr>
-          <p:cNvSpPr>
-            <a:spLocks noGrp="1"/>
-          </p:cNvSpPr>
-          <p:nvPr>
-            <p:ph type="body" sz="quarter" idx="19"/>
-          </p:nvPr>
-        </p:nvSpPr>
-        <p:spPr>
-          <a:xfrm>
-            <a:off x="3300984" y="3803904"/>
-            <a:ext cx="1280541" cy="1143000"/>
-          </a:xfrm>
-        </p:spPr>
-        <p:txBody>
-          <a:bodyPr rtlCol="0"/>
-          <a:lstStyle>
-            <a:defPPr>
-              <a:defRPr lang="pt-BR"/>
-            </a:defPPr>
-          </a:lstStyle>
-          <a:p>
-            <a:pPr lvl="0" rtl="0"/>
-            <a:r>
-              <a:rPr lang="pt-BR"/>
-              <a:t>Disseminar métricas padronizadas</a:t>
-            </a:r>
-          </a:p>
-          <a:p>
-            <a:pPr rtl="0"/>
-            <a:endParaRPr lang="pt-BR"/>
-          </a:p>
-        </p:txBody>
-      </p:sp>
-      <p:sp>
-        <p:nvSpPr>
-          <p:cNvPr id="83" name="Espaço Reservado para Texto 82">
-            <a:extLst>
-              <a:ext uri="{FF2B5EF4-FFF2-40B4-BE49-F238E27FC236}">
-                <a16:creationId xmlns:a16="http://schemas.microsoft.com/office/drawing/2014/main" id="{D1FC7473-B976-1C94-F51C-63C1354C6881}"/>
-              </a:ext>
-            </a:extLst>
-          </p:cNvPr>
-          <p:cNvSpPr>
-            <a:spLocks noGrp="1"/>
-          </p:cNvSpPr>
-          <p:nvPr>
-            <p:ph type="body" sz="quarter" idx="33"/>
-          </p:nvPr>
-        </p:nvSpPr>
-        <p:spPr/>
-        <p:txBody>
-          <a:bodyPr rtlCol="0"/>
-          <a:lstStyle>
-            <a:defPPr>
-              <a:defRPr lang="pt-BR"/>
-            </a:defPPr>
-          </a:lstStyle>
-          <a:p>
-            <a:pPr rtl="0"/>
-            <a:endParaRPr lang="pt-BR"/>
-          </a:p>
-        </p:txBody>
-      </p:sp>
-      <p:sp>
-        <p:nvSpPr>
-          <p:cNvPr id="8" name="Espaço Reservado para Texto 7">
-            <a:extLst>
-              <a:ext uri="{FF2B5EF4-FFF2-40B4-BE49-F238E27FC236}">
-                <a16:creationId xmlns:a16="http://schemas.microsoft.com/office/drawing/2014/main" id="{CE2FC2AA-1AF5-2B4E-0A3F-ADBC8EED82AE}"/>
-              </a:ext>
-            </a:extLst>
-          </p:cNvPr>
-          <p:cNvSpPr>
-            <a:spLocks noGrp="1"/>
-          </p:cNvSpPr>
-          <p:nvPr>
-            <p:ph type="body" sz="quarter" idx="20"/>
-          </p:nvPr>
-        </p:nvSpPr>
-        <p:spPr/>
-        <p:txBody>
-          <a:bodyPr rtlCol="0"/>
-          <a:lstStyle>
-            <a:defPPr>
-              <a:defRPr lang="pt-BR"/>
-            </a:defPPr>
-          </a:lstStyle>
-          <a:p>
-            <a:pPr rtl="0"/>
-            <a:r>
-              <a:rPr lang="pt-BR"/>
-              <a:t>nov</a:t>
-            </a:r>
-          </a:p>
-        </p:txBody>
-      </p:sp>
-      <p:sp>
-        <p:nvSpPr>
-          <p:cNvPr id="13" name="Espaço Reservado para Texto 12">
-            <a:extLst>
-              <a:ext uri="{FF2B5EF4-FFF2-40B4-BE49-F238E27FC236}">
-                <a16:creationId xmlns:a16="http://schemas.microsoft.com/office/drawing/2014/main" id="{2F88EBF3-B74B-2BAE-FD85-77076F5567F5}"/>
-              </a:ext>
-            </a:extLst>
-          </p:cNvPr>
-          <p:cNvSpPr>
-            <a:spLocks noGrp="1"/>
-          </p:cNvSpPr>
-          <p:nvPr>
-            <p:ph type="body" sz="quarter" idx="21"/>
-          </p:nvPr>
-        </p:nvSpPr>
-        <p:spPr/>
-        <p:txBody>
-          <a:bodyPr rtlCol="0"/>
-          <a:lstStyle>
-            <a:defPPr>
-              <a:defRPr lang="pt-BR"/>
-            </a:defPPr>
-          </a:lstStyle>
-          <a:p>
-            <a:pPr lvl="0" rtl="0"/>
-            <a:r>
-              <a:rPr lang="pt-BR"/>
-              <a:t>Coordenar aplicativos de comércio eletrônico</a:t>
-            </a:r>
-          </a:p>
-          <a:p>
-            <a:pPr rtl="0"/>
-            <a:endParaRPr lang="pt-BR"/>
-          </a:p>
-        </p:txBody>
-      </p:sp>
-      <p:sp>
-        <p:nvSpPr>
-          <p:cNvPr id="84" name="Espaço Reservado para Texto 83">
-            <a:extLst>
-              <a:ext uri="{FF2B5EF4-FFF2-40B4-BE49-F238E27FC236}">
-                <a16:creationId xmlns:a16="http://schemas.microsoft.com/office/drawing/2014/main" id="{3FE9BB50-1FAA-348B-F236-D51B9527BE3B}"/>
-              </a:ext>
-            </a:extLst>
-          </p:cNvPr>
-          <p:cNvSpPr>
-            <a:spLocks noGrp="1"/>
-          </p:cNvSpPr>
-          <p:nvPr>
-            <p:ph type="body" sz="quarter" idx="34"/>
-          </p:nvPr>
-        </p:nvSpPr>
-        <p:spPr/>
-        <p:txBody>
-          <a:bodyPr rtlCol="0"/>
-          <a:lstStyle>
-            <a:defPPr>
-              <a:defRPr lang="pt-BR"/>
-            </a:defPPr>
-          </a:lstStyle>
-          <a:p>
-            <a:pPr rtl="0"/>
-            <a:endParaRPr lang="pt-BR"/>
-          </a:p>
-        </p:txBody>
-      </p:sp>
-      <p:sp>
-        <p:nvSpPr>
-          <p:cNvPr id="9" name="Espaço Reservado para Texto 8">
-            <a:extLst>
-              <a:ext uri="{FF2B5EF4-FFF2-40B4-BE49-F238E27FC236}">
-                <a16:creationId xmlns:a16="http://schemas.microsoft.com/office/drawing/2014/main" id="{94E29500-4B8C-7CD9-C95A-3169C7062B63}"/>
-              </a:ext>
-            </a:extLst>
-          </p:cNvPr>
-          <p:cNvSpPr>
-            <a:spLocks noGrp="1"/>
-          </p:cNvSpPr>
-          <p:nvPr>
-            <p:ph type="body" sz="quarter" idx="22"/>
-          </p:nvPr>
-        </p:nvSpPr>
-        <p:spPr/>
-        <p:txBody>
-          <a:bodyPr rtlCol="0"/>
-          <a:lstStyle>
-            <a:defPPr>
-              <a:defRPr lang="pt-BR"/>
-            </a:defPPr>
-          </a:lstStyle>
-          <a:p>
-            <a:pPr rtl="0"/>
-            <a:r>
-              <a:rPr lang="pt-BR"/>
-              <a:t>dez</a:t>
-            </a:r>
-          </a:p>
-        </p:txBody>
-      </p:sp>
-      <p:sp>
-        <p:nvSpPr>
-          <p:cNvPr id="14" name="Espaço Reservado para Texto 13">
-            <a:extLst>
-              <a:ext uri="{FF2B5EF4-FFF2-40B4-BE49-F238E27FC236}">
-                <a16:creationId xmlns:a16="http://schemas.microsoft.com/office/drawing/2014/main" id="{24E8877F-2403-58C2-433E-442614700804}"/>
-              </a:ext>
-            </a:extLst>
-          </p:cNvPr>
-          <p:cNvSpPr>
-            <a:spLocks noGrp="1"/>
-          </p:cNvSpPr>
-          <p:nvPr>
-            <p:ph type="body" sz="quarter" idx="23"/>
-          </p:nvPr>
-        </p:nvSpPr>
-        <p:spPr>
-          <a:xfrm>
-            <a:off x="7315200" y="3803904"/>
-            <a:ext cx="1479665" cy="1143000"/>
-          </a:xfrm>
-        </p:spPr>
-        <p:txBody>
-          <a:bodyPr rtlCol="0"/>
-          <a:lstStyle>
-            <a:defPPr>
-              <a:defRPr lang="pt-BR"/>
-            </a:defPPr>
-          </a:lstStyle>
-          <a:p>
-            <a:pPr rtl="0"/>
-            <a:r>
-              <a:rPr lang="pt-BR"/>
-              <a:t>Promover metodologias holisticamente superiores</a:t>
-            </a:r>
-          </a:p>
-          <a:p>
-            <a:pPr rtl="0"/>
-            <a:endParaRPr lang="pt-BR"/>
-          </a:p>
-        </p:txBody>
-      </p:sp>
-      <p:sp>
-        <p:nvSpPr>
-          <p:cNvPr id="85" name="Espaço Reservado para Texto 84">
-            <a:extLst>
-              <a:ext uri="{FF2B5EF4-FFF2-40B4-BE49-F238E27FC236}">
-                <a16:creationId xmlns:a16="http://schemas.microsoft.com/office/drawing/2014/main" id="{158572BB-F863-F698-0C6D-57D4F3772E56}"/>
-              </a:ext>
-            </a:extLst>
-          </p:cNvPr>
-          <p:cNvSpPr>
-            <a:spLocks noGrp="1"/>
-          </p:cNvSpPr>
-          <p:nvPr>
-            <p:ph type="body" sz="quarter" idx="35"/>
-          </p:nvPr>
-        </p:nvSpPr>
-        <p:spPr/>
-        <p:txBody>
-          <a:bodyPr rtlCol="0"/>
-          <a:lstStyle>
-            <a:defPPr>
-              <a:defRPr lang="pt-BR"/>
-            </a:defPPr>
-          </a:lstStyle>
-          <a:p>
-            <a:pPr rtl="0"/>
-            <a:endParaRPr lang="pt-BR"/>
-          </a:p>
-        </p:txBody>
-      </p:sp>
-      <p:sp>
-        <p:nvSpPr>
-          <p:cNvPr id="10" name="Espaço Reservado para Texto 9">
-            <a:extLst>
-              <a:ext uri="{FF2B5EF4-FFF2-40B4-BE49-F238E27FC236}">
-                <a16:creationId xmlns:a16="http://schemas.microsoft.com/office/drawing/2014/main" id="{F9A6F37A-B065-126D-BAD3-C956D8BD8717}"/>
-              </a:ext>
-            </a:extLst>
-          </p:cNvPr>
-          <p:cNvSpPr>
-            <a:spLocks noGrp="1"/>
-          </p:cNvSpPr>
-          <p:nvPr>
-            <p:ph type="body" sz="quarter" idx="28"/>
-          </p:nvPr>
-        </p:nvSpPr>
-        <p:spPr/>
-        <p:txBody>
-          <a:bodyPr rtlCol="0"/>
-          <a:lstStyle>
-            <a:defPPr>
-              <a:defRPr lang="pt-BR"/>
-            </a:defPPr>
-          </a:lstStyle>
-          <a:p>
-            <a:pPr rtl="0"/>
-            <a:r>
-              <a:rPr lang="pt-BR"/>
-              <a:t>jan</a:t>
-            </a:r>
-          </a:p>
-        </p:txBody>
-      </p:sp>
-      <p:sp>
-        <p:nvSpPr>
-          <p:cNvPr id="15" name="Espaço Reservado para Texto 14">
-            <a:extLst>
-              <a:ext uri="{FF2B5EF4-FFF2-40B4-BE49-F238E27FC236}">
-                <a16:creationId xmlns:a16="http://schemas.microsoft.com/office/drawing/2014/main" id="{9AE2A7F3-EC70-CDB1-A10E-1EEDBFBDD571}"/>
-              </a:ext>
-            </a:extLst>
-          </p:cNvPr>
-          <p:cNvSpPr>
-            <a:spLocks noGrp="1"/>
-          </p:cNvSpPr>
-          <p:nvPr>
-            <p:ph type="body" sz="quarter" idx="29"/>
-          </p:nvPr>
-        </p:nvSpPr>
-        <p:spPr/>
-        <p:txBody>
-          <a:bodyPr rtlCol="0"/>
-          <a:lstStyle>
-            <a:defPPr>
-              <a:defRPr lang="pt-BR"/>
-            </a:defPPr>
-          </a:lstStyle>
-          <a:p>
-            <a:pPr lvl="0" rtl="0"/>
-            <a:r>
-              <a:rPr lang="pt-BR"/>
-              <a:t>Implantar redes estratégicas com necessidades de comércio eletrônico convincentes</a:t>
-            </a:r>
-          </a:p>
-          <a:p>
-            <a:pPr rtl="0"/>
-            <a:endParaRPr lang="pt-BR"/>
-          </a:p>
-        </p:txBody>
-      </p:sp>
-    </p:spTree>
-    <p:extLst>
-      <p:ext uri="{BB962C8B-B14F-4D97-AF65-F5344CB8AC3E}">
-        <p14:creationId xmlns:p14="http://schemas.microsoft.com/office/powerpoint/2010/main" val="758882227"/>
-      </p:ext>
-    </p:extLst>
-  </p:cSld>
-  <p:clrMapOvr>
-    <a:masterClrMapping/>
-  </p:clrMapOvr>
-</p:sld>
-</file>
-
-<file path=ppt/slides/slide12.xml><?xml version="1.0" encoding="utf-8"?>
-<p:sld xmlns:a="http://schemas.openxmlformats.org/drawingml/2006/main" xmlns:r="http://schemas.openxmlformats.org/officeDocument/2006/relationships" xmlns:p="http://schemas.openxmlformats.org/presentationml/2006/main">
-  <p:cSld>
-    <p:spTree>
-      <p:nvGrpSpPr>
-        <p:cNvPr id="1" name=""/>
-        <p:cNvGrpSpPr/>
-        <p:nvPr/>
-      </p:nvGrpSpPr>
-      <p:grpSpPr>
-        <a:xfrm>
-          <a:off x="0" y="0"/>
-          <a:ext cx="0" cy="0"/>
-          <a:chOff x="0" y="0"/>
-          <a:chExt cx="0" cy="0"/>
-        </a:xfrm>
-      </p:grpSpPr>
-      <p:pic>
-        <p:nvPicPr>
-          <p:cNvPr id="39" name="Espaço Reservado para Imagem 38" descr="Estrutura de DNA branco">
-            <a:extLst>
-              <a:ext uri="{FF2B5EF4-FFF2-40B4-BE49-F238E27FC236}">
-                <a16:creationId xmlns:a16="http://schemas.microsoft.com/office/drawing/2014/main" id="{F90B3248-E185-8C9D-93CE-A79DE50A6F35}"/>
+          <p:cNvPr id="7" name="Espaço Reservado para Imagem 6" descr="Pipetar sobre três frascos de vidro">
+            <a:extLst>
+              <a:ext uri="{FF2B5EF4-FFF2-40B4-BE49-F238E27FC236}">
+                <a16:creationId xmlns:a16="http://schemas.microsoft.com/office/drawing/2014/main" id="{7FFC92DA-E590-4A49-8738-10A5D4DBBE6E}"/>
               </a:ext>
             </a:extLst>
           </p:cNvPr>
@@ -15420,560 +12592,9 @@
             <a:fillRect/>
           </a:stretch>
         </p:blipFill>
-        <p:spPr/>
-      </p:pic>
-      <p:sp>
-        <p:nvSpPr>
-          <p:cNvPr id="48" name="Retângulo 47">
-            <a:extLst>
-              <a:ext uri="{FF2B5EF4-FFF2-40B4-BE49-F238E27FC236}">
-                <a16:creationId xmlns:a16="http://schemas.microsoft.com/office/drawing/2014/main" id="{217F23FC-AC97-DC78-C63F-66C5BF23A07A}"/>
-              </a:ext>
-              <a:ext uri="{C183D7F6-B498-43B3-948B-1728B52AA6E4}">
-                <adec:decorative xmlns:adec="http://schemas.microsoft.com/office/drawing/2017/decorative" val="1"/>
-              </a:ext>
-            </a:extLst>
-          </p:cNvPr>
-          <p:cNvSpPr/>
-          <p:nvPr/>
-        </p:nvSpPr>
-        <p:spPr>
-          <a:xfrm>
-            <a:off x="2120552" y="12357"/>
-            <a:ext cx="10071448" cy="6858000"/>
-          </a:xfrm>
-          <a:prstGeom prst="rect">
-            <a:avLst/>
-          </a:prstGeom>
-          <a:gradFill>
-            <a:gsLst>
-              <a:gs pos="0">
-                <a:schemeClr val="bg1">
-                  <a:alpha val="0"/>
-                </a:schemeClr>
-              </a:gs>
-              <a:gs pos="42000">
-                <a:schemeClr val="bg1"/>
-              </a:gs>
-            </a:gsLst>
-            <a:lin ang="0" scaled="0"/>
-          </a:gradFill>
-          <a:ln>
-            <a:noFill/>
-          </a:ln>
-        </p:spPr>
-        <p:style>
-          <a:lnRef idx="2">
-            <a:schemeClr val="accent1">
-              <a:shade val="50000"/>
-            </a:schemeClr>
-          </a:lnRef>
-          <a:fillRef idx="1">
-            <a:schemeClr val="accent1"/>
-          </a:fillRef>
-          <a:effectRef idx="0">
-            <a:schemeClr val="accent1"/>
-          </a:effectRef>
-          <a:fontRef idx="minor">
-            <a:schemeClr val="lt1"/>
-          </a:fontRef>
-        </p:style>
-        <p:txBody>
-          <a:bodyPr rtlCol="0" anchor="ctr"/>
-          <a:lstStyle>
-            <a:defPPr>
-              <a:defRPr lang="pt-BR"/>
-            </a:defPPr>
-          </a:lstStyle>
-          <a:p>
-            <a:pPr algn="ctr" rtl="0"/>
-            <a:endParaRPr lang="pt-BR" dirty="0"/>
-          </a:p>
-        </p:txBody>
-      </p:sp>
-      <p:sp>
-        <p:nvSpPr>
-          <p:cNvPr id="3" name="Título 2">
-            <a:extLst>
-              <a:ext uri="{FF2B5EF4-FFF2-40B4-BE49-F238E27FC236}">
-                <a16:creationId xmlns:a16="http://schemas.microsoft.com/office/drawing/2014/main" id="{B3E315A2-4CED-23BB-CA3C-C8962E2419FD}"/>
-              </a:ext>
-            </a:extLst>
-          </p:cNvPr>
-          <p:cNvSpPr>
-            <a:spLocks noGrp="1"/>
-          </p:cNvSpPr>
-          <p:nvPr>
-            <p:ph type="title"/>
-          </p:nvPr>
-        </p:nvSpPr>
-        <p:spPr/>
-        <p:txBody>
-          <a:bodyPr rtlCol="0"/>
-          <a:lstStyle>
-            <a:defPPr>
-              <a:defRPr lang="pt-BR"/>
-            </a:defPPr>
-          </a:lstStyle>
-          <a:p>
-            <a:pPr rtl="0"/>
-            <a:r>
-              <a:rPr lang="pt-BR" dirty="0"/>
-              <a:t>Áreas de foco</a:t>
-            </a:r>
-          </a:p>
-        </p:txBody>
-      </p:sp>
-      <p:sp>
-        <p:nvSpPr>
-          <p:cNvPr id="9" name="Espaço Reservado para Rodapé 8">
-            <a:extLst>
-              <a:ext uri="{FF2B5EF4-FFF2-40B4-BE49-F238E27FC236}">
-                <a16:creationId xmlns:a16="http://schemas.microsoft.com/office/drawing/2014/main" id="{90FCB302-A0EE-7CF7-A4B2-ED343BFF9BC0}"/>
-              </a:ext>
-            </a:extLst>
-          </p:cNvPr>
-          <p:cNvSpPr>
-            <a:spLocks noGrp="1"/>
-          </p:cNvSpPr>
-          <p:nvPr>
-            <p:ph type="ftr" sz="quarter" idx="12"/>
-          </p:nvPr>
-        </p:nvSpPr>
-        <p:spPr/>
-        <p:txBody>
-          <a:bodyPr rtlCol="0"/>
-          <a:lstStyle>
-            <a:defPPr>
-              <a:defRPr lang="pt-BR"/>
-            </a:defPPr>
-          </a:lstStyle>
-          <a:p>
-            <a:pPr rtl="0"/>
-            <a:r>
-              <a:rPr lang="pt-BR"/>
-              <a:t>título da apresentação</a:t>
-            </a:r>
-          </a:p>
-        </p:txBody>
-      </p:sp>
-      <p:sp>
-        <p:nvSpPr>
-          <p:cNvPr id="8" name="Espaço Reservado para o Número do Slide 7">
-            <a:extLst>
-              <a:ext uri="{FF2B5EF4-FFF2-40B4-BE49-F238E27FC236}">
-                <a16:creationId xmlns:a16="http://schemas.microsoft.com/office/drawing/2014/main" id="{2205EC8C-AC41-F14C-3C63-5BF0F54D1D23}"/>
-              </a:ext>
-            </a:extLst>
-          </p:cNvPr>
-          <p:cNvSpPr>
-            <a:spLocks noGrp="1"/>
-          </p:cNvSpPr>
-          <p:nvPr>
-            <p:ph type="sldNum" sz="quarter" idx="11"/>
-          </p:nvPr>
-        </p:nvSpPr>
-        <p:spPr/>
-        <p:txBody>
-          <a:bodyPr rtlCol="0"/>
-          <a:lstStyle>
-            <a:defPPr>
-              <a:defRPr lang="pt-BR"/>
-            </a:defPPr>
-          </a:lstStyle>
-          <a:p>
-            <a:pPr rtl="0"/>
-            <a:fld id="{75DF2D63-3FF5-D547-96B9-BE9CCD1ABA58}" type="slidenum">
-              <a:rPr lang="pt-BR" smtClean="0"/>
-              <a:pPr/>
-              <a:t>12</a:t>
-            </a:fld>
-            <a:endParaRPr lang="pt-BR" dirty="0"/>
-          </a:p>
-        </p:txBody>
-      </p:sp>
-      <p:sp>
-        <p:nvSpPr>
-          <p:cNvPr id="4" name="Espaço Reservado para Texto 3">
-            <a:extLst>
-              <a:ext uri="{FF2B5EF4-FFF2-40B4-BE49-F238E27FC236}">
-                <a16:creationId xmlns:a16="http://schemas.microsoft.com/office/drawing/2014/main" id="{DB4489FD-4F12-40A7-1EA9-79A941933E98}"/>
-              </a:ext>
-            </a:extLst>
-          </p:cNvPr>
-          <p:cNvSpPr>
-            <a:spLocks noGrp="1"/>
-          </p:cNvSpPr>
-          <p:nvPr>
-            <p:ph type="body" idx="1"/>
-          </p:nvPr>
-        </p:nvSpPr>
-        <p:spPr/>
-        <p:txBody>
-          <a:bodyPr rtlCol="0"/>
-          <a:lstStyle>
-            <a:defPPr>
-              <a:defRPr lang="pt-BR"/>
-            </a:defPPr>
-          </a:lstStyle>
-          <a:p>
-            <a:pPr rtl="0"/>
-            <a:r>
-              <a:rPr lang="pt-BR" dirty="0"/>
-              <a:t>Cenários de mercado B2B</a:t>
-            </a:r>
-          </a:p>
-        </p:txBody>
-      </p:sp>
-      <p:sp>
-        <p:nvSpPr>
-          <p:cNvPr id="5" name="Espaço Reservado para Conteúdo 4">
-            <a:extLst>
-              <a:ext uri="{FF2B5EF4-FFF2-40B4-BE49-F238E27FC236}">
-                <a16:creationId xmlns:a16="http://schemas.microsoft.com/office/drawing/2014/main" id="{9BCDA136-13F8-70CB-CDA2-02260A2D2D59}"/>
-              </a:ext>
-            </a:extLst>
-          </p:cNvPr>
-          <p:cNvSpPr>
-            <a:spLocks noGrp="1"/>
-          </p:cNvSpPr>
-          <p:nvPr>
-            <p:ph sz="half" idx="2"/>
-          </p:nvPr>
-        </p:nvSpPr>
-        <p:spPr/>
-        <p:txBody>
-          <a:bodyPr rtlCol="0"/>
-          <a:lstStyle>
-            <a:defPPr>
-              <a:defRPr lang="pt-BR"/>
-            </a:defPPr>
-          </a:lstStyle>
-          <a:p>
-            <a:pPr rtl="0"/>
-            <a:r>
-              <a:rPr lang="pt-BR" dirty="0"/>
-              <a:t>Desenvolva estratégias vencedoras para se manter à frente da concorrência</a:t>
-            </a:r>
-          </a:p>
-          <a:p>
-            <a:pPr rtl="0"/>
-            <a:r>
-              <a:rPr lang="pt-BR" dirty="0"/>
-              <a:t>Capitalize a alternativa mais fácil para identificar um valor aproximado</a:t>
-            </a:r>
-          </a:p>
-          <a:p>
-            <a:pPr rtl="0"/>
-            <a:r>
-              <a:rPr lang="pt-BR" dirty="0"/>
-              <a:t>Visualizar a convergência direcionada ao cliente</a:t>
-            </a:r>
-          </a:p>
-          <a:p>
-            <a:pPr rtl="0"/>
-            <a:endParaRPr lang="pt-BR" dirty="0"/>
-          </a:p>
-          <a:p>
-            <a:pPr rtl="0"/>
-            <a:endParaRPr lang="pt-BR" dirty="0"/>
-          </a:p>
-        </p:txBody>
-      </p:sp>
-      <p:sp>
-        <p:nvSpPr>
-          <p:cNvPr id="6" name="Espaço Reservado para Texto 5">
-            <a:extLst>
-              <a:ext uri="{FF2B5EF4-FFF2-40B4-BE49-F238E27FC236}">
-                <a16:creationId xmlns:a16="http://schemas.microsoft.com/office/drawing/2014/main" id="{16743F76-FD81-DAAA-A5BA-6E77D3B83F8A}"/>
-              </a:ext>
-            </a:extLst>
-          </p:cNvPr>
-          <p:cNvSpPr>
-            <a:spLocks noGrp="1"/>
-          </p:cNvSpPr>
-          <p:nvPr>
-            <p:ph type="body" sz="quarter" idx="3"/>
-          </p:nvPr>
-        </p:nvSpPr>
-        <p:spPr/>
-        <p:txBody>
-          <a:bodyPr rtlCol="0"/>
-          <a:lstStyle>
-            <a:defPPr>
-              <a:defRPr lang="pt-BR"/>
-            </a:defPPr>
-          </a:lstStyle>
-          <a:p>
-            <a:pPr rtl="0"/>
-            <a:r>
-              <a:rPr lang="pt-BR" dirty="0"/>
-              <a:t>Oportunidades baseadas em nuvem</a:t>
-            </a:r>
-          </a:p>
-        </p:txBody>
-      </p:sp>
-      <p:sp>
-        <p:nvSpPr>
-          <p:cNvPr id="7" name="Espaço Reservado para Conteúdo 6">
-            <a:extLst>
-              <a:ext uri="{FF2B5EF4-FFF2-40B4-BE49-F238E27FC236}">
-                <a16:creationId xmlns:a16="http://schemas.microsoft.com/office/drawing/2014/main" id="{2455F573-DF2A-FE60-2B86-5E131463642E}"/>
-              </a:ext>
-            </a:extLst>
-          </p:cNvPr>
-          <p:cNvSpPr>
-            <a:spLocks noGrp="1"/>
-          </p:cNvSpPr>
-          <p:nvPr>
-            <p:ph sz="quarter" idx="4"/>
-          </p:nvPr>
-        </p:nvSpPr>
-        <p:spPr/>
-        <p:txBody>
-          <a:bodyPr rtlCol="0"/>
-          <a:lstStyle>
-            <a:defPPr>
-              <a:defRPr lang="pt-BR"/>
-            </a:defPPr>
-          </a:lstStyle>
-          <a:p>
-            <a:pPr rtl="0"/>
-            <a:r>
-              <a:rPr lang="pt-BR"/>
-              <a:t>Abordagens iterativas da estratégia corporativa</a:t>
-            </a:r>
-          </a:p>
-          <a:p>
-            <a:pPr rtl="0"/>
-            <a:r>
-              <a:rPr lang="pt-BR"/>
-              <a:t>Estabelecer uma estrutura de gerenciamento internamente</a:t>
-            </a:r>
-          </a:p>
-          <a:p>
-            <a:pPr rtl="0"/>
-            <a:endParaRPr lang="pt-BR" dirty="0"/>
-          </a:p>
-          <a:p>
-            <a:pPr rtl="0"/>
-            <a:endParaRPr lang="pt-BR" dirty="0"/>
-          </a:p>
-        </p:txBody>
-      </p:sp>
-      <p:cxnSp>
-        <p:nvCxnSpPr>
-          <p:cNvPr id="27" name="Conector Reto 26">
-            <a:extLst>
-              <a:ext uri="{FF2B5EF4-FFF2-40B4-BE49-F238E27FC236}">
-                <a16:creationId xmlns:a16="http://schemas.microsoft.com/office/drawing/2014/main" id="{E4A534A3-16E3-79AB-9E75-F40D0FDB4C98}"/>
-              </a:ext>
-              <a:ext uri="{C183D7F6-B498-43B3-948B-1728B52AA6E4}">
-                <adec:decorative xmlns:adec="http://schemas.microsoft.com/office/drawing/2017/decorative" val="1"/>
-              </a:ext>
-            </a:extLst>
-          </p:cNvPr>
-          <p:cNvCxnSpPr>
-            <a:cxnSpLocks/>
-          </p:cNvCxnSpPr>
-          <p:nvPr/>
-        </p:nvCxnSpPr>
-        <p:spPr>
-          <a:xfrm>
-            <a:off x="649224" y="2667000"/>
-            <a:ext cx="0" cy="3124200"/>
-          </a:xfrm>
-          <a:prstGeom prst="line">
-            <a:avLst/>
-          </a:prstGeom>
-          <a:ln w="12700">
-            <a:solidFill>
-              <a:schemeClr val="accent1"/>
-            </a:solidFill>
-          </a:ln>
-        </p:spPr>
-        <p:style>
-          <a:lnRef idx="1">
-            <a:schemeClr val="accent1"/>
-          </a:lnRef>
-          <a:fillRef idx="0">
-            <a:schemeClr val="accent1"/>
-          </a:fillRef>
-          <a:effectRef idx="0">
-            <a:schemeClr val="accent1"/>
-          </a:effectRef>
-          <a:fontRef idx="minor">
-            <a:schemeClr val="tx1"/>
-          </a:fontRef>
-        </p:style>
-      </p:cxnSp>
-    </p:spTree>
-    <p:extLst>
-      <p:ext uri="{BB962C8B-B14F-4D97-AF65-F5344CB8AC3E}">
-        <p14:creationId xmlns:p14="http://schemas.microsoft.com/office/powerpoint/2010/main" val="2499958832"/>
-      </p:ext>
-    </p:extLst>
-  </p:cSld>
-  <p:clrMapOvr>
-    <a:masterClrMapping/>
-  </p:clrMapOvr>
-</p:sld>
-</file>
-
-<file path=ppt/slides/slide13.xml><?xml version="1.0" encoding="utf-8"?>
-<p:sld xmlns:a="http://schemas.openxmlformats.org/drawingml/2006/main" xmlns:r="http://schemas.openxmlformats.org/officeDocument/2006/relationships" xmlns:p="http://schemas.openxmlformats.org/presentationml/2006/main">
-  <p:cSld>
-    <p:spTree>
-      <p:nvGrpSpPr>
-        <p:cNvPr id="1" name=""/>
-        <p:cNvGrpSpPr/>
-        <p:nvPr/>
-      </p:nvGrpSpPr>
-      <p:grpSpPr>
-        <a:xfrm>
-          <a:off x="0" y="0"/>
-          <a:ext cx="0" cy="0"/>
-          <a:chOff x="0" y="0"/>
-          <a:chExt cx="0" cy="0"/>
-        </a:xfrm>
-      </p:grpSpPr>
-      <p:sp>
-        <p:nvSpPr>
-          <p:cNvPr id="2" name="Título 1">
-            <a:extLst>
-              <a:ext uri="{FF2B5EF4-FFF2-40B4-BE49-F238E27FC236}">
-                <a16:creationId xmlns:a16="http://schemas.microsoft.com/office/drawing/2014/main" id="{FE92A9E4-3B33-8623-FB27-6D7248C372EA}"/>
-              </a:ext>
-            </a:extLst>
-          </p:cNvPr>
-          <p:cNvSpPr>
-            <a:spLocks noGrp="1"/>
-          </p:cNvSpPr>
-          <p:nvPr>
-            <p:ph type="title"/>
-          </p:nvPr>
-        </p:nvSpPr>
-        <p:spPr/>
-        <p:txBody>
-          <a:bodyPr rtlCol="0"/>
-          <a:lstStyle>
-            <a:defPPr>
-              <a:defRPr lang="pt-BR"/>
-            </a:defPPr>
-          </a:lstStyle>
-          <a:p>
-            <a:pPr rtl="0"/>
-            <a:r>
-              <a:rPr lang="pt-BR" dirty="0"/>
-              <a:t>Como </a:t>
-            </a:r>
-            <a:br>
-              <a:rPr lang="pt-BR" dirty="0"/>
-            </a:br>
-            <a:r>
-              <a:rPr lang="pt-BR" dirty="0"/>
-              <a:t>chegou lá</a:t>
-            </a:r>
-          </a:p>
-        </p:txBody>
-      </p:sp>
-      <p:sp>
-        <p:nvSpPr>
-          <p:cNvPr id="8" name="Espaço Reservado para Rodapé 7">
-            <a:extLst>
-              <a:ext uri="{FF2B5EF4-FFF2-40B4-BE49-F238E27FC236}">
-                <a16:creationId xmlns:a16="http://schemas.microsoft.com/office/drawing/2014/main" id="{8B1640E3-ACD2-7360-A022-281862D31457}"/>
-              </a:ext>
-            </a:extLst>
-          </p:cNvPr>
-          <p:cNvSpPr>
-            <a:spLocks noGrp="1"/>
-          </p:cNvSpPr>
-          <p:nvPr>
-            <p:ph type="ftr" sz="quarter" idx="12"/>
-          </p:nvPr>
-        </p:nvSpPr>
-        <p:spPr/>
-        <p:txBody>
-          <a:bodyPr rtlCol="0"/>
-          <a:lstStyle>
-            <a:defPPr>
-              <a:defRPr lang="pt-BR"/>
-            </a:defPPr>
-          </a:lstStyle>
-          <a:p>
-            <a:pPr rtl="0"/>
-            <a:r>
-              <a:rPr lang="pt-BR"/>
-              <a:t>título da apresentação</a:t>
-            </a:r>
-          </a:p>
-        </p:txBody>
-      </p:sp>
-      <p:sp>
-        <p:nvSpPr>
-          <p:cNvPr id="7" name="Espaço Reservado para o Número do Slide 6">
-            <a:extLst>
-              <a:ext uri="{FF2B5EF4-FFF2-40B4-BE49-F238E27FC236}">
-                <a16:creationId xmlns:a16="http://schemas.microsoft.com/office/drawing/2014/main" id="{E5076FCA-E5D9-5BC6-F8F1-95D9E5569449}"/>
-              </a:ext>
-            </a:extLst>
-          </p:cNvPr>
-          <p:cNvSpPr>
-            <a:spLocks noGrp="1"/>
-          </p:cNvSpPr>
-          <p:nvPr>
-            <p:ph type="sldNum" sz="quarter" idx="11"/>
-          </p:nvPr>
-        </p:nvSpPr>
-        <p:spPr/>
-        <p:txBody>
-          <a:bodyPr rtlCol="0"/>
-          <a:lstStyle>
-            <a:defPPr>
-              <a:defRPr lang="pt-BR"/>
-            </a:defPPr>
-          </a:lstStyle>
-          <a:p>
-            <a:pPr rtl="0"/>
-            <a:fld id="{75DF2D63-3FF5-D547-96B9-BE9CCD1ABA58}" type="slidenum">
-              <a:rPr lang="pt-BR" smtClean="0"/>
-              <a:t>13</a:t>
-            </a:fld>
-            <a:endParaRPr lang="pt-BR"/>
-          </a:p>
-        </p:txBody>
-      </p:sp>
-      <p:pic>
-        <p:nvPicPr>
-          <p:cNvPr id="18" name="Espaço Reservado para Imagem 17" descr="Cientista olhando para tubo de ensaio">
-            <a:extLst>
-              <a:ext uri="{FF2B5EF4-FFF2-40B4-BE49-F238E27FC236}">
-                <a16:creationId xmlns:a16="http://schemas.microsoft.com/office/drawing/2014/main" id="{1FB107C6-83C2-4539-D841-857D29AC76A1}"/>
-              </a:ext>
-            </a:extLst>
-          </p:cNvPr>
-          <p:cNvPicPr>
-            <a:picLocks noGrp="1" noChangeAspect="1"/>
-          </p:cNvPicPr>
-          <p:nvPr>
-            <p:ph type="pic" sz="quarter" idx="14"/>
-          </p:nvPr>
-        </p:nvPicPr>
-        <p:blipFill>
-          <a:blip r:embed="rId3">
-            <a:extLst>
-              <a:ext uri="{28A0092B-C50C-407E-A947-70E740481C1C}">
-                <a14:useLocalDpi xmlns:a14="http://schemas.microsoft.com/office/drawing/2010/main" val="0"/>
-              </a:ext>
-            </a:extLst>
-          </a:blip>
-          <a:srcRect/>
-          <a:stretch/>
-        </p:blipFill>
-        <p:spPr>
-          <a:xfrm>
-            <a:off x="1298575" y="612775"/>
+        <p:spPr>
+          <a:xfrm>
+            <a:off x="1298575" y="1828800"/>
             <a:ext cx="3200400" cy="3200400"/>
           </a:xfrm>
           <a:custGeom>
@@ -16040,59 +12661,20 @@
           </a:custGeom>
         </p:spPr>
       </p:pic>
-      <p:pic>
-        <p:nvPicPr>
-          <p:cNvPr id="15" name="Espaço Reservado para Imagem 17" descr="Nervo com preenchimento sólido">
-            <a:extLst>
-              <a:ext uri="{FF2B5EF4-FFF2-40B4-BE49-F238E27FC236}">
-                <a16:creationId xmlns:a16="http://schemas.microsoft.com/office/drawing/2014/main" id="{D6EBC2A8-A6B3-B04E-41A4-25A9A0676AD0}"/>
-              </a:ext>
-            </a:extLst>
-          </p:cNvPr>
-          <p:cNvPicPr>
-            <a:picLocks noGrp="1" noChangeAspect="1"/>
-          </p:cNvPicPr>
-          <p:nvPr>
-            <p:ph type="pic" sz="quarter" idx="17"/>
-          </p:nvPr>
-        </p:nvPicPr>
-        <p:blipFill>
-          <a:blip r:embed="rId4">
-            <a:extLst>
-              <a:ext uri="{28A0092B-C50C-407E-A947-70E740481C1C}">
-                <a14:useLocalDpi xmlns:a14="http://schemas.microsoft.com/office/drawing/2010/main" val="0"/>
-              </a:ext>
-              <a:ext uri="{96DAC541-7B7A-43D3-8B79-37D633B846F1}">
-                <asvg:svgBlip xmlns:asvg="http://schemas.microsoft.com/office/drawing/2016/SVG/main" r:embed="rId5"/>
-              </a:ext>
-            </a:extLst>
-          </a:blip>
-          <a:srcRect/>
-          <a:stretch>
-            <a:fillRect/>
-          </a:stretch>
-        </p:blipFill>
-        <p:spPr>
-          <a:xfrm>
-            <a:off x="6245225" y="704850"/>
-            <a:ext cx="914400" cy="914400"/>
-          </a:xfrm>
-        </p:spPr>
-      </p:pic>
-      <p:sp>
-        <p:nvSpPr>
-          <p:cNvPr id="3" name="Espaço Reservado para Texto 2">
-            <a:extLst>
-              <a:ext uri="{FF2B5EF4-FFF2-40B4-BE49-F238E27FC236}">
-                <a16:creationId xmlns:a16="http://schemas.microsoft.com/office/drawing/2014/main" id="{18559EBB-1744-14F2-6EEA-D5BDC030F0C9}"/>
-              </a:ext>
-            </a:extLst>
-          </p:cNvPr>
-          <p:cNvSpPr>
-            <a:spLocks noGrp="1"/>
-          </p:cNvSpPr>
-          <p:nvPr>
-            <p:ph type="body" idx="1"/>
+      <p:sp>
+        <p:nvSpPr>
+          <p:cNvPr id="3" name="Espaço Reservado para Conteúdo 2">
+            <a:extLst>
+              <a:ext uri="{FF2B5EF4-FFF2-40B4-BE49-F238E27FC236}">
+                <a16:creationId xmlns:a16="http://schemas.microsoft.com/office/drawing/2014/main" id="{77C9C890-ADC6-0AA7-BBC0-05E856AA7C3C}"/>
+              </a:ext>
+            </a:extLst>
+          </p:cNvPr>
+          <p:cNvSpPr>
+            <a:spLocks noGrp="1"/>
+          </p:cNvSpPr>
+          <p:nvPr>
+            <p:ph idx="1"/>
           </p:nvPr>
         </p:nvSpPr>
         <p:spPr/>
@@ -16104,1081 +12686,31 @@
             </a:defPPr>
           </a:lstStyle>
           <a:p>
-            <a:pPr rtl="0"/>
-            <a:r>
-              <a:rPr lang="pt-BR" sz="2000">
+            <a:pPr algn="just">
+              <a:lnSpc>
+                <a:spcPct val="115000"/>
+              </a:lnSpc>
+            </a:pPr>
+            <a:r>
+              <a:rPr lang="pt-BR" sz="1800" dirty="0">
                 <a:effectLst/>
+                <a:latin typeface="Times New Roman" panose="02020603050405020304" pitchFamily="18" charset="0"/>
+                <a:ea typeface="Arial" panose="020B0604020202020204" pitchFamily="34" charset="0"/>
               </a:rPr>
-              <a:t>ROI </a:t>
-            </a:r>
-            <a:endParaRPr lang="pt-BR"/>
-          </a:p>
-        </p:txBody>
-      </p:sp>
-      <p:sp>
-        <p:nvSpPr>
-          <p:cNvPr id="4" name="Espaço Reservado para Conteúdo 3">
-            <a:extLst>
-              <a:ext uri="{FF2B5EF4-FFF2-40B4-BE49-F238E27FC236}">
-                <a16:creationId xmlns:a16="http://schemas.microsoft.com/office/drawing/2014/main" id="{AAD9F940-BA56-74F7-87F0-7199A77BB8B8}"/>
-              </a:ext>
-            </a:extLst>
-          </p:cNvPr>
-          <p:cNvSpPr>
-            <a:spLocks noGrp="1"/>
-          </p:cNvSpPr>
-          <p:nvPr>
-            <p:ph sz="half" idx="2"/>
-          </p:nvPr>
-        </p:nvSpPr>
-        <p:spPr/>
-        <p:txBody>
-          <a:bodyPr rtlCol="0"/>
-          <a:lstStyle>
-            <a:defPPr>
-              <a:defRPr lang="pt-BR"/>
-            </a:defPPr>
-          </a:lstStyle>
-          <a:p>
-            <a:pPr rtl="0"/>
-            <a:r>
-              <a:rPr lang="pt-BR">
-                <a:effectLst/>
-              </a:rPr>
-              <a:t>Prever as competências baseada em multimídia e estratégias de crescimento entre mídias </a:t>
-            </a:r>
-            <a:br>
-              <a:rPr lang="pt-BR">
-                <a:effectLst/>
-              </a:rPr>
-            </a:br>
-            <a:br>
-              <a:rPr lang="pt-BR">
-                <a:effectLst/>
-              </a:rPr>
-            </a:br>
-            <a:r>
-              <a:rPr lang="pt-BR">
-                <a:effectLst/>
-              </a:rPr>
-              <a:t>Visualize o capital intelectual da qualidade </a:t>
-            </a:r>
-            <a:br>
-              <a:rPr lang="pt-BR">
-                <a:effectLst/>
-              </a:rPr>
-            </a:br>
-            <a:br>
-              <a:rPr lang="pt-BR">
-                <a:effectLst/>
-              </a:rPr>
-            </a:br>
-            <a:r>
-              <a:rPr lang="pt-BR">
-                <a:effectLst/>
-              </a:rPr>
-              <a:t>Empregar metodologias mundiais com tecnologias habilitadas para a Web </a:t>
-            </a:r>
-            <a:br>
-              <a:rPr lang="pt-BR">
-                <a:effectLst/>
-              </a:rPr>
-            </a:br>
-            <a:endParaRPr lang="pt-BR"/>
-          </a:p>
-          <a:p>
-            <a:pPr rtl="0"/>
-            <a:endParaRPr lang="pt-BR"/>
-          </a:p>
-        </p:txBody>
-      </p:sp>
-      <p:pic>
-        <p:nvPicPr>
-          <p:cNvPr id="16" name="Espaço Reservado para Imagem 19" descr="Microscópio com preenchimento sólido">
-            <a:extLst>
-              <a:ext uri="{FF2B5EF4-FFF2-40B4-BE49-F238E27FC236}">
-                <a16:creationId xmlns:a16="http://schemas.microsoft.com/office/drawing/2014/main" id="{5231DDDB-E29E-8882-E71C-20340171D8DC}"/>
-              </a:ext>
-            </a:extLst>
-          </p:cNvPr>
-          <p:cNvPicPr>
-            <a:picLocks noGrp="1" noChangeAspect="1"/>
-          </p:cNvPicPr>
-          <p:nvPr>
-            <p:ph type="pic" sz="quarter" idx="18"/>
-          </p:nvPr>
-        </p:nvPicPr>
-        <p:blipFill>
-          <a:blip r:embed="rId6">
-            <a:extLst>
-              <a:ext uri="{28A0092B-C50C-407E-A947-70E740481C1C}">
-                <a14:useLocalDpi xmlns:a14="http://schemas.microsoft.com/office/drawing/2010/main" val="0"/>
-              </a:ext>
-              <a:ext uri="{96DAC541-7B7A-43D3-8B79-37D633B846F1}">
-                <asvg:svgBlip xmlns:asvg="http://schemas.microsoft.com/office/drawing/2016/SVG/main" r:embed="rId7"/>
-              </a:ext>
-            </a:extLst>
-          </a:blip>
-          <a:srcRect/>
-          <a:stretch>
-            <a:fillRect/>
-          </a:stretch>
-        </p:blipFill>
-        <p:spPr>
-          <a:xfrm>
-            <a:off x="6245225" y="3273425"/>
-            <a:ext cx="914400" cy="914400"/>
-          </a:xfrm>
-        </p:spPr>
-      </p:pic>
-      <p:sp>
-        <p:nvSpPr>
-          <p:cNvPr id="5" name="Espaço Reservado para Texto 4">
-            <a:extLst>
-              <a:ext uri="{FF2B5EF4-FFF2-40B4-BE49-F238E27FC236}">
-                <a16:creationId xmlns:a16="http://schemas.microsoft.com/office/drawing/2014/main" id="{621A83F6-ADD2-533E-DD3D-2171EC6F7E11}"/>
-              </a:ext>
-            </a:extLst>
-          </p:cNvPr>
-          <p:cNvSpPr>
-            <a:spLocks noGrp="1"/>
-          </p:cNvSpPr>
-          <p:nvPr>
-            <p:ph type="body" sz="quarter" idx="3"/>
-          </p:nvPr>
-        </p:nvSpPr>
-        <p:spPr/>
-        <p:txBody>
-          <a:bodyPr rtlCol="0"/>
-          <a:lstStyle>
-            <a:defPPr>
-              <a:defRPr lang="pt-BR"/>
-            </a:defPPr>
-          </a:lstStyle>
-          <a:p>
-            <a:pPr rtl="0"/>
-            <a:r>
-              <a:rPr lang="pt-BR" sz="2000"/>
-              <a:t>Nichos de mercado</a:t>
-            </a:r>
-          </a:p>
-        </p:txBody>
-      </p:sp>
-      <p:sp>
-        <p:nvSpPr>
-          <p:cNvPr id="6" name="Espaço Reservado para Conteúdo 5">
-            <a:extLst>
-              <a:ext uri="{FF2B5EF4-FFF2-40B4-BE49-F238E27FC236}">
-                <a16:creationId xmlns:a16="http://schemas.microsoft.com/office/drawing/2014/main" id="{D17DB5B2-8F12-4C2A-D018-C12FD16160B5}"/>
-              </a:ext>
-            </a:extLst>
-          </p:cNvPr>
-          <p:cNvSpPr>
-            <a:spLocks noGrp="1"/>
-          </p:cNvSpPr>
-          <p:nvPr>
-            <p:ph sz="quarter" idx="4"/>
-          </p:nvPr>
-        </p:nvSpPr>
-        <p:spPr/>
-        <p:txBody>
-          <a:bodyPr rtlCol="0"/>
-          <a:lstStyle>
-            <a:defPPr>
-              <a:defRPr lang="pt-BR"/>
-            </a:defPPr>
-          </a:lstStyle>
-          <a:p>
-            <a:pPr rtl="0"/>
-            <a:r>
-              <a:rPr lang="pt-BR">
-                <a:effectLst/>
-              </a:rPr>
-              <a:t>Buscar um atendimento ao cliente escalonável por meio de estratégias sustentáveis</a:t>
-            </a:r>
-            <a:br>
-              <a:rPr lang="pt-BR">
-                <a:effectLst/>
-              </a:rPr>
-            </a:br>
-            <a:br>
-              <a:rPr lang="pt-BR">
-                <a:effectLst/>
-              </a:rPr>
-            </a:br>
-            <a:r>
-              <a:rPr lang="pt-BR">
-                <a:effectLst/>
-              </a:rPr>
-              <a:t>Empregar os principais serviços da Web com resultados finais de última geração </a:t>
-            </a:r>
-            <a:br>
-              <a:rPr lang="pt-BR">
-                <a:effectLst/>
-              </a:rPr>
-            </a:br>
-            <a:endParaRPr lang="pt-BR"/>
-          </a:p>
-          <a:p>
-            <a:pPr rtl="0"/>
-            <a:endParaRPr lang="pt-BR"/>
-          </a:p>
-        </p:txBody>
-      </p:sp>
-      <p:pic>
-        <p:nvPicPr>
-          <p:cNvPr id="17" name="Espaço Reservado para Imagem 21" descr="Estrutura de tópicos de teste">
-            <a:extLst>
-              <a:ext uri="{FF2B5EF4-FFF2-40B4-BE49-F238E27FC236}">
-                <a16:creationId xmlns:a16="http://schemas.microsoft.com/office/drawing/2014/main" id="{488A4C2A-F5B5-FAD1-D810-289B2092FF6C}"/>
-              </a:ext>
-            </a:extLst>
-          </p:cNvPr>
-          <p:cNvPicPr>
-            <a:picLocks noGrp="1" noChangeAspect="1"/>
-          </p:cNvPicPr>
-          <p:nvPr>
-            <p:ph type="pic" sz="quarter" idx="19"/>
-          </p:nvPr>
-        </p:nvPicPr>
-        <p:blipFill>
-          <a:blip r:embed="rId8">
-            <a:extLst>
-              <a:ext uri="{28A0092B-C50C-407E-A947-70E740481C1C}">
-                <a14:useLocalDpi xmlns:a14="http://schemas.microsoft.com/office/drawing/2010/main" val="0"/>
-              </a:ext>
-              <a:ext uri="{96DAC541-7B7A-43D3-8B79-37D633B846F1}">
-                <asvg:svgBlip xmlns:asvg="http://schemas.microsoft.com/office/drawing/2016/SVG/main" r:embed="rId9"/>
-              </a:ext>
-            </a:extLst>
-          </a:blip>
-          <a:srcRect/>
-          <a:stretch>
-            <a:fillRect/>
-          </a:stretch>
-        </p:blipFill>
-        <p:spPr>
-          <a:xfrm>
-            <a:off x="6245225" y="5165725"/>
-            <a:ext cx="914400" cy="914400"/>
-          </a:xfrm>
-        </p:spPr>
-      </p:pic>
-      <p:sp>
-        <p:nvSpPr>
-          <p:cNvPr id="10" name="Espaço Reservado para Texto 9">
-            <a:extLst>
-              <a:ext uri="{FF2B5EF4-FFF2-40B4-BE49-F238E27FC236}">
-                <a16:creationId xmlns:a16="http://schemas.microsoft.com/office/drawing/2014/main" id="{A508684D-1AA5-491C-E832-1EB26568CC05}"/>
-              </a:ext>
-            </a:extLst>
-          </p:cNvPr>
-          <p:cNvSpPr>
-            <a:spLocks noGrp="1"/>
-          </p:cNvSpPr>
-          <p:nvPr>
-            <p:ph type="body" sz="quarter" idx="15"/>
-          </p:nvPr>
-        </p:nvSpPr>
-        <p:spPr>
-          <a:xfrm>
-            <a:off x="7498079" y="5129784"/>
-            <a:ext cx="4380807" cy="347472"/>
-          </a:xfrm>
-        </p:spPr>
-        <p:txBody>
-          <a:bodyPr rtlCol="0"/>
-          <a:lstStyle>
-            <a:defPPr>
-              <a:defRPr lang="pt-BR"/>
-            </a:defPPr>
-          </a:lstStyle>
-          <a:p>
-            <a:pPr rtl="0"/>
-            <a:r>
-              <a:rPr lang="pt-BR" sz="2000"/>
-              <a:t>Cadeias de abastecimento</a:t>
-            </a:r>
-          </a:p>
-        </p:txBody>
-      </p:sp>
-      <p:sp>
-        <p:nvSpPr>
-          <p:cNvPr id="11" name="Espaço Reservado para Conteúdo 10">
-            <a:extLst>
-              <a:ext uri="{FF2B5EF4-FFF2-40B4-BE49-F238E27FC236}">
-                <a16:creationId xmlns:a16="http://schemas.microsoft.com/office/drawing/2014/main" id="{3FE9FCFF-DB0B-28A0-AC61-CFCB265C5B31}"/>
-              </a:ext>
-            </a:extLst>
-          </p:cNvPr>
-          <p:cNvSpPr>
-            <a:spLocks noGrp="1"/>
-          </p:cNvSpPr>
-          <p:nvPr>
-            <p:ph sz="quarter" idx="16"/>
-          </p:nvPr>
-        </p:nvSpPr>
-        <p:spPr>
-          <a:xfrm>
-            <a:off x="7498080" y="5568696"/>
-            <a:ext cx="3886200" cy="1289304"/>
-          </a:xfrm>
-        </p:spPr>
-        <p:txBody>
-          <a:bodyPr rtlCol="0"/>
-          <a:lstStyle>
-            <a:defPPr>
-              <a:defRPr lang="pt-BR"/>
-            </a:defPPr>
-          </a:lstStyle>
-          <a:p>
-            <a:pPr rtl="0"/>
-            <a:r>
-              <a:rPr lang="pt-BR">
-                <a:effectLst/>
-              </a:rPr>
-              <a:t>Cultive a individualização do atendimento ao cliente com ideias robustas </a:t>
-            </a:r>
-            <a:br>
-              <a:rPr lang="pt-BR">
-                <a:effectLst/>
-              </a:rPr>
-            </a:br>
-            <a:br>
-              <a:rPr lang="pt-BR">
-                <a:effectLst/>
-              </a:rPr>
-            </a:br>
-            <a:r>
-              <a:rPr lang="pt-BR">
-                <a:effectLst/>
-              </a:rPr>
-              <a:t>Maximizar os prazos de resultados finais para esquemas em tempo real </a:t>
-            </a:r>
-            <a:br>
-              <a:rPr lang="pt-BR">
-                <a:effectLst/>
-              </a:rPr>
-            </a:br>
-            <a:endParaRPr lang="pt-BR"/>
-          </a:p>
-          <a:p>
-            <a:pPr rtl="0"/>
-            <a:endParaRPr lang="pt-BR"/>
+              <a:t> Este documento tem por propósito especificar os requisitos necessários da página de web do NOME para o seu desenvolvimento. Além de servir de referência para a manutenção do software. Foram utilizados diagramas UML (diagrama de casos de uso e diagrama de sequência), requisitos funcionais e requisitos não funcionais para ajudar no entendimento das funcionalidades do sistema.</a:t>
+            </a:r>
+            <a:endParaRPr lang="pt-BR" sz="1800" dirty="0">
+              <a:effectLst/>
+              <a:latin typeface="Arial" panose="020B0604020202020204" pitchFamily="34" charset="0"/>
+              <a:ea typeface="Arial" panose="020B0604020202020204" pitchFamily="34" charset="0"/>
+            </a:endParaRPr>
           </a:p>
         </p:txBody>
       </p:sp>
     </p:spTree>
     <p:extLst>
       <p:ext uri="{BB962C8B-B14F-4D97-AF65-F5344CB8AC3E}">
-        <p14:creationId xmlns:p14="http://schemas.microsoft.com/office/powerpoint/2010/main" val="394375464"/>
-      </p:ext>
-    </p:extLst>
-  </p:cSld>
-  <p:clrMapOvr>
-    <a:masterClrMapping/>
-  </p:clrMapOvr>
-</p:sld>
-</file>
-
-<file path=ppt/slides/slide14.xml><?xml version="1.0" encoding="utf-8"?>
-<p:sld xmlns:a="http://schemas.openxmlformats.org/drawingml/2006/main" xmlns:r="http://schemas.openxmlformats.org/officeDocument/2006/relationships" xmlns:p="http://schemas.openxmlformats.org/presentationml/2006/main">
-  <p:cSld>
-    <p:spTree>
-      <p:nvGrpSpPr>
-        <p:cNvPr id="1" name=""/>
-        <p:cNvGrpSpPr/>
-        <p:nvPr/>
-      </p:nvGrpSpPr>
-      <p:grpSpPr>
-        <a:xfrm>
-          <a:off x="0" y="0"/>
-          <a:ext cx="0" cy="0"/>
-          <a:chOff x="0" y="0"/>
-          <a:chExt cx="0" cy="0"/>
-        </a:xfrm>
-      </p:grpSpPr>
-      <p:sp>
-        <p:nvSpPr>
-          <p:cNvPr id="6" name="Título 5">
-            <a:extLst>
-              <a:ext uri="{FF2B5EF4-FFF2-40B4-BE49-F238E27FC236}">
-                <a16:creationId xmlns:a16="http://schemas.microsoft.com/office/drawing/2014/main" id="{BB7103A8-AEEA-50D3-BE61-CC85D24BDF23}"/>
-              </a:ext>
-            </a:extLst>
-          </p:cNvPr>
-          <p:cNvSpPr>
-            <a:spLocks noGrp="1"/>
-          </p:cNvSpPr>
-          <p:nvPr>
-            <p:ph type="title"/>
-          </p:nvPr>
-        </p:nvSpPr>
-        <p:spPr/>
-        <p:txBody>
-          <a:bodyPr rtlCol="0"/>
-          <a:lstStyle>
-            <a:defPPr>
-              <a:defRPr lang="pt-BR"/>
-            </a:defPPr>
-          </a:lstStyle>
-          <a:p>
-            <a:pPr rtl="0"/>
-            <a:r>
-              <a:rPr lang="pt-BR" dirty="0"/>
-              <a:t>Resumo </a:t>
-            </a:r>
-          </a:p>
-        </p:txBody>
-      </p:sp>
-      <p:sp>
-        <p:nvSpPr>
-          <p:cNvPr id="3" name="Espaço Reservado para Rodapé 2">
-            <a:extLst>
-              <a:ext uri="{FF2B5EF4-FFF2-40B4-BE49-F238E27FC236}">
-                <a16:creationId xmlns:a16="http://schemas.microsoft.com/office/drawing/2014/main" id="{AA5BCABC-85E9-BA68-F054-2D77592245F0}"/>
-              </a:ext>
-            </a:extLst>
-          </p:cNvPr>
-          <p:cNvSpPr>
-            <a:spLocks noGrp="1"/>
-          </p:cNvSpPr>
-          <p:nvPr>
-            <p:ph type="ftr" sz="quarter" idx="11"/>
-          </p:nvPr>
-        </p:nvSpPr>
-        <p:spPr/>
-        <p:txBody>
-          <a:bodyPr rtlCol="0"/>
-          <a:lstStyle>
-            <a:defPPr>
-              <a:defRPr lang="pt-BR"/>
-            </a:defPPr>
-          </a:lstStyle>
-          <a:p>
-            <a:pPr rtl="0"/>
-            <a:r>
-              <a:rPr lang="pt-BR"/>
-              <a:t>título da apresentação</a:t>
-            </a:r>
-          </a:p>
-        </p:txBody>
-      </p:sp>
-      <p:sp>
-        <p:nvSpPr>
-          <p:cNvPr id="2" name="Espaço Reservado para o Número do Slide 1">
-            <a:extLst>
-              <a:ext uri="{FF2B5EF4-FFF2-40B4-BE49-F238E27FC236}">
-                <a16:creationId xmlns:a16="http://schemas.microsoft.com/office/drawing/2014/main" id="{1A978ADB-AD70-DE7C-4643-85C48AE12770}"/>
-              </a:ext>
-            </a:extLst>
-          </p:cNvPr>
-          <p:cNvSpPr>
-            <a:spLocks noGrp="1"/>
-          </p:cNvSpPr>
-          <p:nvPr>
-            <p:ph type="sldNum" sz="quarter" idx="10"/>
-          </p:nvPr>
-        </p:nvSpPr>
-        <p:spPr/>
-        <p:txBody>
-          <a:bodyPr rtlCol="0"/>
-          <a:lstStyle>
-            <a:defPPr>
-              <a:defRPr lang="pt-BR"/>
-            </a:defPPr>
-          </a:lstStyle>
-          <a:p>
-            <a:pPr rtl="0"/>
-            <a:fld id="{75DF2D63-3FF5-D547-96B9-BE9CCD1ABA58}" type="slidenum">
-              <a:rPr lang="pt-BR" smtClean="0"/>
-              <a:pPr/>
-              <a:t>14</a:t>
-            </a:fld>
-            <a:endParaRPr lang="pt-BR"/>
-          </a:p>
-        </p:txBody>
-      </p:sp>
-      <p:sp>
-        <p:nvSpPr>
-          <p:cNvPr id="4" name="Espaço Reservado para Texto 3">
-            <a:extLst>
-              <a:ext uri="{FF2B5EF4-FFF2-40B4-BE49-F238E27FC236}">
-                <a16:creationId xmlns:a16="http://schemas.microsoft.com/office/drawing/2014/main" id="{68003147-27BE-7492-36B6-F405F1156F31}"/>
-              </a:ext>
-            </a:extLst>
-          </p:cNvPr>
-          <p:cNvSpPr>
-            <a:spLocks noGrp="1"/>
-          </p:cNvSpPr>
-          <p:nvPr>
-            <p:ph type="body" sz="quarter" idx="12"/>
-          </p:nvPr>
-        </p:nvSpPr>
-        <p:spPr/>
-        <p:txBody>
-          <a:bodyPr rtlCol="0"/>
-          <a:lstStyle>
-            <a:defPPr>
-              <a:defRPr lang="pt-BR"/>
-            </a:defPPr>
-          </a:lstStyle>
-          <a:p>
-            <a:pPr rtl="0"/>
-            <a:r>
-              <a:rPr lang="pt-BR" sz="2000" spc="100">
-                <a:ea typeface="+mn-lt"/>
-                <a:cs typeface="Posterama" panose="020B0504020200020000" pitchFamily="34" charset="0"/>
-              </a:rPr>
-              <a:t>Na Contoso, acreditamos em dar 110%. </a:t>
-            </a:r>
-            <a:r>
-              <a:rPr lang="pt-BR" sz="2000" spc="0">
-                <a:ea typeface="+mn-lt"/>
-                <a:cs typeface="+mn-lt"/>
-              </a:rPr>
-              <a:t>Usando nossa arquitetura de dados de última geração, ajudamos as organizações a gerenciar virtualmente fluxos de trabalho ágeis. Nós prosperamos devido ao nosso conhecimento de mercado e a grande equipe por trás do nosso produto. Como diz nosso CEO, “As eficiências virão da transformação proativa da forma como fazemos negócios”.</a:t>
-            </a:r>
-          </a:p>
-        </p:txBody>
-      </p:sp>
-      <p:pic>
-        <p:nvPicPr>
-          <p:cNvPr id="7" name="Espaço Reservado para Imagem 6" descr="Tubos de ensaio com um tubo de ensaio em laranja com gotas">
-            <a:extLst>
-              <a:ext uri="{FF2B5EF4-FFF2-40B4-BE49-F238E27FC236}">
-                <a16:creationId xmlns:a16="http://schemas.microsoft.com/office/drawing/2014/main" id="{70A9CAB5-92AE-2C08-1CA8-8B55D552EEF8}"/>
-              </a:ext>
-            </a:extLst>
-          </p:cNvPr>
-          <p:cNvPicPr>
-            <a:picLocks noGrp="1" noChangeAspect="1"/>
-          </p:cNvPicPr>
-          <p:nvPr>
-            <p:ph type="pic" sz="quarter" idx="13"/>
-          </p:nvPr>
-        </p:nvPicPr>
-        <p:blipFill rotWithShape="1">
-          <a:blip r:embed="rId3">
-            <a:alphaModFix amt="50000"/>
-            <a:duotone>
-              <a:schemeClr val="accent5">
-                <a:shade val="45000"/>
-                <a:satMod val="135000"/>
-              </a:schemeClr>
-              <a:prstClr val="white"/>
-            </a:duotone>
-            <a:extLst>
-              <a:ext uri="{BEBA8EAE-BF5A-486C-A8C5-ECC9F3942E4B}">
-                <a14:imgProps xmlns:a14="http://schemas.microsoft.com/office/drawing/2010/main">
-                  <a14:imgLayer r:embed="rId4">
-                    <a14:imgEffect>
-                      <a14:saturation sat="0"/>
-                    </a14:imgEffect>
-                  </a14:imgLayer>
-                </a14:imgProps>
-              </a:ext>
-              <a:ext uri="{28A0092B-C50C-407E-A947-70E740481C1C}">
-                <a14:useLocalDpi xmlns:a14="http://schemas.microsoft.com/office/drawing/2010/main" val="0"/>
-              </a:ext>
-            </a:extLst>
-          </a:blip>
-          <a:srcRect/>
-          <a:stretch/>
-        </p:blipFill>
-        <p:spPr>
-          <a:xfrm>
-            <a:off x="2871216" y="5330952"/>
-            <a:ext cx="6519672" cy="1527048"/>
-          </a:xfrm>
-          <a:custGeom>
-            <a:avLst/>
-            <a:gdLst>
-              <a:gd name="connsiteX0" fmla="*/ 0 w 6515097"/>
-              <a:gd name="connsiteY0" fmla="*/ 0 h 2133600"/>
-              <a:gd name="connsiteX1" fmla="*/ 6515097 w 6515097"/>
-              <a:gd name="connsiteY1" fmla="*/ 0 h 2133600"/>
-              <a:gd name="connsiteX2" fmla="*/ 6515097 w 6515097"/>
-              <a:gd name="connsiteY2" fmla="*/ 2133600 h 2133600"/>
-              <a:gd name="connsiteX3" fmla="*/ 0 w 6515097"/>
-              <a:gd name="connsiteY3" fmla="*/ 2133600 h 2133600"/>
-            </a:gdLst>
-            <a:ahLst/>
-            <a:cxnLst>
-              <a:cxn ang="0">
-                <a:pos x="connsiteX0" y="connsiteY0"/>
-              </a:cxn>
-              <a:cxn ang="0">
-                <a:pos x="connsiteX1" y="connsiteY1"/>
-              </a:cxn>
-              <a:cxn ang="0">
-                <a:pos x="connsiteX2" y="connsiteY2"/>
-              </a:cxn>
-              <a:cxn ang="0">
-                <a:pos x="connsiteX3" y="connsiteY3"/>
-              </a:cxn>
-            </a:cxnLst>
-            <a:rect l="l" t="t" r="r" b="b"/>
-            <a:pathLst>
-              <a:path w="6515097" h="2133600">
-                <a:moveTo>
-                  <a:pt x="0" y="0"/>
-                </a:moveTo>
-                <a:lnTo>
-                  <a:pt x="6515097" y="0"/>
-                </a:lnTo>
-                <a:lnTo>
-                  <a:pt x="6515097" y="2133600"/>
-                </a:lnTo>
-                <a:lnTo>
-                  <a:pt x="0" y="2133600"/>
-                </a:lnTo>
-                <a:close/>
-              </a:path>
-            </a:pathLst>
-          </a:custGeom>
-        </p:spPr>
-      </p:pic>
-    </p:spTree>
-    <p:extLst>
-      <p:ext uri="{BB962C8B-B14F-4D97-AF65-F5344CB8AC3E}">
-        <p14:creationId xmlns:p14="http://schemas.microsoft.com/office/powerpoint/2010/main" val="409420417"/>
-      </p:ext>
-    </p:extLst>
-  </p:cSld>
-  <p:clrMapOvr>
-    <a:masterClrMapping/>
-  </p:clrMapOvr>
-</p:sld>
-</file>
-
-<file path=ppt/slides/slide15.xml><?xml version="1.0" encoding="utf-8"?>
-<p:sld xmlns:a="http://schemas.openxmlformats.org/drawingml/2006/main" xmlns:r="http://schemas.openxmlformats.org/officeDocument/2006/relationships" xmlns:p="http://schemas.openxmlformats.org/presentationml/2006/main">
-  <p:cSld>
-    <p:spTree>
-      <p:nvGrpSpPr>
-        <p:cNvPr id="1" name=""/>
-        <p:cNvGrpSpPr/>
-        <p:nvPr/>
-      </p:nvGrpSpPr>
-      <p:grpSpPr>
-        <a:xfrm>
-          <a:off x="0" y="0"/>
-          <a:ext cx="0" cy="0"/>
-          <a:chOff x="0" y="0"/>
-          <a:chExt cx="0" cy="0"/>
-        </a:xfrm>
-      </p:grpSpPr>
-      <p:pic>
-        <p:nvPicPr>
-          <p:cNvPr id="17" name="Espaço Reservado para Imagem 16" descr="Estrutura de DNA branco">
-            <a:extLst>
-              <a:ext uri="{FF2B5EF4-FFF2-40B4-BE49-F238E27FC236}">
-                <a16:creationId xmlns:a16="http://schemas.microsoft.com/office/drawing/2014/main" id="{6D8705D1-EA1F-3113-ABE0-EC474D1F18DA}"/>
-              </a:ext>
-            </a:extLst>
-          </p:cNvPr>
-          <p:cNvPicPr>
-            <a:picLocks noGrp="1" noChangeAspect="1"/>
-          </p:cNvPicPr>
-          <p:nvPr>
-            <p:ph type="pic" sz="quarter" idx="12"/>
-          </p:nvPr>
-        </p:nvPicPr>
-        <p:blipFill rotWithShape="1">
-          <a:blip r:embed="rId3">
-            <a:alphaModFix amt="50000"/>
-            <a:extLst>
-              <a:ext uri="{28A0092B-C50C-407E-A947-70E740481C1C}">
-                <a14:useLocalDpi xmlns:a14="http://schemas.microsoft.com/office/drawing/2010/main" val="0"/>
-              </a:ext>
-            </a:extLst>
-          </a:blip>
-          <a:srcRect/>
-          <a:stretch/>
-        </p:blipFill>
-        <p:spPr/>
-      </p:pic>
-      <p:sp>
-        <p:nvSpPr>
-          <p:cNvPr id="19" name="Título 18">
-            <a:extLst>
-              <a:ext uri="{FF2B5EF4-FFF2-40B4-BE49-F238E27FC236}">
-                <a16:creationId xmlns:a16="http://schemas.microsoft.com/office/drawing/2014/main" id="{1130D679-D78E-1F15-EC3D-4BED6D69B35F}"/>
-              </a:ext>
-            </a:extLst>
-          </p:cNvPr>
-          <p:cNvSpPr>
-            <a:spLocks noGrp="1"/>
-          </p:cNvSpPr>
-          <p:nvPr>
-            <p:ph type="title"/>
-          </p:nvPr>
-        </p:nvSpPr>
-        <p:spPr/>
-        <p:txBody>
-          <a:bodyPr rtlCol="0"/>
-          <a:lstStyle>
-            <a:defPPr>
-              <a:defRPr lang="pt-BR"/>
-            </a:defPPr>
-          </a:lstStyle>
-          <a:p>
-            <a:pPr rtl="0"/>
-            <a:r>
-              <a:rPr lang="pt-BR" dirty="0"/>
-              <a:t>Obrigado </a:t>
-            </a:r>
-          </a:p>
-        </p:txBody>
-      </p:sp>
-      <p:pic>
-        <p:nvPicPr>
-          <p:cNvPr id="22" name="Espaço Reservado para Imagem 25" descr="Bactérias cultivadas em uma placa de Petri para um laboratório ou uma investigação científica">
-            <a:extLst>
-              <a:ext uri="{FF2B5EF4-FFF2-40B4-BE49-F238E27FC236}">
-                <a16:creationId xmlns:a16="http://schemas.microsoft.com/office/drawing/2014/main" id="{862BA3D8-52E1-692C-F244-F7882DAD2287}"/>
-              </a:ext>
-            </a:extLst>
-          </p:cNvPr>
-          <p:cNvPicPr>
-            <a:picLocks noGrp="1" noChangeAspect="1"/>
-          </p:cNvPicPr>
-          <p:nvPr>
-            <p:ph type="pic" sz="quarter" idx="13"/>
-          </p:nvPr>
-        </p:nvPicPr>
-        <p:blipFill rotWithShape="1">
-          <a:blip r:embed="rId4">
-            <a:duotone>
-              <a:schemeClr val="accent1">
-                <a:shade val="45000"/>
-                <a:satMod val="135000"/>
-              </a:schemeClr>
-              <a:prstClr val="white"/>
-            </a:duotone>
-            <a:extLst>
-              <a:ext uri="{28A0092B-C50C-407E-A947-70E740481C1C}">
-                <a14:useLocalDpi xmlns:a14="http://schemas.microsoft.com/office/drawing/2010/main" val="0"/>
-              </a:ext>
-            </a:extLst>
-          </a:blip>
-          <a:srcRect/>
-          <a:stretch/>
-        </p:blipFill>
-        <p:spPr/>
-      </p:pic>
-      <p:sp>
-        <p:nvSpPr>
-          <p:cNvPr id="27" name="Espaço Reservado para Texto 26">
-            <a:extLst>
-              <a:ext uri="{FF2B5EF4-FFF2-40B4-BE49-F238E27FC236}">
-                <a16:creationId xmlns:a16="http://schemas.microsoft.com/office/drawing/2014/main" id="{BB8B6963-69FE-8A03-5E86-2BF855024B00}"/>
-              </a:ext>
-            </a:extLst>
-          </p:cNvPr>
-          <p:cNvSpPr>
-            <a:spLocks noGrp="1"/>
-          </p:cNvSpPr>
-          <p:nvPr>
-            <p:ph type="body" sz="quarter" idx="14"/>
-          </p:nvPr>
-        </p:nvSpPr>
-        <p:spPr/>
-        <p:txBody>
-          <a:bodyPr rtlCol="0"/>
-          <a:lstStyle>
-            <a:defPPr>
-              <a:defRPr lang="pt-BR"/>
-            </a:defPPr>
-          </a:lstStyle>
-          <a:p>
-            <a:pPr marL="0" indent="0" algn="ctr" rtl="0">
-              <a:lnSpc>
-                <a:spcPts val="2660"/>
-              </a:lnSpc>
-              <a:spcBef>
-                <a:spcPts val="0"/>
-              </a:spcBef>
-              <a:buNone/>
-            </a:pPr>
-            <a:r>
-              <a:rPr lang="pt-BR" sz="2000" cap="all" spc="0" dirty="0"/>
-              <a:t>Nathália </a:t>
-            </a:r>
-            <a:r>
-              <a:rPr lang="pt-BR" sz="2000" cap="all" spc="0" dirty="0" err="1"/>
-              <a:t>valim</a:t>
-            </a:r>
-            <a:endParaRPr lang="pt-BR" sz="2000" cap="all" spc="0" dirty="0"/>
-          </a:p>
-          <a:p>
-            <a:pPr marL="0" indent="0" algn="ctr" rtl="0">
-              <a:lnSpc>
-                <a:spcPts val="2660"/>
-              </a:lnSpc>
-              <a:spcBef>
-                <a:spcPts val="0"/>
-              </a:spcBef>
-              <a:buNone/>
-            </a:pPr>
-            <a:r>
-              <a:rPr lang="pt-BR" sz="2000" cap="all" spc="0" dirty="0"/>
-              <a:t>Thiago barro</a:t>
-            </a:r>
-          </a:p>
-          <a:p>
-            <a:pPr marL="0" indent="0" algn="ctr" rtl="0">
-              <a:lnSpc>
-                <a:spcPts val="2660"/>
-              </a:lnSpc>
-              <a:spcBef>
-                <a:spcPts val="0"/>
-              </a:spcBef>
-              <a:buNone/>
-            </a:pPr>
-            <a:r>
-              <a:rPr lang="pt-BR" dirty="0"/>
-              <a:t>Fernando </a:t>
-            </a:r>
-            <a:endParaRPr lang="pt-BR" sz="2000" cap="all" spc="0" dirty="0"/>
-          </a:p>
-        </p:txBody>
-      </p:sp>
-    </p:spTree>
-    <p:extLst>
-      <p:ext uri="{BB962C8B-B14F-4D97-AF65-F5344CB8AC3E}">
-        <p14:creationId xmlns:p14="http://schemas.microsoft.com/office/powerpoint/2010/main" val="3334127647"/>
-      </p:ext>
-    </p:extLst>
-  </p:cSld>
-  <p:clrMapOvr>
-    <a:masterClrMapping/>
-  </p:clrMapOvr>
-</p:sld>
-</file>
-
-<file path=ppt/slides/slide2.xml><?xml version="1.0" encoding="utf-8"?>
-<p:sld xmlns:a="http://schemas.openxmlformats.org/drawingml/2006/main" xmlns:r="http://schemas.openxmlformats.org/officeDocument/2006/relationships" xmlns:p="http://schemas.openxmlformats.org/presentationml/2006/main">
-  <p:cSld>
-    <p:spTree>
-      <p:nvGrpSpPr>
-        <p:cNvPr id="1" name=""/>
-        <p:cNvGrpSpPr/>
-        <p:nvPr/>
-      </p:nvGrpSpPr>
-      <p:grpSpPr>
-        <a:xfrm>
-          <a:off x="0" y="0"/>
-          <a:ext cx="0" cy="0"/>
-          <a:chOff x="0" y="0"/>
-          <a:chExt cx="0" cy="0"/>
-        </a:xfrm>
-      </p:grpSpPr>
-      <p:sp>
-        <p:nvSpPr>
-          <p:cNvPr id="2" name="Título 1">
-            <a:extLst>
-              <a:ext uri="{FF2B5EF4-FFF2-40B4-BE49-F238E27FC236}">
-                <a16:creationId xmlns:a16="http://schemas.microsoft.com/office/drawing/2014/main" id="{9A3EB422-1287-FCEB-63CE-599FDC8468D8}"/>
-              </a:ext>
-            </a:extLst>
-          </p:cNvPr>
-          <p:cNvSpPr>
-            <a:spLocks noGrp="1"/>
-          </p:cNvSpPr>
-          <p:nvPr>
-            <p:ph type="title"/>
-          </p:nvPr>
-        </p:nvSpPr>
-        <p:spPr/>
-        <p:txBody>
-          <a:bodyPr rtlCol="0"/>
-          <a:lstStyle>
-            <a:defPPr>
-              <a:defRPr lang="pt-BR"/>
-            </a:defPPr>
-          </a:lstStyle>
-          <a:p>
-            <a:pPr rtl="0"/>
-            <a:r>
-              <a:rPr lang="pt-BR" dirty="0"/>
-              <a:t>Agenda</a:t>
-            </a:r>
-          </a:p>
-        </p:txBody>
-      </p:sp>
-      <p:sp>
-        <p:nvSpPr>
-          <p:cNvPr id="5" name="Espaço Reservado para Rodapé 4">
-            <a:extLst>
-              <a:ext uri="{FF2B5EF4-FFF2-40B4-BE49-F238E27FC236}">
-                <a16:creationId xmlns:a16="http://schemas.microsoft.com/office/drawing/2014/main" id="{DE9EDB55-C0CF-1610-24F0-07462C63BCEB}"/>
-              </a:ext>
-            </a:extLst>
-          </p:cNvPr>
-          <p:cNvSpPr>
-            <a:spLocks noGrp="1"/>
-          </p:cNvSpPr>
-          <p:nvPr>
-            <p:ph type="ftr" sz="quarter" idx="12"/>
-          </p:nvPr>
-        </p:nvSpPr>
-        <p:spPr/>
-        <p:txBody>
-          <a:bodyPr rtlCol="0"/>
-          <a:lstStyle>
-            <a:defPPr>
-              <a:defRPr lang="pt-BR"/>
-            </a:defPPr>
-          </a:lstStyle>
-          <a:p>
-            <a:pPr rtl="0"/>
-            <a:r>
-              <a:rPr lang="pt-BR"/>
-              <a:t>título da apresentação</a:t>
-            </a:r>
-          </a:p>
-        </p:txBody>
-      </p:sp>
-      <p:sp>
-        <p:nvSpPr>
-          <p:cNvPr id="4" name="Espaço Reservado para o Número do Slide 3">
-            <a:extLst>
-              <a:ext uri="{FF2B5EF4-FFF2-40B4-BE49-F238E27FC236}">
-                <a16:creationId xmlns:a16="http://schemas.microsoft.com/office/drawing/2014/main" id="{43D6DE2E-F5E3-8CAF-A5C3-E67C03F538DF}"/>
-              </a:ext>
-            </a:extLst>
-          </p:cNvPr>
-          <p:cNvSpPr>
-            <a:spLocks noGrp="1"/>
-          </p:cNvSpPr>
-          <p:nvPr>
-            <p:ph type="sldNum" sz="quarter" idx="11"/>
-          </p:nvPr>
-        </p:nvSpPr>
-        <p:spPr/>
-        <p:txBody>
-          <a:bodyPr rtlCol="0"/>
-          <a:lstStyle>
-            <a:defPPr>
-              <a:defRPr lang="pt-BR"/>
-            </a:defPPr>
-          </a:lstStyle>
-          <a:p>
-            <a:pPr rtl="0"/>
-            <a:fld id="{75DF2D63-3FF5-D547-96B9-BE9CCD1ABA58}" type="slidenum">
-              <a:rPr lang="pt-BR" smtClean="0"/>
-              <a:pPr/>
-              <a:t>2</a:t>
-            </a:fld>
-            <a:endParaRPr lang="pt-BR" dirty="0"/>
-          </a:p>
-        </p:txBody>
-      </p:sp>
-      <p:sp>
-        <p:nvSpPr>
-          <p:cNvPr id="3" name="Espaço Reservado para Conteúdo 2">
-            <a:extLst>
-              <a:ext uri="{FF2B5EF4-FFF2-40B4-BE49-F238E27FC236}">
-                <a16:creationId xmlns:a16="http://schemas.microsoft.com/office/drawing/2014/main" id="{4D038CD2-9585-7E51-5359-D52935A77DF0}"/>
-              </a:ext>
-            </a:extLst>
-          </p:cNvPr>
-          <p:cNvSpPr>
-            <a:spLocks noGrp="1"/>
-          </p:cNvSpPr>
-          <p:nvPr>
-            <p:ph idx="1"/>
-          </p:nvPr>
-        </p:nvSpPr>
-        <p:spPr/>
-        <p:txBody>
-          <a:bodyPr rtlCol="0"/>
-          <a:lstStyle>
-            <a:defPPr>
-              <a:defRPr lang="pt-BR"/>
-            </a:defPPr>
-          </a:lstStyle>
-          <a:p>
-            <a:pPr rtl="0"/>
-            <a:r>
-              <a:rPr lang="pt-BR" dirty="0"/>
-              <a:t>Introdução</a:t>
-            </a:r>
-          </a:p>
-          <a:p>
-            <a:pPr rtl="0"/>
-            <a:r>
-              <a:rPr lang="pt-BR" dirty="0"/>
-              <a:t>Principais objetivos</a:t>
-            </a:r>
-          </a:p>
-          <a:p>
-            <a:pPr rtl="0"/>
-            <a:r>
-              <a:rPr lang="pt-BR" dirty="0"/>
-              <a:t>Áreas de crescimento</a:t>
-            </a:r>
-          </a:p>
-          <a:p>
-            <a:pPr rtl="0"/>
-            <a:r>
-              <a:rPr lang="pt-BR" dirty="0"/>
-              <a:t>Linha do Tempo</a:t>
-            </a:r>
-          </a:p>
-          <a:p>
-            <a:pPr rtl="0"/>
-            <a:r>
-              <a:rPr lang="pt-BR" dirty="0"/>
-              <a:t>Resumo</a:t>
-            </a:r>
-          </a:p>
-          <a:p>
-            <a:pPr rtl="0"/>
-            <a:endParaRPr lang="pt-BR" dirty="0"/>
-          </a:p>
-          <a:p>
-            <a:pPr rtl="0"/>
-            <a:endParaRPr lang="pt-BR" dirty="0"/>
-          </a:p>
-        </p:txBody>
-      </p:sp>
-      <p:pic>
-        <p:nvPicPr>
-          <p:cNvPr id="8" name="Espaço Reservado para Imagem 7" descr="Pipeta difundindo corantes em frascos">
-            <a:extLst>
-              <a:ext uri="{FF2B5EF4-FFF2-40B4-BE49-F238E27FC236}">
-                <a16:creationId xmlns:a16="http://schemas.microsoft.com/office/drawing/2014/main" id="{9DA934D8-2609-4227-78DF-CF8F07A2F9C7}"/>
-              </a:ext>
-            </a:extLst>
-          </p:cNvPr>
-          <p:cNvPicPr>
-            <a:picLocks noGrp="1" noChangeAspect="1"/>
-          </p:cNvPicPr>
-          <p:nvPr>
-            <p:ph type="pic" sz="quarter" idx="13"/>
-          </p:nvPr>
-        </p:nvPicPr>
-        <p:blipFill rotWithShape="1">
-          <a:blip r:embed="rId3">
-            <a:alphaModFix/>
-            <a:extLst>
-              <a:ext uri="{28A0092B-C50C-407E-A947-70E740481C1C}">
-                <a14:useLocalDpi xmlns:a14="http://schemas.microsoft.com/office/drawing/2010/main" val="0"/>
-              </a:ext>
-            </a:extLst>
-          </a:blip>
-          <a:srcRect t="79" b="79"/>
-          <a:stretch/>
-        </p:blipFill>
-        <p:spPr/>
-      </p:pic>
-    </p:spTree>
-    <p:extLst>
-      <p:ext uri="{BB962C8B-B14F-4D97-AF65-F5344CB8AC3E}">
-        <p14:creationId xmlns:p14="http://schemas.microsoft.com/office/powerpoint/2010/main" val="2910866480"/>
+        <p14:creationId xmlns:p14="http://schemas.microsoft.com/office/powerpoint/2010/main" val="2810133685"/>
       </p:ext>
     </p:extLst>
   </p:cSld>
@@ -17205,281 +12737,6 @@
           <a:chExt cx="0" cy="0"/>
         </a:xfrm>
       </p:grpSpPr>
-      <p:sp>
-        <p:nvSpPr>
-          <p:cNvPr id="2" name="Título 1">
-            <a:extLst>
-              <a:ext uri="{FF2B5EF4-FFF2-40B4-BE49-F238E27FC236}">
-                <a16:creationId xmlns:a16="http://schemas.microsoft.com/office/drawing/2014/main" id="{F0984788-646A-CF90-D67D-14752A71745D}"/>
-              </a:ext>
-            </a:extLst>
-          </p:cNvPr>
-          <p:cNvSpPr>
-            <a:spLocks noGrp="1"/>
-          </p:cNvSpPr>
-          <p:nvPr>
-            <p:ph type="title"/>
-          </p:nvPr>
-        </p:nvSpPr>
-        <p:spPr/>
-        <p:txBody>
-          <a:bodyPr rtlCol="0"/>
-          <a:lstStyle>
-            <a:defPPr>
-              <a:defRPr lang="pt-BR"/>
-            </a:defPPr>
-          </a:lstStyle>
-          <a:p>
-            <a:pPr rtl="0"/>
-            <a:r>
-              <a:rPr lang="pt-BR" dirty="0"/>
-              <a:t>Introdução</a:t>
-            </a:r>
-          </a:p>
-        </p:txBody>
-      </p:sp>
-      <p:sp>
-        <p:nvSpPr>
-          <p:cNvPr id="5" name="Espaço Reservado para Rodapé 4">
-            <a:extLst>
-              <a:ext uri="{FF2B5EF4-FFF2-40B4-BE49-F238E27FC236}">
-                <a16:creationId xmlns:a16="http://schemas.microsoft.com/office/drawing/2014/main" id="{241D8BC6-DD9D-7F06-3B9F-9F2B462E4984}"/>
-              </a:ext>
-            </a:extLst>
-          </p:cNvPr>
-          <p:cNvSpPr>
-            <a:spLocks noGrp="1"/>
-          </p:cNvSpPr>
-          <p:nvPr>
-            <p:ph type="ftr" sz="quarter" idx="12"/>
-          </p:nvPr>
-        </p:nvSpPr>
-        <p:spPr/>
-        <p:txBody>
-          <a:bodyPr rtlCol="0"/>
-          <a:lstStyle>
-            <a:defPPr>
-              <a:defRPr lang="pt-BR"/>
-            </a:defPPr>
-          </a:lstStyle>
-          <a:p>
-            <a:pPr rtl="0"/>
-            <a:r>
-              <a:rPr lang="pt-BR"/>
-              <a:t>título da apresentação</a:t>
-            </a:r>
-          </a:p>
-        </p:txBody>
-      </p:sp>
-      <p:sp>
-        <p:nvSpPr>
-          <p:cNvPr id="4" name="Espaço Reservado para o Número do Slide 3">
-            <a:extLst>
-              <a:ext uri="{FF2B5EF4-FFF2-40B4-BE49-F238E27FC236}">
-                <a16:creationId xmlns:a16="http://schemas.microsoft.com/office/drawing/2014/main" id="{B6586F16-C3E1-6E51-D140-EF50382CA456}"/>
-              </a:ext>
-            </a:extLst>
-          </p:cNvPr>
-          <p:cNvSpPr>
-            <a:spLocks noGrp="1"/>
-          </p:cNvSpPr>
-          <p:nvPr>
-            <p:ph type="sldNum" sz="quarter" idx="11"/>
-          </p:nvPr>
-        </p:nvSpPr>
-        <p:spPr/>
-        <p:txBody>
-          <a:bodyPr rtlCol="0"/>
-          <a:lstStyle>
-            <a:defPPr>
-              <a:defRPr lang="pt-BR"/>
-            </a:defPPr>
-          </a:lstStyle>
-          <a:p>
-            <a:pPr rtl="0"/>
-            <a:fld id="{75DF2D63-3FF5-D547-96B9-BE9CCD1ABA58}" type="slidenum">
-              <a:rPr lang="pt-BR" smtClean="0"/>
-              <a:pPr/>
-              <a:t>3</a:t>
-            </a:fld>
-            <a:endParaRPr lang="pt-BR"/>
-          </a:p>
-        </p:txBody>
-      </p:sp>
-      <p:pic>
-        <p:nvPicPr>
-          <p:cNvPr id="7" name="Espaço Reservado para Imagem 6" descr="Pipetar sobre três frascos de vidro">
-            <a:extLst>
-              <a:ext uri="{FF2B5EF4-FFF2-40B4-BE49-F238E27FC236}">
-                <a16:creationId xmlns:a16="http://schemas.microsoft.com/office/drawing/2014/main" id="{7FFC92DA-E590-4A49-8738-10A5D4DBBE6E}"/>
-              </a:ext>
-            </a:extLst>
-          </p:cNvPr>
-          <p:cNvPicPr>
-            <a:picLocks noGrp="1" noChangeAspect="1"/>
-          </p:cNvPicPr>
-          <p:nvPr>
-            <p:ph type="pic" sz="quarter" idx="13"/>
-          </p:nvPr>
-        </p:nvPicPr>
-        <p:blipFill>
-          <a:blip r:embed="rId3">
-            <a:extLst>
-              <a:ext uri="{28A0092B-C50C-407E-A947-70E740481C1C}">
-                <a14:useLocalDpi xmlns:a14="http://schemas.microsoft.com/office/drawing/2010/main" val="0"/>
-              </a:ext>
-            </a:extLst>
-          </a:blip>
-          <a:srcRect/>
-          <a:stretch>
-            <a:fillRect/>
-          </a:stretch>
-        </p:blipFill>
-        <p:spPr>
-          <a:xfrm>
-            <a:off x="1298575" y="1828800"/>
-            <a:ext cx="3200400" cy="3200400"/>
-          </a:xfrm>
-          <a:custGeom>
-            <a:avLst/>
-            <a:gdLst>
-              <a:gd name="connsiteX0" fmla="*/ 1600200 w 3200400"/>
-              <a:gd name="connsiteY0" fmla="*/ 0 h 3200400"/>
-              <a:gd name="connsiteX1" fmla="*/ 3200400 w 3200400"/>
-              <a:gd name="connsiteY1" fmla="*/ 1600200 h 3200400"/>
-              <a:gd name="connsiteX2" fmla="*/ 1600200 w 3200400"/>
-              <a:gd name="connsiteY2" fmla="*/ 3200400 h 3200400"/>
-              <a:gd name="connsiteX3" fmla="*/ 0 w 3200400"/>
-              <a:gd name="connsiteY3" fmla="*/ 1600200 h 3200400"/>
-              <a:gd name="connsiteX4" fmla="*/ 1600200 w 3200400"/>
-              <a:gd name="connsiteY4" fmla="*/ 0 h 3200400"/>
-            </a:gdLst>
-            <a:ahLst/>
-            <a:cxnLst>
-              <a:cxn ang="0">
-                <a:pos x="connsiteX0" y="connsiteY0"/>
-              </a:cxn>
-              <a:cxn ang="0">
-                <a:pos x="connsiteX1" y="connsiteY1"/>
-              </a:cxn>
-              <a:cxn ang="0">
-                <a:pos x="connsiteX2" y="connsiteY2"/>
-              </a:cxn>
-              <a:cxn ang="0">
-                <a:pos x="connsiteX3" y="connsiteY3"/>
-              </a:cxn>
-              <a:cxn ang="0">
-                <a:pos x="connsiteX4" y="connsiteY4"/>
-              </a:cxn>
-            </a:cxnLst>
-            <a:rect l="l" t="t" r="r" b="b"/>
-            <a:pathLst>
-              <a:path w="3200400" h="3200400">
-                <a:moveTo>
-                  <a:pt x="1600200" y="0"/>
-                </a:moveTo>
-                <a:cubicBezTo>
-                  <a:pt x="2483966" y="0"/>
-                  <a:pt x="3200400" y="716434"/>
-                  <a:pt x="3200400" y="1600200"/>
-                </a:cubicBezTo>
-                <a:cubicBezTo>
-                  <a:pt x="3200400" y="2483966"/>
-                  <a:pt x="2483966" y="3200400"/>
-                  <a:pt x="1600200" y="3200400"/>
-                </a:cubicBezTo>
-                <a:cubicBezTo>
-                  <a:pt x="716434" y="3200400"/>
-                  <a:pt x="0" y="2483966"/>
-                  <a:pt x="0" y="1600200"/>
-                </a:cubicBezTo>
-                <a:cubicBezTo>
-                  <a:pt x="0" y="716434"/>
-                  <a:pt x="716434" y="0"/>
-                  <a:pt x="1600200" y="0"/>
-                </a:cubicBezTo>
-                <a:close/>
-              </a:path>
-            </a:pathLst>
-          </a:custGeom>
-        </p:spPr>
-      </p:pic>
-      <p:sp>
-        <p:nvSpPr>
-          <p:cNvPr id="3" name="Espaço Reservado para Conteúdo 2">
-            <a:extLst>
-              <a:ext uri="{FF2B5EF4-FFF2-40B4-BE49-F238E27FC236}">
-                <a16:creationId xmlns:a16="http://schemas.microsoft.com/office/drawing/2014/main" id="{77C9C890-ADC6-0AA7-BBC0-05E856AA7C3C}"/>
-              </a:ext>
-            </a:extLst>
-          </p:cNvPr>
-          <p:cNvSpPr>
-            <a:spLocks noGrp="1"/>
-          </p:cNvSpPr>
-          <p:nvPr>
-            <p:ph idx="1"/>
-          </p:nvPr>
-        </p:nvSpPr>
-        <p:spPr/>
-        <p:txBody>
-          <a:bodyPr rtlCol="0"/>
-          <a:lstStyle>
-            <a:defPPr>
-              <a:defRPr lang="pt-BR"/>
-            </a:defPPr>
-          </a:lstStyle>
-          <a:p>
-            <a:pPr algn="just">
-              <a:lnSpc>
-                <a:spcPct val="115000"/>
-              </a:lnSpc>
-            </a:pPr>
-            <a:r>
-              <a:rPr lang="pt-BR" sz="1800" dirty="0">
-                <a:effectLst/>
-                <a:latin typeface="Times New Roman" panose="02020603050405020304" pitchFamily="18" charset="0"/>
-                <a:ea typeface="Arial" panose="020B0604020202020204" pitchFamily="34" charset="0"/>
-              </a:rPr>
-              <a:t> Este documento tem por propósito especificar os requisitos necessários da página de web do NOME para o seu desenvolvimento. Além de servir de referência para a manutenção do software. Foram utilizados diagramas UML (diagrama de casos de uso e diagrama de sequência), requisitos funcionais e requisitos não funcionais para ajudar no entendimento das funcionalidades do sistema.</a:t>
-            </a:r>
-            <a:endParaRPr lang="pt-BR" sz="1800" dirty="0">
-              <a:effectLst/>
-              <a:latin typeface="Arial" panose="020B0604020202020204" pitchFamily="34" charset="0"/>
-              <a:ea typeface="Arial" panose="020B0604020202020204" pitchFamily="34" charset="0"/>
-            </a:endParaRPr>
-          </a:p>
-        </p:txBody>
-      </p:sp>
-    </p:spTree>
-    <p:extLst>
-      <p:ext uri="{BB962C8B-B14F-4D97-AF65-F5344CB8AC3E}">
-        <p14:creationId xmlns:p14="http://schemas.microsoft.com/office/powerpoint/2010/main" val="2810133685"/>
-      </p:ext>
-    </p:extLst>
-  </p:cSld>
-  <p:clrMapOvr>
-    <a:masterClrMapping/>
-  </p:clrMapOvr>
-</p:sld>
-</file>
-
-<file path=ppt/slides/slide4.xml><?xml version="1.0" encoding="utf-8"?>
-<p:sld xmlns:a="http://schemas.openxmlformats.org/drawingml/2006/main" xmlns:r="http://schemas.openxmlformats.org/officeDocument/2006/relationships" xmlns:p="http://schemas.openxmlformats.org/presentationml/2006/main">
-  <p:cSld>
-    <p:spTree>
-      <p:nvGrpSpPr>
-        <p:cNvPr id="1" name=""/>
-        <p:cNvGrpSpPr/>
-        <p:nvPr/>
-      </p:nvGrpSpPr>
-      <p:grpSpPr>
-        <a:xfrm>
-          <a:off x="0" y="0"/>
-          <a:ext cx="0" cy="0"/>
-          <a:chOff x="0" y="0"/>
-          <a:chExt cx="0" cy="0"/>
-        </a:xfrm>
-      </p:grpSpPr>
       <p:pic>
         <p:nvPicPr>
           <p:cNvPr id="11" name="Espaço Reservado para Imagem 10" descr="Estrutura de DNA branco">
@@ -17622,169 +12879,7 @@
 </p:sld>
 </file>
 
-<file path=ppt/slides/slide5.xml><?xml version="1.0" encoding="utf-8"?>
-<p:sld xmlns:a="http://schemas.openxmlformats.org/drawingml/2006/main" xmlns:r="http://schemas.openxmlformats.org/officeDocument/2006/relationships" xmlns:p="http://schemas.openxmlformats.org/presentationml/2006/main">
-  <p:cSld>
-    <p:spTree>
-      <p:nvGrpSpPr>
-        <p:cNvPr id="1" name=""/>
-        <p:cNvGrpSpPr/>
-        <p:nvPr/>
-      </p:nvGrpSpPr>
-      <p:grpSpPr>
-        <a:xfrm>
-          <a:off x="0" y="0"/>
-          <a:ext cx="0" cy="0"/>
-          <a:chOff x="0" y="0"/>
-          <a:chExt cx="0" cy="0"/>
-        </a:xfrm>
-      </p:grpSpPr>
-      <p:sp>
-        <p:nvSpPr>
-          <p:cNvPr id="2" name="Título 1">
-            <a:extLst>
-              <a:ext uri="{FF2B5EF4-FFF2-40B4-BE49-F238E27FC236}">
-                <a16:creationId xmlns:a16="http://schemas.microsoft.com/office/drawing/2014/main" id="{5579856F-92A5-9936-EAA5-B01FC81B4FF8}"/>
-              </a:ext>
-            </a:extLst>
-          </p:cNvPr>
-          <p:cNvSpPr>
-            <a:spLocks noGrp="1"/>
-          </p:cNvSpPr>
-          <p:nvPr>
-            <p:ph type="title"/>
-          </p:nvPr>
-        </p:nvSpPr>
-        <p:spPr/>
-        <p:txBody>
-          <a:bodyPr rtlCol="0"/>
-          <a:lstStyle>
-            <a:defPPr>
-              <a:defRPr lang="pt-BR"/>
-            </a:defPPr>
-          </a:lstStyle>
-          <a:p>
-            <a:pPr rtl="0"/>
-            <a:r>
-              <a:rPr lang="pt-BR" dirty="0"/>
-              <a:t>Desempenho trimestral</a:t>
-            </a:r>
-          </a:p>
-        </p:txBody>
-      </p:sp>
-      <p:sp>
-        <p:nvSpPr>
-          <p:cNvPr id="5" name="Espaço Reservado para Rodapé 4">
-            <a:extLst>
-              <a:ext uri="{FF2B5EF4-FFF2-40B4-BE49-F238E27FC236}">
-                <a16:creationId xmlns:a16="http://schemas.microsoft.com/office/drawing/2014/main" id="{F55E31DF-7A65-925F-3A83-F62DFCE2A228}"/>
-              </a:ext>
-            </a:extLst>
-          </p:cNvPr>
-          <p:cNvSpPr>
-            <a:spLocks noGrp="1"/>
-          </p:cNvSpPr>
-          <p:nvPr>
-            <p:ph type="ftr" sz="quarter" idx="12"/>
-          </p:nvPr>
-        </p:nvSpPr>
-        <p:spPr/>
-        <p:txBody>
-          <a:bodyPr rtlCol="0"/>
-          <a:lstStyle>
-            <a:defPPr>
-              <a:defRPr lang="pt-BR"/>
-            </a:defPPr>
-          </a:lstStyle>
-          <a:p>
-            <a:pPr rtl="0"/>
-            <a:r>
-              <a:rPr lang="pt-BR"/>
-              <a:t>título da apresentação</a:t>
-            </a:r>
-          </a:p>
-        </p:txBody>
-      </p:sp>
-      <p:sp>
-        <p:nvSpPr>
-          <p:cNvPr id="4" name="Espaço Reservado para o Número do Slide 3">
-            <a:extLst>
-              <a:ext uri="{FF2B5EF4-FFF2-40B4-BE49-F238E27FC236}">
-                <a16:creationId xmlns:a16="http://schemas.microsoft.com/office/drawing/2014/main" id="{AB34DDCD-707A-A5D7-B2C6-B463856CE28B}"/>
-              </a:ext>
-            </a:extLst>
-          </p:cNvPr>
-          <p:cNvSpPr>
-            <a:spLocks noGrp="1"/>
-          </p:cNvSpPr>
-          <p:nvPr>
-            <p:ph type="sldNum" sz="quarter" idx="11"/>
-          </p:nvPr>
-        </p:nvSpPr>
-        <p:spPr/>
-        <p:txBody>
-          <a:bodyPr rtlCol="0"/>
-          <a:lstStyle>
-            <a:defPPr>
-              <a:defRPr lang="pt-BR"/>
-            </a:defPPr>
-          </a:lstStyle>
-          <a:p>
-            <a:pPr rtl="0"/>
-            <a:fld id="{75DF2D63-3FF5-D547-96B9-BE9CCD1ABA58}" type="slidenum">
-              <a:rPr lang="pt-BR" smtClean="0"/>
-              <a:pPr/>
-              <a:t>5</a:t>
-            </a:fld>
-            <a:endParaRPr lang="pt-BR" dirty="0"/>
-          </a:p>
-        </p:txBody>
-      </p:sp>
-      <p:graphicFrame>
-        <p:nvGraphicFramePr>
-          <p:cNvPr id="6" name="Espaço Reservado para Conteúdo 5" descr="Gráfico de barras">
-            <a:extLst>
-              <a:ext uri="{FF2B5EF4-FFF2-40B4-BE49-F238E27FC236}">
-                <a16:creationId xmlns:a16="http://schemas.microsoft.com/office/drawing/2014/main" id="{0C13AF58-0A57-17B6-8A17-FFB296CEA922}"/>
-              </a:ext>
-            </a:extLst>
-          </p:cNvPr>
-          <p:cNvGraphicFramePr>
-            <a:graphicFrameLocks noGrp="1"/>
-          </p:cNvGraphicFramePr>
-          <p:nvPr>
-            <p:ph idx="1"/>
-            <p:extLst>
-              <p:ext uri="{D42A27DB-BD31-4B8C-83A1-F6EECF244321}">
-                <p14:modId xmlns:p14="http://schemas.microsoft.com/office/powerpoint/2010/main" val="2894456543"/>
-              </p:ext>
-            </p:extLst>
-          </p:nvPr>
-        </p:nvGraphicFramePr>
-        <p:xfrm>
-          <a:off x="1295400" y="1855788"/>
-          <a:ext cx="9820275" cy="4352925"/>
-        </p:xfrm>
-        <a:graphic>
-          <a:graphicData uri="http://schemas.openxmlformats.org/drawingml/2006/chart">
-            <c:chart xmlns:c="http://schemas.openxmlformats.org/drawingml/2006/chart" xmlns:r="http://schemas.openxmlformats.org/officeDocument/2006/relationships" r:id="rId3"/>
-          </a:graphicData>
-        </a:graphic>
-      </p:graphicFrame>
-    </p:spTree>
-    <p:extLst>
-      <p:ext uri="{BB962C8B-B14F-4D97-AF65-F5344CB8AC3E}">
-        <p14:creationId xmlns:p14="http://schemas.microsoft.com/office/powerpoint/2010/main" val="1263875044"/>
-      </p:ext>
-    </p:extLst>
-  </p:cSld>
-  <p:clrMapOvr>
-    <a:masterClrMapping/>
-  </p:clrMapOvr>
-</p:sld>
-</file>
-
-<file path=ppt/slides/slide6.xml><?xml version="1.0" encoding="utf-8"?>
+<file path=ppt/slides/slide4.xml><?xml version="1.0" encoding="utf-8"?>
 <p:sld xmlns:a="http://schemas.openxmlformats.org/drawingml/2006/main" xmlns:r="http://schemas.openxmlformats.org/officeDocument/2006/relationships" xmlns:p="http://schemas.openxmlformats.org/presentationml/2006/main">
   <p:cSld>
     <p:spTree>
@@ -17963,8 +13058,8 @@
             <a:pPr rtl="0"/>
             <a:fld id="{75DF2D63-3FF5-D547-96B9-BE9CCD1ABA58}" type="slidenum">
               <a:rPr lang="pt-BR" smtClean="0"/>
-              <a:pPr/>
-              <a:t>6</a:t>
+              <a:pPr rtl="0"/>
+              <a:t>4</a:t>
             </a:fld>
             <a:endParaRPr lang="pt-BR" dirty="0"/>
           </a:p>
@@ -17983,7 +13078,7 @@
 </p:sld>
 </file>
 
-<file path=ppt/slides/slide7.xml><?xml version="1.0" encoding="utf-8"?>
+<file path=ppt/slides/slide5.xml><?xml version="1.0" encoding="utf-8"?>
 <p:sld xmlns:a="http://schemas.openxmlformats.org/drawingml/2006/main" xmlns:r="http://schemas.openxmlformats.org/officeDocument/2006/relationships" xmlns:p="http://schemas.openxmlformats.org/presentationml/2006/main">
   <p:cSld>
     <p:spTree>
@@ -18179,8 +13274,8 @@
             <a:pPr rtl="0"/>
             <a:fld id="{75DF2D63-3FF5-D547-96B9-BE9CCD1ABA58}" type="slidenum">
               <a:rPr lang="pt-BR" smtClean="0"/>
-              <a:pPr/>
-              <a:t>7</a:t>
+              <a:pPr rtl="0"/>
+              <a:t>5</a:t>
             </a:fld>
             <a:endParaRPr lang="pt-BR" dirty="0"/>
           </a:p>
@@ -18199,7 +13294,7 @@
 </p:sld>
 </file>
 
-<file path=ppt/slides/slide8.xml><?xml version="1.0" encoding="utf-8"?>
+<file path=ppt/slides/slide6.xml><?xml version="1.0" encoding="utf-8"?>
 <p:sld xmlns:a="http://schemas.openxmlformats.org/drawingml/2006/main" xmlns:r="http://schemas.openxmlformats.org/officeDocument/2006/relationships" xmlns:p="http://schemas.openxmlformats.org/presentationml/2006/main">
   <p:cSld>
     <p:spTree>
@@ -18313,8 +13408,8 @@
             <a:pPr rtl="0"/>
             <a:fld id="{75DF2D63-3FF5-D547-96B9-BE9CCD1ABA58}" type="slidenum">
               <a:rPr lang="pt-BR" smtClean="0"/>
-              <a:pPr/>
-              <a:t>8</a:t>
+              <a:pPr rtl="0"/>
+              <a:t>6</a:t>
             </a:fld>
             <a:endParaRPr lang="pt-BR"/>
           </a:p>
@@ -19027,7 +14122,7 @@
 </p:sld>
 </file>
 
-<file path=ppt/slides/slide9.xml><?xml version="1.0" encoding="utf-8"?>
+<file path=ppt/slides/slide7.xml><?xml version="1.0" encoding="utf-8"?>
 <p:sld xmlns:a="http://schemas.openxmlformats.org/drawingml/2006/main" xmlns:r="http://schemas.openxmlformats.org/officeDocument/2006/relationships" xmlns:p="http://schemas.openxmlformats.org/presentationml/2006/main">
   <p:cSld>
     <p:spTree>
@@ -19046,10 +14141,10 @@
       </p:grpSpPr>
       <p:sp>
         <p:nvSpPr>
-          <p:cNvPr id="2" name="Título 1">
-            <a:extLst>
-              <a:ext uri="{FF2B5EF4-FFF2-40B4-BE49-F238E27FC236}">
-                <a16:creationId xmlns:a16="http://schemas.microsoft.com/office/drawing/2014/main" id="{A546168A-9F8B-AE64-6A3B-DD036396CD45}"/>
+          <p:cNvPr id="6" name="Título 5">
+            <a:extLst>
+              <a:ext uri="{FF2B5EF4-FFF2-40B4-BE49-F238E27FC236}">
+                <a16:creationId xmlns:a16="http://schemas.microsoft.com/office/drawing/2014/main" id="{BB7103A8-AEEA-50D3-BE61-CC85D24BDF23}"/>
               </a:ext>
             </a:extLst>
           </p:cNvPr>
@@ -19060,12 +14155,7 @@
             <p:ph type="title"/>
           </p:nvPr>
         </p:nvSpPr>
-        <p:spPr>
-          <a:xfrm>
-            <a:off x="689956" y="340822"/>
-            <a:ext cx="11147368" cy="1222802"/>
-          </a:xfrm>
-        </p:spPr>
+        <p:spPr/>
         <p:txBody>
           <a:bodyPr rtlCol="0"/>
           <a:lstStyle>
@@ -19077,17 +14167,17 @@
             <a:pPr rtl="0"/>
             <a:r>
               <a:rPr lang="pt-BR" dirty="0"/>
-              <a:t>Conheça nossa equipe ESTENDIDA</a:t>
-            </a:r>
-          </a:p>
-        </p:txBody>
-      </p:sp>
-      <p:sp>
-        <p:nvSpPr>
-          <p:cNvPr id="4" name="Espaço Reservado para Rodapé 3">
-            <a:extLst>
-              <a:ext uri="{FF2B5EF4-FFF2-40B4-BE49-F238E27FC236}">
-                <a16:creationId xmlns:a16="http://schemas.microsoft.com/office/drawing/2014/main" id="{8A39D430-6FFC-66C6-AF3D-05E76D9D4BB4}"/>
+              <a:t>objetivo </a:t>
+            </a:r>
+          </a:p>
+        </p:txBody>
+      </p:sp>
+      <p:sp>
+        <p:nvSpPr>
+          <p:cNvPr id="3" name="Espaço Reservado para Rodapé 2">
+            <a:extLst>
+              <a:ext uri="{FF2B5EF4-FFF2-40B4-BE49-F238E27FC236}">
+                <a16:creationId xmlns:a16="http://schemas.microsoft.com/office/drawing/2014/main" id="{AA5BCABC-85E9-BA68-F054-2D77592245F0}"/>
               </a:ext>
             </a:extLst>
           </p:cNvPr>
@@ -19117,10 +14207,10 @@
       </p:sp>
       <p:sp>
         <p:nvSpPr>
-          <p:cNvPr id="3" name="Espaço Reservado para o Número do Slide 2">
-            <a:extLst>
-              <a:ext uri="{FF2B5EF4-FFF2-40B4-BE49-F238E27FC236}">
-                <a16:creationId xmlns:a16="http://schemas.microsoft.com/office/drawing/2014/main" id="{F08CF61D-4147-236F-218C-CE2A064E6BD9}"/>
+          <p:cNvPr id="2" name="Espaço Reservado para o Número do Slide 1">
+            <a:extLst>
+              <a:ext uri="{FF2B5EF4-FFF2-40B4-BE49-F238E27FC236}">
+                <a16:creationId xmlns:a16="http://schemas.microsoft.com/office/drawing/2014/main" id="{1A978ADB-AD70-DE7C-4643-85C48AE12770}"/>
               </a:ext>
             </a:extLst>
           </p:cNvPr>
@@ -19143,19 +14233,82 @@
             <a:pPr rtl="0"/>
             <a:fld id="{75DF2D63-3FF5-D547-96B9-BE9CCD1ABA58}" type="slidenum">
               <a:rPr lang="pt-BR" smtClean="0"/>
-              <a:pPr/>
-              <a:t>9</a:t>
+              <a:pPr rtl="0"/>
+              <a:t>7</a:t>
             </a:fld>
-            <a:endParaRPr lang="pt-BR" dirty="0"/>
+            <a:endParaRPr lang="pt-BR"/>
+          </a:p>
+        </p:txBody>
+      </p:sp>
+      <p:sp>
+        <p:nvSpPr>
+          <p:cNvPr id="4" name="Espaço Reservado para Texto 3">
+            <a:extLst>
+              <a:ext uri="{FF2B5EF4-FFF2-40B4-BE49-F238E27FC236}">
+                <a16:creationId xmlns:a16="http://schemas.microsoft.com/office/drawing/2014/main" id="{68003147-27BE-7492-36B6-F405F1156F31}"/>
+              </a:ext>
+            </a:extLst>
+          </p:cNvPr>
+          <p:cNvSpPr>
+            <a:spLocks noGrp="1"/>
+          </p:cNvSpPr>
+          <p:nvPr>
+            <p:ph type="body" sz="quarter" idx="12"/>
+          </p:nvPr>
+        </p:nvSpPr>
+        <p:spPr>
+          <a:xfrm>
+            <a:off x="2834640" y="1312606"/>
+            <a:ext cx="6766560" cy="5161936"/>
+          </a:xfrm>
+        </p:spPr>
+        <p:txBody>
+          <a:bodyPr rtlCol="0"/>
+          <a:lstStyle>
+            <a:defPPr>
+              <a:defRPr lang="pt-BR"/>
+            </a:defPPr>
+          </a:lstStyle>
+          <a:p>
+            <a:pPr>
+              <a:lnSpc>
+                <a:spcPct val="115000"/>
+              </a:lnSpc>
+            </a:pPr>
+            <a:endParaRPr lang="pt-BR" sz="1800" dirty="0">
+              <a:effectLst/>
+              <a:latin typeface="Arial" panose="020B0604020202020204" pitchFamily="34" charset="0"/>
+              <a:ea typeface="Arial" panose="020B0604020202020204" pitchFamily="34" charset="0"/>
+            </a:endParaRPr>
+          </a:p>
+          <a:p>
+            <a:pPr>
+              <a:lnSpc>
+                <a:spcPct val="115000"/>
+              </a:lnSpc>
+            </a:pPr>
+            <a:r>
+              <a:rPr lang="pt-BR" sz="1800" dirty="0">
+                <a:effectLst/>
+                <a:latin typeface="Times New Roman" panose="02020603050405020304" pitchFamily="18" charset="0"/>
+                <a:ea typeface="Arial" panose="020B0604020202020204" pitchFamily="34" charset="0"/>
+              </a:rPr>
+              <a:t>Pensando na dificuldade de comunicação entre médicos sobre um paciente em comum, criamos uma página para facilitarmos o acesso as informações do paciente, quais os seus medicamentos, exames recentes feitos, alergias e informações sobre o mesmo que serão atualizadas por instituições privadas. Os médicos terão acesso á medicação já utilizada, exames que já foram solicitados. Doenças e tratamentos recentes, com o intuito de reduzir o tempo de espera e duplicidade para exames e tratamentos, evitando também riscos de medicamentos em excesso e demora no atendimento. Assim a família e médico poderá acompanhar o estado de cada membro de sua família, incluindo idosos e crianças.</a:t>
+            </a:r>
+            <a:endParaRPr lang="pt-BR" sz="1800" dirty="0">
+              <a:effectLst/>
+              <a:latin typeface="Arial" panose="020B0604020202020204" pitchFamily="34" charset="0"/>
+              <a:ea typeface="Arial" panose="020B0604020202020204" pitchFamily="34" charset="0"/>
+            </a:endParaRPr>
           </a:p>
         </p:txBody>
       </p:sp>
       <p:pic>
         <p:nvPicPr>
-          <p:cNvPr id="17" name="Espaço Reservado para Imagem 25" descr="Foto de rosto do membro da equipe">
-            <a:extLst>
-              <a:ext uri="{FF2B5EF4-FFF2-40B4-BE49-F238E27FC236}">
-                <a16:creationId xmlns:a16="http://schemas.microsoft.com/office/drawing/2014/main" id="{9FE8A44E-4872-96D1-84CB-87AA25C1A65D}"/>
+          <p:cNvPr id="7" name="Espaço Reservado para Imagem 6" descr="Tubos de ensaio com um tubo de ensaio em laranja com gotas">
+            <a:extLst>
+              <a:ext uri="{FF2B5EF4-FFF2-40B4-BE49-F238E27FC236}">
+                <a16:creationId xmlns:a16="http://schemas.microsoft.com/office/drawing/2014/main" id="{70A9CAB5-92AE-2C08-1CA8-8B55D552EEF8}"/>
               </a:ext>
             </a:extLst>
           </p:cNvPr>
@@ -19163,109 +14316,31 @@
             <a:picLocks noGrp="1" noChangeAspect="1"/>
           </p:cNvPicPr>
           <p:nvPr>
-            <p:ph type="pic" sz="quarter" idx="12"/>
+            <p:ph type="pic" sz="quarter" idx="13"/>
           </p:nvPr>
         </p:nvPicPr>
         <p:blipFill rotWithShape="1">
-          <a:blip r:embed="rId3" cstate="print">
-            <a:extLst>
+          <a:blip r:embed="rId3">
+            <a:alphaModFix amt="50000"/>
+            <a:duotone>
+              <a:schemeClr val="accent5">
+                <a:shade val="45000"/>
+                <a:satMod val="135000"/>
+              </a:schemeClr>
+              <a:prstClr val="white"/>
+            </a:duotone>
+            <a:extLst>
+              <a:ext uri="{BEBA8EAE-BF5A-486C-A8C5-ECC9F3942E4B}">
+                <a14:imgProps xmlns:a14="http://schemas.microsoft.com/office/drawing/2010/main">
+                  <a14:imgLayer r:embed="rId4">
+                    <a14:imgEffect>
+                      <a14:saturation sat="0"/>
+                    </a14:imgEffect>
+                  </a14:imgLayer>
+                </a14:imgProps>
+              </a:ext>
               <a:ext uri="{28A0092B-C50C-407E-A947-70E740481C1C}">
-                <a14:useLocalDpi xmlns:a14="http://schemas.microsoft.com/office/drawing/2010/main"/>
-              </a:ext>
-            </a:extLst>
-          </a:blip>
-          <a:srcRect t="116" b="116"/>
-          <a:stretch/>
-        </p:blipFill>
-        <p:spPr/>
-      </p:pic>
-      <p:sp>
-        <p:nvSpPr>
-          <p:cNvPr id="9" name="Espaço Reservado para Texto 8">
-            <a:extLst>
-              <a:ext uri="{FF2B5EF4-FFF2-40B4-BE49-F238E27FC236}">
-                <a16:creationId xmlns:a16="http://schemas.microsoft.com/office/drawing/2014/main" id="{4555555B-2DC1-8FAB-836A-FF067294BAB7}"/>
-              </a:ext>
-            </a:extLst>
-          </p:cNvPr>
-          <p:cNvSpPr>
-            <a:spLocks noGrp="1"/>
-          </p:cNvSpPr>
-          <p:nvPr>
-            <p:ph type="body" sz="quarter" idx="16"/>
-          </p:nvPr>
-        </p:nvSpPr>
-        <p:spPr/>
-        <p:txBody>
-          <a:bodyPr rtlCol="0"/>
-          <a:lstStyle>
-            <a:defPPr>
-              <a:defRPr lang="pt-BR"/>
-            </a:defPPr>
-          </a:lstStyle>
-          <a:p>
-            <a:pPr rtl="0"/>
-            <a:r>
-              <a:rPr lang="pt-BR" dirty="0"/>
-              <a:t>Takuma Hayashi</a:t>
-            </a:r>
-          </a:p>
-        </p:txBody>
-      </p:sp>
-      <p:sp>
-        <p:nvSpPr>
-          <p:cNvPr id="10" name="Espaço Reservado para Texto 9">
-            <a:extLst>
-              <a:ext uri="{FF2B5EF4-FFF2-40B4-BE49-F238E27FC236}">
-                <a16:creationId xmlns:a16="http://schemas.microsoft.com/office/drawing/2014/main" id="{9231214F-3674-6AA5-28C4-945128C75152}"/>
-              </a:ext>
-            </a:extLst>
-          </p:cNvPr>
-          <p:cNvSpPr>
-            <a:spLocks noGrp="1"/>
-          </p:cNvSpPr>
-          <p:nvPr>
-            <p:ph type="body" sz="quarter" idx="17"/>
-          </p:nvPr>
-        </p:nvSpPr>
-        <p:spPr/>
-        <p:txBody>
-          <a:bodyPr rtlCol="0"/>
-          <a:lstStyle>
-            <a:defPPr>
-              <a:defRPr lang="pt-BR"/>
-            </a:defPPr>
-          </a:lstStyle>
-          <a:p>
-            <a:pPr rtl="0"/>
-            <a:r>
-              <a:rPr lang="pt-BR"/>
-              <a:t>Presidente</a:t>
-            </a:r>
-          </a:p>
-        </p:txBody>
-      </p:sp>
-      <p:pic>
-        <p:nvPicPr>
-          <p:cNvPr id="5" name="Espaço Reservado para Imagem 25" descr="Foto de rosto do membro da equipe">
-            <a:extLst>
-              <a:ext uri="{FF2B5EF4-FFF2-40B4-BE49-F238E27FC236}">
-                <a16:creationId xmlns:a16="http://schemas.microsoft.com/office/drawing/2014/main" id="{4E1BC371-5C26-E380-E719-FE24C11EA4C5}"/>
-              </a:ext>
-            </a:extLst>
-          </p:cNvPr>
-          <p:cNvPicPr>
-            <a:picLocks noGrp="1" noChangeAspect="1"/>
-          </p:cNvPicPr>
-          <p:nvPr>
-            <p:ph type="pic" sz="quarter" idx="24"/>
-          </p:nvPr>
-        </p:nvPicPr>
-        <p:blipFill rotWithShape="1">
-          <a:blip r:embed="rId4" cstate="print">
-            <a:extLst>
-              <a:ext uri="{28A0092B-C50C-407E-A947-70E740481C1C}">
-                <a14:useLocalDpi xmlns:a14="http://schemas.microsoft.com/office/drawing/2010/main"/>
+                <a14:useLocalDpi xmlns:a14="http://schemas.microsoft.com/office/drawing/2010/main" val="0"/>
               </a:ext>
             </a:extLst>
           </a:blip>
@@ -19273,19 +14348,21 @@
           <a:stretch/>
         </p:blipFill>
         <p:spPr>
+          <a:xfrm>
+            <a:off x="2871216" y="5330952"/>
+            <a:ext cx="6519672" cy="1527048"/>
+          </a:xfrm>
           <a:custGeom>
             <a:avLst/>
             <a:gdLst>
-              <a:gd name="connsiteX0" fmla="*/ 891540 w 1783080"/>
-              <a:gd name="connsiteY0" fmla="*/ 0 h 1783080"/>
-              <a:gd name="connsiteX1" fmla="*/ 1783080 w 1783080"/>
-              <a:gd name="connsiteY1" fmla="*/ 891540 h 1783080"/>
-              <a:gd name="connsiteX2" fmla="*/ 891540 w 1783080"/>
-              <a:gd name="connsiteY2" fmla="*/ 1783080 h 1783080"/>
-              <a:gd name="connsiteX3" fmla="*/ 0 w 1783080"/>
-              <a:gd name="connsiteY3" fmla="*/ 891540 h 1783080"/>
-              <a:gd name="connsiteX4" fmla="*/ 891540 w 1783080"/>
-              <a:gd name="connsiteY4" fmla="*/ 0 h 1783080"/>
+              <a:gd name="connsiteX0" fmla="*/ 0 w 6515097"/>
+              <a:gd name="connsiteY0" fmla="*/ 0 h 2133600"/>
+              <a:gd name="connsiteX1" fmla="*/ 6515097 w 6515097"/>
+              <a:gd name="connsiteY1" fmla="*/ 0 h 2133600"/>
+              <a:gd name="connsiteX2" fmla="*/ 6515097 w 6515097"/>
+              <a:gd name="connsiteY2" fmla="*/ 2133600 h 2133600"/>
+              <a:gd name="connsiteX3" fmla="*/ 0 w 6515097"/>
+              <a:gd name="connsiteY3" fmla="*/ 2133600 h 2133600"/>
             </a:gdLst>
             <a:ahLst/>
             <a:cxnLst>
@@ -19301,117 +14378,64 @@
               <a:cxn ang="0">
                 <a:pos x="connsiteX3" y="connsiteY3"/>
               </a:cxn>
-              <a:cxn ang="0">
-                <a:pos x="connsiteX4" y="connsiteY4"/>
-              </a:cxn>
             </a:cxnLst>
             <a:rect l="l" t="t" r="r" b="b"/>
             <a:pathLst>
-              <a:path w="1783080" h="1783080">
+              <a:path w="6515097" h="2133600">
                 <a:moveTo>
-                  <a:pt x="891540" y="0"/>
+                  <a:pt x="0" y="0"/>
                 </a:moveTo>
-                <a:cubicBezTo>
-                  <a:pt x="1383924" y="0"/>
-                  <a:pt x="1783080" y="399156"/>
-                  <a:pt x="1783080" y="891540"/>
-                </a:cubicBezTo>
-                <a:cubicBezTo>
-                  <a:pt x="1783080" y="1383924"/>
-                  <a:pt x="1383924" y="1783080"/>
-                  <a:pt x="891540" y="1783080"/>
-                </a:cubicBezTo>
-                <a:cubicBezTo>
-                  <a:pt x="399156" y="1783080"/>
-                  <a:pt x="0" y="1383924"/>
-                  <a:pt x="0" y="891540"/>
-                </a:cubicBezTo>
-                <a:cubicBezTo>
-                  <a:pt x="0" y="399156"/>
-                  <a:pt x="399156" y="0"/>
-                  <a:pt x="891540" y="0"/>
-                </a:cubicBezTo>
+                <a:lnTo>
+                  <a:pt x="6515097" y="0"/>
+                </a:lnTo>
+                <a:lnTo>
+                  <a:pt x="6515097" y="2133600"/>
+                </a:lnTo>
+                <a:lnTo>
+                  <a:pt x="0" y="2133600"/>
+                </a:lnTo>
                 <a:close/>
               </a:path>
             </a:pathLst>
           </a:custGeom>
         </p:spPr>
       </p:pic>
-      <p:sp>
-        <p:nvSpPr>
-          <p:cNvPr id="60" name="Espaço Reservado para Texto 59">
-            <a:extLst>
-              <a:ext uri="{FF2B5EF4-FFF2-40B4-BE49-F238E27FC236}">
-                <a16:creationId xmlns:a16="http://schemas.microsoft.com/office/drawing/2014/main" id="{661777A9-C57A-ED65-6AA1-7818FE1CC361}"/>
-              </a:ext>
-            </a:extLst>
-          </p:cNvPr>
-          <p:cNvSpPr>
-            <a:spLocks noGrp="1"/>
-          </p:cNvSpPr>
-          <p:nvPr>
-            <p:ph type="body" sz="quarter" idx="28"/>
-          </p:nvPr>
-        </p:nvSpPr>
-        <p:spPr/>
-        <p:txBody>
-          <a:bodyPr rtlCol="0"/>
-          <a:lstStyle>
-            <a:defPPr>
-              <a:defRPr lang="pt-BR"/>
-            </a:defPPr>
-          </a:lstStyle>
-          <a:p>
-            <a:pPr rtl="0"/>
-            <a:r>
-              <a:rPr lang="pt-BR" sz="1400">
-                <a:effectLst/>
-              </a:rPr>
-              <a:t>Graham Barnes</a:t>
-            </a:r>
-            <a:endParaRPr lang="pt-BR" sz="1200" dirty="0"/>
-          </a:p>
-        </p:txBody>
-      </p:sp>
-      <p:sp>
-        <p:nvSpPr>
-          <p:cNvPr id="61" name="Espaço Reservado para Texto 60">
-            <a:extLst>
-              <a:ext uri="{FF2B5EF4-FFF2-40B4-BE49-F238E27FC236}">
-                <a16:creationId xmlns:a16="http://schemas.microsoft.com/office/drawing/2014/main" id="{BF53DE85-C9B6-8CF3-CEC8-50CEE22FD40E}"/>
-              </a:ext>
-            </a:extLst>
-          </p:cNvPr>
-          <p:cNvSpPr>
-            <a:spLocks noGrp="1"/>
-          </p:cNvSpPr>
-          <p:nvPr>
-            <p:ph type="body" sz="quarter" idx="29"/>
-          </p:nvPr>
-        </p:nvSpPr>
-        <p:spPr/>
-        <p:txBody>
-          <a:bodyPr rtlCol="0"/>
-          <a:lstStyle>
-            <a:defPPr>
-              <a:defRPr lang="pt-BR"/>
-            </a:defPPr>
-          </a:lstStyle>
-          <a:p>
-            <a:pPr rtl="0"/>
-            <a:r>
-              <a:rPr lang="pt-BR" sz="1200" cap="none"/>
-              <a:t>VP de Produto</a:t>
-            </a:r>
-          </a:p>
-        </p:txBody>
-      </p:sp>
+    </p:spTree>
+    <p:extLst>
+      <p:ext uri="{BB962C8B-B14F-4D97-AF65-F5344CB8AC3E}">
+        <p14:creationId xmlns:p14="http://schemas.microsoft.com/office/powerpoint/2010/main" val="409420417"/>
+      </p:ext>
+    </p:extLst>
+  </p:cSld>
+  <p:clrMapOvr>
+    <a:masterClrMapping/>
+  </p:clrMapOvr>
+</p:sld>
+</file>
+
+<file path=ppt/slides/slide8.xml><?xml version="1.0" encoding="utf-8"?>
+<p:sld xmlns:a="http://schemas.openxmlformats.org/drawingml/2006/main" xmlns:r="http://schemas.openxmlformats.org/officeDocument/2006/relationships" xmlns:p="http://schemas.openxmlformats.org/presentationml/2006/main">
+  <p:cSld>
+    <p:spTree>
+      <p:nvGrpSpPr>
+        <p:cNvPr id="1" name=""/>
+        <p:cNvGrpSpPr/>
+        <p:nvPr/>
+      </p:nvGrpSpPr>
+      <p:grpSpPr>
+        <a:xfrm>
+          <a:off x="0" y="0"/>
+          <a:ext cx="0" cy="0"/>
+          <a:chOff x="0" y="0"/>
+          <a:chExt cx="0" cy="0"/>
+        </a:xfrm>
+      </p:grpSpPr>
       <p:pic>
         <p:nvPicPr>
-          <p:cNvPr id="18" name="Espaço Reservado para Imagem 29" descr="Foto de rosto do membro da equipe">
-            <a:extLst>
-              <a:ext uri="{FF2B5EF4-FFF2-40B4-BE49-F238E27FC236}">
-                <a16:creationId xmlns:a16="http://schemas.microsoft.com/office/drawing/2014/main" id="{2D82977F-BE23-77F5-BFCE-00474CDF4069}"/>
+          <p:cNvPr id="17" name="Espaço Reservado para Imagem 16" descr="Estrutura de DNA branco">
+            <a:extLst>
+              <a:ext uri="{FF2B5EF4-FFF2-40B4-BE49-F238E27FC236}">
+                <a16:creationId xmlns:a16="http://schemas.microsoft.com/office/drawing/2014/main" id="{6D8705D1-EA1F-3113-ABE0-EC474D1F18DA}"/>
               </a:ext>
             </a:extLst>
           </p:cNvPr>
@@ -19419,14 +14443,15 @@
             <a:picLocks noGrp="1" noChangeAspect="1"/>
           </p:cNvPicPr>
           <p:nvPr>
-            <p:ph type="pic" sz="quarter" idx="13"/>
+            <p:ph type="pic" sz="quarter" idx="12"/>
           </p:nvPr>
         </p:nvPicPr>
         <p:blipFill rotWithShape="1">
-          <a:blip r:embed="rId5" cstate="print">
+          <a:blip r:embed="rId3">
+            <a:alphaModFix amt="50000"/>
             <a:extLst>
               <a:ext uri="{28A0092B-C50C-407E-A947-70E740481C1C}">
-                <a14:useLocalDpi xmlns:a14="http://schemas.microsoft.com/office/drawing/2010/main"/>
+                <a14:useLocalDpi xmlns:a14="http://schemas.microsoft.com/office/drawing/2010/main" val="0"/>
               </a:ext>
             </a:extLst>
           </a:blip>
@@ -19437,26 +14462,21 @@
       </p:pic>
       <p:sp>
         <p:nvSpPr>
-          <p:cNvPr id="11" name="Espaço Reservado para Texto 10">
-            <a:extLst>
-              <a:ext uri="{FF2B5EF4-FFF2-40B4-BE49-F238E27FC236}">
-                <a16:creationId xmlns:a16="http://schemas.microsoft.com/office/drawing/2014/main" id="{94001C92-5199-4EEF-9AD8-8F9EEF76C6F4}"/>
-              </a:ext>
-            </a:extLst>
-          </p:cNvPr>
-          <p:cNvSpPr>
-            <a:spLocks noGrp="1"/>
-          </p:cNvSpPr>
-          <p:nvPr>
-            <p:ph type="body" sz="quarter" idx="18"/>
-          </p:nvPr>
-        </p:nvSpPr>
-        <p:spPr>
-          <a:xfrm>
-            <a:off x="3990975" y="3300984"/>
-            <a:ext cx="1619250" cy="411480"/>
-          </a:xfrm>
-        </p:spPr>
+          <p:cNvPr id="19" name="Título 18">
+            <a:extLst>
+              <a:ext uri="{FF2B5EF4-FFF2-40B4-BE49-F238E27FC236}">
+                <a16:creationId xmlns:a16="http://schemas.microsoft.com/office/drawing/2014/main" id="{1130D679-D78E-1F15-EC3D-4BED6D69B35F}"/>
+              </a:ext>
+            </a:extLst>
+          </p:cNvPr>
+          <p:cNvSpPr>
+            <a:spLocks noGrp="1"/>
+          </p:cNvSpPr>
+          <p:nvPr>
+            <p:ph type="title"/>
+          </p:nvPr>
+        </p:nvSpPr>
+        <p:spPr/>
         <p:txBody>
           <a:bodyPr rtlCol="0"/>
           <a:lstStyle>
@@ -19467,55 +14487,18 @@
           <a:p>
             <a:pPr rtl="0"/>
             <a:r>
-              <a:rPr lang="pt-BR"/>
-              <a:t>Mirjam Nilsson</a:t>
-            </a:r>
-          </a:p>
-        </p:txBody>
-      </p:sp>
-      <p:sp>
-        <p:nvSpPr>
-          <p:cNvPr id="12" name="Espaço Reservado para Texto 11">
-            <a:extLst>
-              <a:ext uri="{FF2B5EF4-FFF2-40B4-BE49-F238E27FC236}">
-                <a16:creationId xmlns:a16="http://schemas.microsoft.com/office/drawing/2014/main" id="{9FB3C79A-5A2E-1974-C643-A59B78E2E7CF}"/>
-              </a:ext>
-            </a:extLst>
-          </p:cNvPr>
-          <p:cNvSpPr>
-            <a:spLocks noGrp="1"/>
-          </p:cNvSpPr>
-          <p:nvPr>
-            <p:ph type="body" sz="quarter" idx="19"/>
-          </p:nvPr>
-        </p:nvSpPr>
-        <p:spPr/>
-        <p:txBody>
-          <a:bodyPr rtlCol="0"/>
-          <a:lstStyle>
-            <a:defPPr>
-              <a:defRPr lang="pt-BR"/>
-            </a:defPPr>
-          </a:lstStyle>
-          <a:p>
-            <a:pPr rtl="0"/>
-            <a:r>
-              <a:rPr lang="pt-BR"/>
-              <a:t>Diretor Executivo</a:t>
-            </a:r>
-          </a:p>
-          <a:p>
-            <a:pPr rtl="0"/>
-            <a:endParaRPr lang="pt-BR" dirty="0"/>
+              <a:rPr lang="pt-BR" dirty="0"/>
+              <a:t>Obrigado </a:t>
+            </a:r>
           </a:p>
         </p:txBody>
       </p:sp>
       <p:pic>
         <p:nvPicPr>
-          <p:cNvPr id="6" name="Espaço Reservado para Imagem 29" descr="Foto de rosto do membro da equipe">
-            <a:extLst>
-              <a:ext uri="{FF2B5EF4-FFF2-40B4-BE49-F238E27FC236}">
-                <a16:creationId xmlns:a16="http://schemas.microsoft.com/office/drawing/2014/main" id="{A346EF5A-1508-9AA1-EFFC-12C56480C53C}"/>
+          <p:cNvPr id="22" name="Espaço Reservado para Imagem 25" descr="Bactérias cultivadas em uma placa de Petri para um laboratório ou uma investigação científica">
+            <a:extLst>
+              <a:ext uri="{FF2B5EF4-FFF2-40B4-BE49-F238E27FC236}">
+                <a16:creationId xmlns:a16="http://schemas.microsoft.com/office/drawing/2014/main" id="{862BA3D8-52E1-692C-F244-F7882DAD2287}"/>
               </a:ext>
             </a:extLst>
           </p:cNvPr>
@@ -19523,107 +14506,46 @@
             <a:picLocks noGrp="1" noChangeAspect="1"/>
           </p:cNvPicPr>
           <p:nvPr>
-            <p:ph type="pic" sz="quarter" idx="25"/>
+            <p:ph type="pic" sz="quarter" idx="13"/>
           </p:nvPr>
         </p:nvPicPr>
         <p:blipFill rotWithShape="1">
-          <a:blip r:embed="rId6" cstate="print">
+          <a:blip r:embed="rId4">
+            <a:duotone>
+              <a:schemeClr val="accent1">
+                <a:shade val="45000"/>
+                <a:satMod val="135000"/>
+              </a:schemeClr>
+              <a:prstClr val="white"/>
+            </a:duotone>
             <a:extLst>
               <a:ext uri="{28A0092B-C50C-407E-A947-70E740481C1C}">
-                <a14:useLocalDpi xmlns:a14="http://schemas.microsoft.com/office/drawing/2010/main"/>
+                <a14:useLocalDpi xmlns:a14="http://schemas.microsoft.com/office/drawing/2010/main" val="0"/>
               </a:ext>
             </a:extLst>
           </a:blip>
           <a:srcRect/>
           <a:stretch/>
         </p:blipFill>
-        <p:spPr>
-          <a:custGeom>
-            <a:avLst/>
-            <a:gdLst>
-              <a:gd name="connsiteX0" fmla="*/ 891540 w 1783080"/>
-              <a:gd name="connsiteY0" fmla="*/ 0 h 1783080"/>
-              <a:gd name="connsiteX1" fmla="*/ 1783080 w 1783080"/>
-              <a:gd name="connsiteY1" fmla="*/ 891540 h 1783080"/>
-              <a:gd name="connsiteX2" fmla="*/ 891540 w 1783080"/>
-              <a:gd name="connsiteY2" fmla="*/ 1783080 h 1783080"/>
-              <a:gd name="connsiteX3" fmla="*/ 0 w 1783080"/>
-              <a:gd name="connsiteY3" fmla="*/ 891540 h 1783080"/>
-              <a:gd name="connsiteX4" fmla="*/ 891540 w 1783080"/>
-              <a:gd name="connsiteY4" fmla="*/ 0 h 1783080"/>
-            </a:gdLst>
-            <a:ahLst/>
-            <a:cxnLst>
-              <a:cxn ang="0">
-                <a:pos x="connsiteX0" y="connsiteY0"/>
-              </a:cxn>
-              <a:cxn ang="0">
-                <a:pos x="connsiteX1" y="connsiteY1"/>
-              </a:cxn>
-              <a:cxn ang="0">
-                <a:pos x="connsiteX2" y="connsiteY2"/>
-              </a:cxn>
-              <a:cxn ang="0">
-                <a:pos x="connsiteX3" y="connsiteY3"/>
-              </a:cxn>
-              <a:cxn ang="0">
-                <a:pos x="connsiteX4" y="connsiteY4"/>
-              </a:cxn>
-            </a:cxnLst>
-            <a:rect l="l" t="t" r="r" b="b"/>
-            <a:pathLst>
-              <a:path w="1783080" h="1783080">
-                <a:moveTo>
-                  <a:pt x="891540" y="0"/>
-                </a:moveTo>
-                <a:cubicBezTo>
-                  <a:pt x="1383924" y="0"/>
-                  <a:pt x="1783080" y="399156"/>
-                  <a:pt x="1783080" y="891540"/>
-                </a:cubicBezTo>
-                <a:cubicBezTo>
-                  <a:pt x="1783080" y="1383924"/>
-                  <a:pt x="1383924" y="1783080"/>
-                  <a:pt x="891540" y="1783080"/>
-                </a:cubicBezTo>
-                <a:cubicBezTo>
-                  <a:pt x="399156" y="1783080"/>
-                  <a:pt x="0" y="1383924"/>
-                  <a:pt x="0" y="891540"/>
-                </a:cubicBezTo>
-                <a:cubicBezTo>
-                  <a:pt x="0" y="399156"/>
-                  <a:pt x="399156" y="0"/>
-                  <a:pt x="891540" y="0"/>
-                </a:cubicBezTo>
-                <a:close/>
-              </a:path>
-            </a:pathLst>
-          </a:custGeom>
-        </p:spPr>
+        <p:spPr/>
       </p:pic>
       <p:sp>
         <p:nvSpPr>
-          <p:cNvPr id="22" name="Espaço Reservado para Texto 21">
-            <a:extLst>
-              <a:ext uri="{FF2B5EF4-FFF2-40B4-BE49-F238E27FC236}">
-                <a16:creationId xmlns:a16="http://schemas.microsoft.com/office/drawing/2014/main" id="{11187F11-2B2E-31FE-A395-D9980CCD1008}"/>
-              </a:ext>
-            </a:extLst>
-          </p:cNvPr>
-          <p:cNvSpPr>
-            <a:spLocks noGrp="1"/>
-          </p:cNvSpPr>
-          <p:nvPr>
-            <p:ph type="body" sz="quarter" idx="30"/>
-          </p:nvPr>
-        </p:nvSpPr>
-        <p:spPr>
-          <a:xfrm>
-            <a:off x="3990975" y="5824728"/>
-            <a:ext cx="1619250" cy="411480"/>
-          </a:xfrm>
-        </p:spPr>
+          <p:cNvPr id="27" name="Espaço Reservado para Texto 26">
+            <a:extLst>
+              <a:ext uri="{FF2B5EF4-FFF2-40B4-BE49-F238E27FC236}">
+                <a16:creationId xmlns:a16="http://schemas.microsoft.com/office/drawing/2014/main" id="{BB8B6963-69FE-8A03-5E86-2BF855024B00}"/>
+              </a:ext>
+            </a:extLst>
+          </p:cNvPr>
+          <p:cNvSpPr>
+            <a:spLocks noGrp="1"/>
+          </p:cNvSpPr>
+          <p:nvPr>
+            <p:ph type="body" sz="quarter" idx="14"/>
+          </p:nvPr>
+        </p:nvSpPr>
+        <p:spPr/>
         <p:txBody>
           <a:bodyPr rtlCol="0"/>
           <a:lstStyle>
@@ -19632,591 +14554,62 @@
             </a:defPPr>
           </a:lstStyle>
           <a:p>
-            <a:pPr rtl="0"/>
-            <a:r>
-              <a:rPr lang="pt-BR" sz="1400">
-                <a:effectLst/>
-              </a:rPr>
-              <a:t>Rowan Murphy</a:t>
-            </a:r>
-            <a:endParaRPr lang="pt-BR" sz="1200" dirty="0"/>
-          </a:p>
-        </p:txBody>
-      </p:sp>
-      <p:sp>
-        <p:nvSpPr>
-          <p:cNvPr id="63" name="Espaço Reservado para Texto 62">
-            <a:extLst>
-              <a:ext uri="{FF2B5EF4-FFF2-40B4-BE49-F238E27FC236}">
-                <a16:creationId xmlns:a16="http://schemas.microsoft.com/office/drawing/2014/main" id="{C0F3A42F-07DA-9D0E-95DF-4EB54230C79E}"/>
-              </a:ext>
-            </a:extLst>
-          </p:cNvPr>
-          <p:cNvSpPr>
-            <a:spLocks noGrp="1"/>
-          </p:cNvSpPr>
-          <p:nvPr>
-            <p:ph type="body" sz="quarter" idx="31"/>
-          </p:nvPr>
-        </p:nvSpPr>
-        <p:spPr/>
-        <p:txBody>
-          <a:bodyPr rtlCol="0"/>
-          <a:lstStyle>
-            <a:defPPr>
-              <a:defRPr lang="pt-BR"/>
-            </a:defPPr>
-          </a:lstStyle>
-          <a:p>
-            <a:pPr rtl="0"/>
-            <a:r>
-              <a:rPr lang="pt-BR" sz="1200" cap="none"/>
-              <a:t>Estrategista de SEO</a:t>
-            </a:r>
-          </a:p>
-          <a:p>
-            <a:pPr rtl="0"/>
-            <a:endParaRPr lang="pt-BR" dirty="0"/>
-          </a:p>
-        </p:txBody>
-      </p:sp>
-      <p:pic>
-        <p:nvPicPr>
-          <p:cNvPr id="19" name="Espaço Reservado para Imagem 31" descr="Foto de rosto do membro da equipe">
-            <a:extLst>
-              <a:ext uri="{FF2B5EF4-FFF2-40B4-BE49-F238E27FC236}">
-                <a16:creationId xmlns:a16="http://schemas.microsoft.com/office/drawing/2014/main" id="{F1995D2A-6DEB-36F1-92BE-92F53999C470}"/>
-              </a:ext>
-            </a:extLst>
-          </p:cNvPr>
-          <p:cNvPicPr>
-            <a:picLocks noGrp="1" noChangeAspect="1"/>
-          </p:cNvPicPr>
-          <p:nvPr>
-            <p:ph type="pic" sz="quarter" idx="14"/>
-          </p:nvPr>
-        </p:nvPicPr>
-        <p:blipFill rotWithShape="1">
-          <a:blip r:embed="rId7" cstate="print">
-            <a:extLst>
-              <a:ext uri="{28A0092B-C50C-407E-A947-70E740481C1C}">
-                <a14:useLocalDpi xmlns:a14="http://schemas.microsoft.com/office/drawing/2010/main"/>
-              </a:ext>
-            </a:extLst>
-          </a:blip>
-          <a:srcRect t="127" b="127"/>
-          <a:stretch/>
-        </p:blipFill>
-        <p:spPr/>
-      </p:pic>
-      <p:sp>
-        <p:nvSpPr>
-          <p:cNvPr id="13" name="Espaço Reservado para Texto 12">
-            <a:extLst>
-              <a:ext uri="{FF2B5EF4-FFF2-40B4-BE49-F238E27FC236}">
-                <a16:creationId xmlns:a16="http://schemas.microsoft.com/office/drawing/2014/main" id="{5B78A878-C090-192A-ABA1-84C905B5183C}"/>
-              </a:ext>
-            </a:extLst>
-          </p:cNvPr>
-          <p:cNvSpPr>
-            <a:spLocks noGrp="1"/>
-          </p:cNvSpPr>
-          <p:nvPr>
-            <p:ph type="body" sz="quarter" idx="20"/>
-          </p:nvPr>
-        </p:nvSpPr>
-        <p:spPr/>
-        <p:txBody>
-          <a:bodyPr rtlCol="0"/>
-          <a:lstStyle>
-            <a:defPPr>
-              <a:defRPr lang="pt-BR"/>
-            </a:defPPr>
-          </a:lstStyle>
-          <a:p>
-            <a:pPr rtl="0"/>
-            <a:r>
-              <a:rPr lang="pt-BR"/>
-              <a:t>Flora Berggren</a:t>
-            </a:r>
-          </a:p>
-        </p:txBody>
-      </p:sp>
-      <p:sp>
-        <p:nvSpPr>
-          <p:cNvPr id="14" name="Espaço Reservado para Texto 13">
-            <a:extLst>
-              <a:ext uri="{FF2B5EF4-FFF2-40B4-BE49-F238E27FC236}">
-                <a16:creationId xmlns:a16="http://schemas.microsoft.com/office/drawing/2014/main" id="{45A07B14-2360-0003-C403-44C18346197A}"/>
-              </a:ext>
-            </a:extLst>
-          </p:cNvPr>
-          <p:cNvSpPr>
-            <a:spLocks noGrp="1"/>
-          </p:cNvSpPr>
-          <p:nvPr>
-            <p:ph type="body" sz="quarter" idx="21"/>
-          </p:nvPr>
-        </p:nvSpPr>
-        <p:spPr/>
-        <p:txBody>
-          <a:bodyPr rtlCol="0"/>
-          <a:lstStyle>
-            <a:defPPr>
-              <a:defRPr lang="pt-BR"/>
-            </a:defPPr>
-          </a:lstStyle>
-          <a:p>
-            <a:pPr rtl="0"/>
-            <a:r>
-              <a:rPr lang="pt-BR"/>
-              <a:t>Diretor de Operações</a:t>
-            </a:r>
-          </a:p>
-          <a:p>
-            <a:pPr rtl="0"/>
-            <a:endParaRPr lang="pt-BR" dirty="0"/>
-          </a:p>
-        </p:txBody>
-      </p:sp>
-      <p:pic>
-        <p:nvPicPr>
-          <p:cNvPr id="7" name="Espaço Reservado para Imagem 31" descr="Foto de rosto do membro da equipe">
-            <a:extLst>
-              <a:ext uri="{FF2B5EF4-FFF2-40B4-BE49-F238E27FC236}">
-                <a16:creationId xmlns:a16="http://schemas.microsoft.com/office/drawing/2014/main" id="{F10ECC01-B4B6-BD26-FDC6-52E69838F97D}"/>
-              </a:ext>
-            </a:extLst>
-          </p:cNvPr>
-          <p:cNvPicPr>
-            <a:picLocks noGrp="1" noChangeAspect="1"/>
-          </p:cNvPicPr>
-          <p:nvPr>
-            <p:ph type="pic" sz="quarter" idx="26"/>
-          </p:nvPr>
-        </p:nvPicPr>
-        <p:blipFill rotWithShape="1">
-          <a:blip r:embed="rId8" cstate="print">
-            <a:extLst>
-              <a:ext uri="{28A0092B-C50C-407E-A947-70E740481C1C}">
-                <a14:useLocalDpi xmlns:a14="http://schemas.microsoft.com/office/drawing/2010/main"/>
-              </a:ext>
-            </a:extLst>
-          </a:blip>
-          <a:srcRect/>
-          <a:stretch/>
-        </p:blipFill>
-        <p:spPr>
-          <a:custGeom>
-            <a:avLst/>
-            <a:gdLst>
-              <a:gd name="connsiteX0" fmla="*/ 891540 w 1783080"/>
-              <a:gd name="connsiteY0" fmla="*/ 0 h 1783080"/>
-              <a:gd name="connsiteX1" fmla="*/ 1783080 w 1783080"/>
-              <a:gd name="connsiteY1" fmla="*/ 891540 h 1783080"/>
-              <a:gd name="connsiteX2" fmla="*/ 891540 w 1783080"/>
-              <a:gd name="connsiteY2" fmla="*/ 1783080 h 1783080"/>
-              <a:gd name="connsiteX3" fmla="*/ 0 w 1783080"/>
-              <a:gd name="connsiteY3" fmla="*/ 891540 h 1783080"/>
-              <a:gd name="connsiteX4" fmla="*/ 891540 w 1783080"/>
-              <a:gd name="connsiteY4" fmla="*/ 0 h 1783080"/>
-            </a:gdLst>
-            <a:ahLst/>
-            <a:cxnLst>
-              <a:cxn ang="0">
-                <a:pos x="connsiteX0" y="connsiteY0"/>
-              </a:cxn>
-              <a:cxn ang="0">
-                <a:pos x="connsiteX1" y="connsiteY1"/>
-              </a:cxn>
-              <a:cxn ang="0">
-                <a:pos x="connsiteX2" y="connsiteY2"/>
-              </a:cxn>
-              <a:cxn ang="0">
-                <a:pos x="connsiteX3" y="connsiteY3"/>
-              </a:cxn>
-              <a:cxn ang="0">
-                <a:pos x="connsiteX4" y="connsiteY4"/>
-              </a:cxn>
-            </a:cxnLst>
-            <a:rect l="l" t="t" r="r" b="b"/>
-            <a:pathLst>
-              <a:path w="1783080" h="1783080">
-                <a:moveTo>
-                  <a:pt x="891540" y="0"/>
-                </a:moveTo>
-                <a:cubicBezTo>
-                  <a:pt x="1383924" y="0"/>
-                  <a:pt x="1783080" y="399156"/>
-                  <a:pt x="1783080" y="891540"/>
-                </a:cubicBezTo>
-                <a:cubicBezTo>
-                  <a:pt x="1783080" y="1383924"/>
-                  <a:pt x="1383924" y="1783080"/>
-                  <a:pt x="891540" y="1783080"/>
-                </a:cubicBezTo>
-                <a:cubicBezTo>
-                  <a:pt x="399156" y="1783080"/>
-                  <a:pt x="0" y="1383924"/>
-                  <a:pt x="0" y="891540"/>
-                </a:cubicBezTo>
-                <a:cubicBezTo>
-                  <a:pt x="0" y="399156"/>
-                  <a:pt x="399156" y="0"/>
-                  <a:pt x="891540" y="0"/>
-                </a:cubicBezTo>
-                <a:close/>
-              </a:path>
-            </a:pathLst>
-          </a:custGeom>
-        </p:spPr>
-      </p:pic>
-      <p:sp>
-        <p:nvSpPr>
-          <p:cNvPr id="64" name="Espaço Reservado para Texto 63">
-            <a:extLst>
-              <a:ext uri="{FF2B5EF4-FFF2-40B4-BE49-F238E27FC236}">
-                <a16:creationId xmlns:a16="http://schemas.microsoft.com/office/drawing/2014/main" id="{507A5A37-629B-D3C0-7AA6-42657E258A62}"/>
-              </a:ext>
-            </a:extLst>
-          </p:cNvPr>
-          <p:cNvSpPr>
-            <a:spLocks noGrp="1"/>
-          </p:cNvSpPr>
-          <p:nvPr>
-            <p:ph type="body" sz="quarter" idx="32"/>
-          </p:nvPr>
-        </p:nvSpPr>
-        <p:spPr/>
-        <p:txBody>
-          <a:bodyPr rtlCol="0"/>
-          <a:lstStyle>
-            <a:defPPr>
-              <a:defRPr lang="pt-BR"/>
-            </a:defPPr>
-          </a:lstStyle>
-          <a:p>
-            <a:pPr rtl="0"/>
-            <a:r>
-              <a:rPr lang="pt-BR" sz="1400">
-                <a:effectLst/>
-              </a:rPr>
-              <a:t>Elizabeth Moore</a:t>
-            </a:r>
-            <a:endParaRPr lang="pt-BR" sz="1200" dirty="0"/>
-          </a:p>
-        </p:txBody>
-      </p:sp>
-      <p:sp>
-        <p:nvSpPr>
-          <p:cNvPr id="65" name="Espaço Reservado para Texto 64">
-            <a:extLst>
-              <a:ext uri="{FF2B5EF4-FFF2-40B4-BE49-F238E27FC236}">
-                <a16:creationId xmlns:a16="http://schemas.microsoft.com/office/drawing/2014/main" id="{C544F31E-FD62-0DB3-C332-F63979ADD95B}"/>
-              </a:ext>
-            </a:extLst>
-          </p:cNvPr>
-          <p:cNvSpPr>
-            <a:spLocks noGrp="1"/>
-          </p:cNvSpPr>
-          <p:nvPr>
-            <p:ph type="body" sz="quarter" idx="33"/>
-          </p:nvPr>
-        </p:nvSpPr>
-        <p:spPr/>
-        <p:txBody>
-          <a:bodyPr rtlCol="0"/>
-          <a:lstStyle>
-            <a:defPPr>
-              <a:defRPr lang="pt-BR"/>
-            </a:defPPr>
-          </a:lstStyle>
-          <a:p>
-            <a:pPr rtl="0"/>
-            <a:r>
-              <a:rPr lang="pt-BR" sz="1200" cap="none"/>
-              <a:t>Designer de Produto</a:t>
-            </a:r>
-          </a:p>
-          <a:p>
-            <a:pPr rtl="0"/>
-            <a:endParaRPr lang="pt-BR" dirty="0"/>
-          </a:p>
-        </p:txBody>
-      </p:sp>
-      <p:pic>
-        <p:nvPicPr>
-          <p:cNvPr id="20" name="Espaço Reservado para Imagem 33" descr="Foto de rosto do membro da equipe">
-            <a:extLst>
-              <a:ext uri="{FF2B5EF4-FFF2-40B4-BE49-F238E27FC236}">
-                <a16:creationId xmlns:a16="http://schemas.microsoft.com/office/drawing/2014/main" id="{C0F4481F-3B4F-240E-A0EB-A783661AD47C}"/>
-              </a:ext>
-            </a:extLst>
-          </p:cNvPr>
-          <p:cNvPicPr>
-            <a:picLocks noGrp="1" noChangeAspect="1"/>
-          </p:cNvPicPr>
-          <p:nvPr>
-            <p:ph type="pic" sz="quarter" idx="15"/>
-          </p:nvPr>
-        </p:nvPicPr>
-        <p:blipFill rotWithShape="1">
-          <a:blip r:embed="rId9" cstate="print">
-            <a:extLst>
-              <a:ext uri="{28A0092B-C50C-407E-A947-70E740481C1C}">
-                <a14:useLocalDpi xmlns:a14="http://schemas.microsoft.com/office/drawing/2010/main"/>
-              </a:ext>
-            </a:extLst>
-          </a:blip>
-          <a:srcRect t="114" b="114"/>
-          <a:stretch/>
-        </p:blipFill>
-        <p:spPr/>
-      </p:pic>
-      <p:sp>
-        <p:nvSpPr>
-          <p:cNvPr id="15" name="Espaço Reservado para Texto 14">
-            <a:extLst>
-              <a:ext uri="{FF2B5EF4-FFF2-40B4-BE49-F238E27FC236}">
-                <a16:creationId xmlns:a16="http://schemas.microsoft.com/office/drawing/2014/main" id="{5DEDE163-143D-DC6B-34E9-732EFB294CA9}"/>
-              </a:ext>
-            </a:extLst>
-          </p:cNvPr>
-          <p:cNvSpPr>
-            <a:spLocks noGrp="1"/>
-          </p:cNvSpPr>
-          <p:nvPr>
-            <p:ph type="body" sz="quarter" idx="22"/>
-          </p:nvPr>
-        </p:nvSpPr>
-        <p:spPr/>
-        <p:txBody>
-          <a:bodyPr rtlCol="0"/>
-          <a:lstStyle>
-            <a:defPPr>
-              <a:defRPr lang="pt-BR"/>
-            </a:defPPr>
-          </a:lstStyle>
-          <a:p>
-            <a:pPr rtl="0"/>
-            <a:r>
-              <a:rPr lang="pt-BR"/>
-              <a:t>Rajesh Santoshi</a:t>
-            </a:r>
-          </a:p>
-        </p:txBody>
-      </p:sp>
-      <p:sp>
-        <p:nvSpPr>
-          <p:cNvPr id="16" name="Espaço Reservado para Texto 15">
-            <a:extLst>
-              <a:ext uri="{FF2B5EF4-FFF2-40B4-BE49-F238E27FC236}">
-                <a16:creationId xmlns:a16="http://schemas.microsoft.com/office/drawing/2014/main" id="{6659681C-2F2D-40E6-CAFD-944B9E631EA2}"/>
-              </a:ext>
-            </a:extLst>
-          </p:cNvPr>
-          <p:cNvSpPr>
-            <a:spLocks noGrp="1"/>
-          </p:cNvSpPr>
-          <p:nvPr>
-            <p:ph type="body" sz="quarter" idx="23"/>
-          </p:nvPr>
-        </p:nvSpPr>
-        <p:spPr/>
-        <p:txBody>
-          <a:bodyPr rtlCol="0"/>
-          <a:lstStyle>
-            <a:defPPr>
-              <a:defRPr lang="pt-BR"/>
-            </a:defPPr>
-          </a:lstStyle>
-          <a:p>
-            <a:pPr rtl="0"/>
-            <a:r>
-              <a:rPr lang="pt-BR"/>
-              <a:t>Vice-presidente de Marketing</a:t>
-            </a:r>
-          </a:p>
-          <a:p>
-            <a:pPr rtl="0"/>
-            <a:endParaRPr lang="pt-BR" dirty="0"/>
-          </a:p>
-        </p:txBody>
-      </p:sp>
-      <p:pic>
-        <p:nvPicPr>
-          <p:cNvPr id="8" name="Espaço Reservado para Imagem 33" descr="Foto de rosto do membro da equipe">
-            <a:extLst>
-              <a:ext uri="{FF2B5EF4-FFF2-40B4-BE49-F238E27FC236}">
-                <a16:creationId xmlns:a16="http://schemas.microsoft.com/office/drawing/2014/main" id="{0F4178EC-AFE3-BA0D-CF99-15A11DD95486}"/>
-              </a:ext>
-            </a:extLst>
-          </p:cNvPr>
-          <p:cNvPicPr>
-            <a:picLocks noGrp="1" noChangeAspect="1"/>
-          </p:cNvPicPr>
-          <p:nvPr>
-            <p:ph type="pic" sz="quarter" idx="27"/>
-          </p:nvPr>
-        </p:nvPicPr>
-        <p:blipFill rotWithShape="1">
-          <a:blip r:embed="rId10" cstate="print">
-            <a:extLst>
-              <a:ext uri="{28A0092B-C50C-407E-A947-70E740481C1C}">
-                <a14:useLocalDpi xmlns:a14="http://schemas.microsoft.com/office/drawing/2010/main"/>
-              </a:ext>
-            </a:extLst>
-          </a:blip>
-          <a:srcRect t="382" b="382"/>
-          <a:stretch/>
-        </p:blipFill>
-        <p:spPr>
-          <a:custGeom>
-            <a:avLst/>
-            <a:gdLst>
-              <a:gd name="connsiteX0" fmla="*/ 891540 w 1783080"/>
-              <a:gd name="connsiteY0" fmla="*/ 0 h 1783080"/>
-              <a:gd name="connsiteX1" fmla="*/ 1783080 w 1783080"/>
-              <a:gd name="connsiteY1" fmla="*/ 891540 h 1783080"/>
-              <a:gd name="connsiteX2" fmla="*/ 891540 w 1783080"/>
-              <a:gd name="connsiteY2" fmla="*/ 1783080 h 1783080"/>
-              <a:gd name="connsiteX3" fmla="*/ 0 w 1783080"/>
-              <a:gd name="connsiteY3" fmla="*/ 891540 h 1783080"/>
-              <a:gd name="connsiteX4" fmla="*/ 891540 w 1783080"/>
-              <a:gd name="connsiteY4" fmla="*/ 0 h 1783080"/>
-            </a:gdLst>
-            <a:ahLst/>
-            <a:cxnLst>
-              <a:cxn ang="0">
-                <a:pos x="connsiteX0" y="connsiteY0"/>
-              </a:cxn>
-              <a:cxn ang="0">
-                <a:pos x="connsiteX1" y="connsiteY1"/>
-              </a:cxn>
-              <a:cxn ang="0">
-                <a:pos x="connsiteX2" y="connsiteY2"/>
-              </a:cxn>
-              <a:cxn ang="0">
-                <a:pos x="connsiteX3" y="connsiteY3"/>
-              </a:cxn>
-              <a:cxn ang="0">
-                <a:pos x="connsiteX4" y="connsiteY4"/>
-              </a:cxn>
-            </a:cxnLst>
-            <a:rect l="l" t="t" r="r" b="b"/>
-            <a:pathLst>
-              <a:path w="1783080" h="1783080">
-                <a:moveTo>
-                  <a:pt x="891540" y="0"/>
-                </a:moveTo>
-                <a:cubicBezTo>
-                  <a:pt x="1383924" y="0"/>
-                  <a:pt x="1783080" y="399156"/>
-                  <a:pt x="1783080" y="891540"/>
-                </a:cubicBezTo>
-                <a:cubicBezTo>
-                  <a:pt x="1783080" y="1383924"/>
-                  <a:pt x="1383924" y="1783080"/>
-                  <a:pt x="891540" y="1783080"/>
-                </a:cubicBezTo>
-                <a:cubicBezTo>
-                  <a:pt x="399156" y="1783080"/>
-                  <a:pt x="0" y="1383924"/>
-                  <a:pt x="0" y="891540"/>
-                </a:cubicBezTo>
-                <a:cubicBezTo>
-                  <a:pt x="0" y="399156"/>
-                  <a:pt x="399156" y="0"/>
-                  <a:pt x="891540" y="0"/>
-                </a:cubicBezTo>
-                <a:close/>
-              </a:path>
-            </a:pathLst>
-          </a:custGeom>
-        </p:spPr>
-      </p:pic>
-      <p:sp>
-        <p:nvSpPr>
-          <p:cNvPr id="66" name="Espaço Reservado para Texto 65">
-            <a:extLst>
-              <a:ext uri="{FF2B5EF4-FFF2-40B4-BE49-F238E27FC236}">
-                <a16:creationId xmlns:a16="http://schemas.microsoft.com/office/drawing/2014/main" id="{E09BD530-2643-D025-A6C4-D09AA2CAA027}"/>
-              </a:ext>
-            </a:extLst>
-          </p:cNvPr>
-          <p:cNvSpPr>
-            <a:spLocks noGrp="1"/>
-          </p:cNvSpPr>
-          <p:nvPr>
-            <p:ph type="body" sz="quarter" idx="34"/>
-          </p:nvPr>
-        </p:nvSpPr>
-        <p:spPr>
-          <a:xfrm>
-            <a:off x="9286494" y="5824728"/>
-            <a:ext cx="1324356" cy="411480"/>
-          </a:xfrm>
-        </p:spPr>
-        <p:txBody>
-          <a:bodyPr rtlCol="0"/>
-          <a:lstStyle>
-            <a:defPPr>
-              <a:defRPr lang="pt-BR"/>
-            </a:defPPr>
-          </a:lstStyle>
-          <a:p>
-            <a:pPr rtl="0"/>
-            <a:r>
-              <a:rPr lang="pt-BR" sz="1400">
-                <a:effectLst/>
-              </a:rPr>
-              <a:t>Robin Kline</a:t>
-            </a:r>
-            <a:endParaRPr lang="pt-BR" sz="1200" dirty="0"/>
-          </a:p>
-        </p:txBody>
-      </p:sp>
-      <p:sp>
-        <p:nvSpPr>
-          <p:cNvPr id="67" name="Espaço Reservado para Texto 66">
-            <a:extLst>
-              <a:ext uri="{FF2B5EF4-FFF2-40B4-BE49-F238E27FC236}">
-                <a16:creationId xmlns:a16="http://schemas.microsoft.com/office/drawing/2014/main" id="{6D5F80D4-8E3D-5754-FB1E-E4D708F3B05C}"/>
-              </a:ext>
-            </a:extLst>
-          </p:cNvPr>
-          <p:cNvSpPr>
-            <a:spLocks noGrp="1"/>
-          </p:cNvSpPr>
-          <p:nvPr>
-            <p:ph type="body" sz="quarter" idx="35"/>
-          </p:nvPr>
-        </p:nvSpPr>
-        <p:spPr/>
-        <p:txBody>
-          <a:bodyPr rtlCol="0"/>
-          <a:lstStyle>
-            <a:defPPr>
-              <a:defRPr lang="pt-BR"/>
-            </a:defPPr>
-          </a:lstStyle>
-          <a:p>
-            <a:pPr rtl="0"/>
-            <a:r>
-              <a:rPr lang="pt-BR" sz="1200" cap="none"/>
-              <a:t>Desenvolvedor de Conteúdo</a:t>
-            </a:r>
-          </a:p>
-          <a:p>
-            <a:pPr rtl="0"/>
-            <a:endParaRPr lang="pt-BR" dirty="0"/>
+            <a:pPr marL="0" indent="0" algn="ctr" rtl="0">
+              <a:lnSpc>
+                <a:spcPts val="2660"/>
+              </a:lnSpc>
+              <a:spcBef>
+                <a:spcPts val="0"/>
+              </a:spcBef>
+              <a:buNone/>
+            </a:pPr>
+            <a:r>
+              <a:rPr lang="pt-BR" sz="2000" cap="all" spc="0" dirty="0"/>
+              <a:t>Nathália </a:t>
+            </a:r>
+            <a:r>
+              <a:rPr lang="pt-BR" sz="2000" cap="all" spc="0" dirty="0" err="1"/>
+              <a:t>valim</a:t>
+            </a:r>
+            <a:endParaRPr lang="pt-BR" sz="2000" cap="all" spc="0" dirty="0"/>
+          </a:p>
+          <a:p>
+            <a:pPr marL="0" indent="0" algn="ctr" rtl="0">
+              <a:lnSpc>
+                <a:spcPts val="2660"/>
+              </a:lnSpc>
+              <a:spcBef>
+                <a:spcPts val="0"/>
+              </a:spcBef>
+              <a:buNone/>
+            </a:pPr>
+            <a:r>
+              <a:rPr lang="pt-BR" sz="2000" cap="all" spc="0" dirty="0"/>
+              <a:t>Thiago barro</a:t>
+            </a:r>
+          </a:p>
+          <a:p>
+            <a:pPr marL="0" indent="0" algn="ctr" rtl="0">
+              <a:lnSpc>
+                <a:spcPts val="2660"/>
+              </a:lnSpc>
+              <a:spcBef>
+                <a:spcPts val="0"/>
+              </a:spcBef>
+              <a:buNone/>
+            </a:pPr>
+            <a:r>
+              <a:rPr lang="pt-BR" dirty="0"/>
+              <a:t>Fernando </a:t>
+            </a:r>
+            <a:endParaRPr lang="pt-BR" sz="2000" cap="all" spc="0" dirty="0"/>
           </a:p>
         </p:txBody>
       </p:sp>
     </p:spTree>
     <p:extLst>
       <p:ext uri="{BB962C8B-B14F-4D97-AF65-F5344CB8AC3E}">
-        <p14:creationId xmlns:p14="http://schemas.microsoft.com/office/powerpoint/2010/main" val="2141700674"/>
+        <p14:creationId xmlns:p14="http://schemas.microsoft.com/office/powerpoint/2010/main" val="3334127647"/>
       </p:ext>
     </p:extLst>
   </p:cSld>
@@ -21018,6 +15411,15 @@
 </file>
 
 <file path=customXml/item1.xml><?xml version="1.0" encoding="utf-8"?>
+<?mso-contentType ?>
+<FormTemplates xmlns="http://schemas.microsoft.com/sharepoint/v3/contenttype/forms">
+  <Display>DocumentLibraryForm</Display>
+  <Edit>DocumentLibraryForm</Edit>
+  <New>DocumentLibraryForm</New>
+</FormTemplates>
+</file>
+
+<file path=customXml/item2.xml><?xml version="1.0" encoding="utf-8"?>
 <ct:contentTypeSchema xmlns:ct="http://schemas.microsoft.com/office/2006/metadata/contentType" xmlns:ma="http://schemas.microsoft.com/office/2006/metadata/properties/metaAttributes" ct:_="" ma:_="" ma:contentTypeName="Document" ma:contentTypeID="0x01010079F111ED35F8CC479449609E8A0923A6" ma:contentTypeVersion="25" ma:contentTypeDescription="Create a new document." ma:contentTypeScope="" ma:versionID="e02306daf00165b375dc6a58966960be">
   <xsd:schema xmlns:xsd="http://www.w3.org/2001/XMLSchema" xmlns:xs="http://www.w3.org/2001/XMLSchema" xmlns:p="http://schemas.microsoft.com/office/2006/metadata/properties" xmlns:ns1="http://schemas.microsoft.com/sharepoint/v3" xmlns:ns2="71af3243-3dd4-4a8d-8c0d-dd76da1f02a5" xmlns:ns3="16c05727-aa75-4e4a-9b5f-8a80a1165891" xmlns:ns4="230e9df3-be65-4c73-a93b-d1236ebd677e" targetNamespace="http://schemas.microsoft.com/office/2006/metadata/properties" ma:root="true" ma:fieldsID="df88fb76bf5f555224557953949c1ec9" ns1:_="" ns2:_="" ns3:_="" ns4:_="">
     <xsd:import namespace="http://schemas.microsoft.com/sharepoint/v3"/>
@@ -21311,15 +15713,6 @@
 </ct:contentTypeSchema>
 </file>
 
-<file path=customXml/item2.xml><?xml version="1.0" encoding="utf-8"?>
-<?mso-contentType ?>
-<FormTemplates xmlns="http://schemas.microsoft.com/sharepoint/v3/contenttype/forms">
-  <Display>DocumentLibraryForm</Display>
-  <Edit>DocumentLibraryForm</Edit>
-  <New>DocumentLibraryForm</New>
-</FormTemplates>
-</file>
-
 <file path=customXml/item3.xml><?xml version="1.0" encoding="utf-8"?>
 <p:properties xmlns:p="http://schemas.microsoft.com/office/2006/metadata/properties" xmlns:xsi="http://www.w3.org/2001/XMLSchema-instance" xmlns:pc="http://schemas.microsoft.com/office/infopath/2007/PartnerControls">
   <documentManagement>
@@ -21341,6 +15734,14 @@
 </file>
 
 <file path=customXml/itemProps1.xml><?xml version="1.0" encoding="utf-8"?>
+<ds:datastoreItem xmlns:ds="http://schemas.openxmlformats.org/officeDocument/2006/customXml" ds:itemID="{0E8B3377-22F1-4153-96F0-CC2E4BE41C57}">
+  <ds:schemaRefs>
+    <ds:schemaRef ds:uri="http://schemas.microsoft.com/sharepoint/v3/contenttype/forms"/>
+  </ds:schemaRefs>
+</ds:datastoreItem>
+</file>
+
+<file path=customXml/itemProps2.xml><?xml version="1.0" encoding="utf-8"?>
 <ds:datastoreItem xmlns:ds="http://schemas.openxmlformats.org/officeDocument/2006/customXml" ds:itemID="{2EB2FABB-45EC-440E-B647-8CA57BA45ACA}">
   <ds:schemaRefs>
     <ds:schemaRef ds:uri="http://schemas.microsoft.com/office/2006/metadata/contentType"/>
@@ -21361,14 +15762,6 @@
 </ds:datastoreItem>
 </file>
 
-<file path=customXml/itemProps2.xml><?xml version="1.0" encoding="utf-8"?>
-<ds:datastoreItem xmlns:ds="http://schemas.openxmlformats.org/officeDocument/2006/customXml" ds:itemID="{0E8B3377-22F1-4153-96F0-CC2E4BE41C57}">
-  <ds:schemaRefs>
-    <ds:schemaRef ds:uri="http://schemas.microsoft.com/sharepoint/v3/contenttype/forms"/>
-  </ds:schemaRefs>
-</ds:datastoreItem>
-</file>
-
 <file path=customXml/itemProps3.xml><?xml version="1.0" encoding="utf-8"?>
 <ds:datastoreItem xmlns:ds="http://schemas.openxmlformats.org/officeDocument/2006/customXml" ds:itemID="{99746342-5E84-430E-9251-61001F208E7A}">
   <ds:schemaRefs>
